--- a/Project2/Issue of under-predicting house prices.pptx
+++ b/Project2/Issue of under-predicting house prices.pptx
@@ -5,10 +5,10 @@
     <p:sldMasterId id="2147483666" r:id="rId4"/>
   </p:sldMasterIdLst>
   <p:notesMasterIdLst>
-    <p:notesMasterId r:id="rId22"/>
+    <p:notesMasterId r:id="rId24"/>
   </p:notesMasterIdLst>
   <p:handoutMasterIdLst>
-    <p:handoutMasterId r:id="rId23"/>
+    <p:handoutMasterId r:id="rId25"/>
   </p:handoutMasterIdLst>
   <p:sldIdLst>
     <p:sldId id="256" r:id="rId5"/>
@@ -22,12 +22,14 @@
     <p:sldId id="304" r:id="rId13"/>
     <p:sldId id="305" r:id="rId14"/>
     <p:sldId id="307" r:id="rId15"/>
-    <p:sldId id="308" r:id="rId16"/>
-    <p:sldId id="310" r:id="rId17"/>
-    <p:sldId id="311" r:id="rId18"/>
-    <p:sldId id="312" r:id="rId19"/>
-    <p:sldId id="315" r:id="rId20"/>
-    <p:sldId id="314" r:id="rId21"/>
+    <p:sldId id="316" r:id="rId16"/>
+    <p:sldId id="317" r:id="rId17"/>
+    <p:sldId id="308" r:id="rId18"/>
+    <p:sldId id="310" r:id="rId19"/>
+    <p:sldId id="311" r:id="rId20"/>
+    <p:sldId id="312" r:id="rId21"/>
+    <p:sldId id="315" r:id="rId22"/>
+    <p:sldId id="314" r:id="rId23"/>
   </p:sldIdLst>
   <p:sldSz cx="12192000" cy="6858000"/>
   <p:notesSz cx="6858000" cy="9144000"/>
@@ -261,7 +263,7 @@
           <a:p>
             <a:fld id="{F352A77B-D33C-49B3-A83C-450AA2ED72B3}" type="datetimeFigureOut">
               <a:rPr lang="en-US" smtClean="0"/>
-              <a:t>3/17/2022</a:t>
+              <a:t>3/18/2022</a:t>
             </a:fld>
             <a:endParaRPr lang="en-US" dirty="0"/>
           </a:p>
@@ -438,7 +440,7 @@
           <a:p>
             <a:fld id="{E38D8F9A-F5CB-4EF8-A859-ED5E107B9763}" type="datetimeFigureOut">
               <a:rPr lang="en-US" smtClean="0"/>
-              <a:t>3/17/2022</a:t>
+              <a:t>3/18/2022</a:t>
             </a:fld>
             <a:endParaRPr lang="en-US" dirty="0"/>
           </a:p>
@@ -16156,15 +16158,6 @@
           <a:solidFill>
             <a:srgbClr val="FFFFFF"/>
           </a:solidFill>
-          <a:extLst>
-            <a:ext uri="{909E8E84-426E-40DD-AFC4-6F175D3DCCD1}">
-              <a14:hiddenFill xmlns:a14="http://schemas.microsoft.com/office/drawing/2010/main">
-                <a:solidFill>
-                  <a:srgbClr val="FFFFFF"/>
-                </a:solidFill>
-              </a14:hiddenFill>
-            </a:ext>
-          </a:extLst>
         </p:spPr>
       </p:pic>
       <p:pic>
@@ -16203,15 +16196,6 @@
           <a:solidFill>
             <a:srgbClr val="FFFFFF"/>
           </a:solidFill>
-          <a:extLst>
-            <a:ext uri="{909E8E84-426E-40DD-AFC4-6F175D3DCCD1}">
-              <a14:hiddenFill xmlns:a14="http://schemas.microsoft.com/office/drawing/2010/main">
-                <a:solidFill>
-                  <a:srgbClr val="FFFFFF"/>
-                </a:solidFill>
-              </a14:hiddenFill>
-            </a:ext>
-          </a:extLst>
         </p:spPr>
       </p:pic>
       <p:sp>
@@ -16743,13 +16727,13 @@
   <p:clrMapOvr>
     <a:masterClrMapping/>
   </p:clrMapOvr>
-  <mc:AlternateContent xmlns:mc="http://schemas.openxmlformats.org/markup-compatibility/2006">
-    <mc:Choice xmlns:p159="http://schemas.microsoft.com/office/powerpoint/2015/09/main" Requires="p159">
+  <mc:AlternateContent xmlns:mc="http://schemas.openxmlformats.org/markup-compatibility/2006" xmlns:p159="http://schemas.microsoft.com/office/powerpoint/2015/09/main">
+    <mc:Choice Requires="p159">
       <p:transition xmlns:p14="http://schemas.microsoft.com/office/powerpoint/2010/main" spd="slow" p14:dur="2000">
         <p159:morph option="byObject"/>
       </p:transition>
     </mc:Choice>
-    <mc:Fallback>
+    <mc:Fallback xmlns="">
       <p:transition spd="slow">
         <p:fade/>
       </p:transition>
@@ -16844,15 +16828,6 @@
           <a:solidFill>
             <a:srgbClr val="FFFFFF"/>
           </a:solidFill>
-          <a:extLst>
-            <a:ext uri="{909E8E84-426E-40DD-AFC4-6F175D3DCCD1}">
-              <a14:hiddenFill xmlns:a14="http://schemas.microsoft.com/office/drawing/2010/main">
-                <a:solidFill>
-                  <a:srgbClr val="FFFFFF"/>
-                </a:solidFill>
-              </a14:hiddenFill>
-            </a:ext>
-          </a:extLst>
         </p:spPr>
       </p:pic>
       <p:pic>
@@ -16891,15 +16866,6 @@
           <a:solidFill>
             <a:srgbClr val="FFFFFF"/>
           </a:solidFill>
-          <a:extLst>
-            <a:ext uri="{909E8E84-426E-40DD-AFC4-6F175D3DCCD1}">
-              <a14:hiddenFill xmlns:a14="http://schemas.microsoft.com/office/drawing/2010/main">
-                <a:solidFill>
-                  <a:srgbClr val="FFFFFF"/>
-                </a:solidFill>
-              </a14:hiddenFill>
-            </a:ext>
-          </a:extLst>
         </p:spPr>
       </p:pic>
       <p:sp>
@@ -17502,7 +17468,7 @@
         <p:spPr>
           <a:xfrm flipH="1">
             <a:off x="7781469" y="2461013"/>
-            <a:ext cx="4095541" cy="2862322"/>
+            <a:ext cx="4095541" cy="1323439"/>
           </a:xfrm>
           <a:prstGeom prst="rect">
             <a:avLst/>
@@ -17549,6 +17515,786 @@
             </a:r>
             <a:endParaRPr lang="en-SG" sz="2000" dirty="0"/>
           </a:p>
+        </p:txBody>
+      </p:sp>
+    </p:spTree>
+    <p:extLst>
+      <p:ext uri="{BB962C8B-B14F-4D97-AF65-F5344CB8AC3E}">
+        <p14:creationId xmlns:p14="http://schemas.microsoft.com/office/powerpoint/2010/main" val="1478931823"/>
+      </p:ext>
+    </p:extLst>
+  </p:cSld>
+  <p:clrMapOvr>
+    <a:masterClrMapping/>
+  </p:clrMapOvr>
+  <mc:AlternateContent xmlns:mc="http://schemas.openxmlformats.org/markup-compatibility/2006" xmlns:p159="http://schemas.microsoft.com/office/powerpoint/2015/09/main">
+    <mc:Choice Requires="p159">
+      <p:transition xmlns:p14="http://schemas.microsoft.com/office/powerpoint/2010/main" spd="slow" p14:dur="2000">
+        <p159:morph option="byObject"/>
+      </p:transition>
+    </mc:Choice>
+    <mc:Fallback xmlns="">
+      <p:transition spd="slow">
+        <p:fade/>
+      </p:transition>
+    </mc:Fallback>
+  </mc:AlternateContent>
+</p:sld>
+</file>
+
+<file path=ppt/slides/slide12.xml><?xml version="1.0" encoding="utf-8"?>
+<p:sld xmlns:a="http://schemas.openxmlformats.org/drawingml/2006/main" xmlns:r="http://schemas.openxmlformats.org/officeDocument/2006/relationships" xmlns:p="http://schemas.openxmlformats.org/presentationml/2006/main">
+  <p:cSld>
+    <p:spTree>
+      <p:nvGrpSpPr>
+        <p:cNvPr id="1" name=""/>
+        <p:cNvGrpSpPr/>
+        <p:nvPr/>
+      </p:nvGrpSpPr>
+      <p:grpSpPr>
+        <a:xfrm>
+          <a:off x="0" y="0"/>
+          <a:ext cx="0" cy="0"/>
+          <a:chOff x="0" y="0"/>
+          <a:chExt cx="0" cy="0"/>
+        </a:xfrm>
+      </p:grpSpPr>
+      <p:sp>
+        <p:nvSpPr>
+          <p:cNvPr id="8210" name="Text Placeholder 2">
+            <a:extLst>
+              <a:ext uri="{FF2B5EF4-FFF2-40B4-BE49-F238E27FC236}">
+                <a16:creationId xmlns:a16="http://schemas.microsoft.com/office/drawing/2014/main" id="{8B9EDE68-87F2-6A1E-0BE7-365CA48A6439}"/>
+              </a:ext>
+            </a:extLst>
+          </p:cNvPr>
+          <p:cNvSpPr>
+            <a:spLocks noGrp="1"/>
+          </p:cNvSpPr>
+          <p:nvPr>
+            <p:ph type="body" idx="1"/>
+          </p:nvPr>
+        </p:nvSpPr>
+        <p:spPr>
+          <a:xfrm>
+            <a:off x="996197" y="842966"/>
+            <a:ext cx="2882475" cy="823912"/>
+          </a:xfrm>
+        </p:spPr>
+        <p:txBody>
+          <a:bodyPr/>
+          <a:lstStyle/>
+          <a:p>
+            <a:r>
+              <a:rPr lang="en-US" sz="1800" dirty="0"/>
+              <a:t>Fireplace</a:t>
+            </a:r>
+          </a:p>
+        </p:txBody>
+      </p:sp>
+      <p:pic>
+        <p:nvPicPr>
+          <p:cNvPr id="12" name="Picture 8" descr="35 Living Room Ideas - Looks We're Loving Now | HGTV">
+            <a:extLst>
+              <a:ext uri="{FF2B5EF4-FFF2-40B4-BE49-F238E27FC236}">
+                <a16:creationId xmlns:a16="http://schemas.microsoft.com/office/drawing/2014/main" id="{EE5A7967-6D50-4128-BC6F-F3E57588DCB8}"/>
+              </a:ext>
+            </a:extLst>
+          </p:cNvPr>
+          <p:cNvPicPr>
+            <a:picLocks noChangeAspect="1" noChangeArrowheads="1"/>
+          </p:cNvPicPr>
+          <p:nvPr/>
+        </p:nvPicPr>
+        <p:blipFill rotWithShape="1">
+          <a:blip r:embed="rId2">
+            <a:extLst>
+              <a:ext uri="{28A0092B-C50C-407E-A947-70E740481C1C}">
+                <a14:useLocalDpi xmlns:a14="http://schemas.microsoft.com/office/drawing/2010/main" val="0"/>
+              </a:ext>
+            </a:extLst>
+          </a:blip>
+          <a:srcRect t="7586" r="-3" b="-3"/>
+          <a:stretch/>
+        </p:blipFill>
+        <p:spPr bwMode="auto">
+          <a:xfrm>
+            <a:off x="996197" y="1570436"/>
+            <a:ext cx="2882475" cy="1997867"/>
+          </a:xfrm>
+          <a:prstGeom prst="rect">
+            <a:avLst/>
+          </a:prstGeom>
+          <a:solidFill>
+            <a:srgbClr val="FFFFFF"/>
+          </a:solidFill>
+        </p:spPr>
+      </p:pic>
+      <p:pic>
+        <p:nvPicPr>
+          <p:cNvPr id="8194" name="Picture 2" descr="Kitchen Layout Templates: 6 Different Designs | HGTV">
+            <a:extLst>
+              <a:ext uri="{FF2B5EF4-FFF2-40B4-BE49-F238E27FC236}">
+                <a16:creationId xmlns:a16="http://schemas.microsoft.com/office/drawing/2014/main" id="{BEE6DE09-EB2A-445A-BA0F-3D7001101203}"/>
+              </a:ext>
+            </a:extLst>
+          </p:cNvPr>
+          <p:cNvPicPr>
+            <a:picLocks noChangeAspect="1" noChangeArrowheads="1"/>
+          </p:cNvPicPr>
+          <p:nvPr/>
+        </p:nvPicPr>
+        <p:blipFill rotWithShape="1">
+          <a:blip r:embed="rId3">
+            <a:extLst>
+              <a:ext uri="{28A0092B-C50C-407E-A947-70E740481C1C}">
+                <a14:useLocalDpi xmlns:a14="http://schemas.microsoft.com/office/drawing/2010/main" val="0"/>
+              </a:ext>
+            </a:extLst>
+          </a:blip>
+          <a:srcRect t="4305" r="-3" b="3278"/>
+          <a:stretch/>
+        </p:blipFill>
+        <p:spPr bwMode="auto">
+          <a:xfrm>
+            <a:off x="996197" y="4396584"/>
+            <a:ext cx="2882475" cy="1997867"/>
+          </a:xfrm>
+          <a:prstGeom prst="rect">
+            <a:avLst/>
+          </a:prstGeom>
+          <a:solidFill>
+            <a:srgbClr val="FFFFFF"/>
+          </a:solidFill>
+        </p:spPr>
+      </p:pic>
+      <p:sp>
+        <p:nvSpPr>
+          <p:cNvPr id="33" name="Text Placeholder 2">
+            <a:extLst>
+              <a:ext uri="{FF2B5EF4-FFF2-40B4-BE49-F238E27FC236}">
+                <a16:creationId xmlns:a16="http://schemas.microsoft.com/office/drawing/2014/main" id="{7743BD41-D51F-41E8-A115-E16EA9EC6C06}"/>
+              </a:ext>
+            </a:extLst>
+          </p:cNvPr>
+          <p:cNvSpPr txBox="1">
+            <a:spLocks/>
+          </p:cNvSpPr>
+          <p:nvPr/>
+        </p:nvSpPr>
+        <p:spPr>
+          <a:xfrm>
+            <a:off x="4654762" y="1570436"/>
+            <a:ext cx="2882475" cy="823912"/>
+          </a:xfrm>
+          <a:prstGeom prst="rect">
+            <a:avLst/>
+          </a:prstGeom>
+        </p:spPr>
+        <p:txBody>
+          <a:bodyPr vert="horz" lIns="91440" tIns="45720" rIns="91440" bIns="45720" rtlCol="0" anchor="ctr">
+            <a:noAutofit/>
+          </a:bodyPr>
+          <a:lstStyle>
+            <a:lvl1pPr marL="0" indent="0" algn="ctr" defTabSz="914400" rtl="0" eaLnBrk="1" latinLnBrk="0" hangingPunct="1">
+              <a:lnSpc>
+                <a:spcPct val="90000"/>
+              </a:lnSpc>
+              <a:spcBef>
+                <a:spcPts val="1000"/>
+              </a:spcBef>
+              <a:buFont typeface="Arial" panose="020B0604020202020204" pitchFamily="34" charset="0"/>
+              <a:buNone/>
+              <a:defRPr lang="en-US" sz="1400" kern="1200" spc="150" baseline="0" dirty="0" smtClean="0">
+                <a:solidFill>
+                  <a:schemeClr val="tx1">
+                    <a:lumMod val="75000"/>
+                    <a:lumOff val="25000"/>
+                  </a:schemeClr>
+                </a:solidFill>
+                <a:latin typeface="+mj-lt"/>
+                <a:ea typeface="+mj-ea"/>
+                <a:cs typeface="+mj-cs"/>
+              </a:defRPr>
+            </a:lvl1pPr>
+            <a:lvl2pPr marL="457200" indent="0" algn="l" defTabSz="914400" rtl="0" eaLnBrk="1" latinLnBrk="0" hangingPunct="1">
+              <a:lnSpc>
+                <a:spcPct val="90000"/>
+              </a:lnSpc>
+              <a:spcBef>
+                <a:spcPts val="500"/>
+              </a:spcBef>
+              <a:buFont typeface="Arial" panose="020B0604020202020204" pitchFamily="34" charset="0"/>
+              <a:buNone/>
+              <a:defRPr sz="2000" b="1" kern="1200">
+                <a:solidFill>
+                  <a:schemeClr val="tx1">
+                    <a:lumMod val="75000"/>
+                    <a:lumOff val="25000"/>
+                  </a:schemeClr>
+                </a:solidFill>
+                <a:latin typeface="+mn-lt"/>
+                <a:ea typeface="+mn-ea"/>
+                <a:cs typeface="+mn-cs"/>
+              </a:defRPr>
+            </a:lvl2pPr>
+            <a:lvl3pPr marL="914400" indent="0" algn="l" defTabSz="914400" rtl="0" eaLnBrk="1" latinLnBrk="0" hangingPunct="1">
+              <a:lnSpc>
+                <a:spcPct val="90000"/>
+              </a:lnSpc>
+              <a:spcBef>
+                <a:spcPts val="500"/>
+              </a:spcBef>
+              <a:buFont typeface="Arial" panose="020B0604020202020204" pitchFamily="34" charset="0"/>
+              <a:buNone/>
+              <a:defRPr sz="1800" b="1" kern="1200">
+                <a:solidFill>
+                  <a:schemeClr val="tx1">
+                    <a:lumMod val="75000"/>
+                    <a:lumOff val="25000"/>
+                  </a:schemeClr>
+                </a:solidFill>
+                <a:latin typeface="+mn-lt"/>
+                <a:ea typeface="+mn-ea"/>
+                <a:cs typeface="+mn-cs"/>
+              </a:defRPr>
+            </a:lvl3pPr>
+            <a:lvl4pPr marL="1371600" indent="0" algn="l" defTabSz="914400" rtl="0" eaLnBrk="1" latinLnBrk="0" hangingPunct="1">
+              <a:lnSpc>
+                <a:spcPct val="90000"/>
+              </a:lnSpc>
+              <a:spcBef>
+                <a:spcPts val="500"/>
+              </a:spcBef>
+              <a:buFont typeface="Arial" panose="020B0604020202020204" pitchFamily="34" charset="0"/>
+              <a:buNone/>
+              <a:defRPr sz="1600" b="1" kern="1200">
+                <a:solidFill>
+                  <a:schemeClr val="tx1">
+                    <a:lumMod val="75000"/>
+                    <a:lumOff val="25000"/>
+                  </a:schemeClr>
+                </a:solidFill>
+                <a:latin typeface="+mn-lt"/>
+                <a:ea typeface="+mn-ea"/>
+                <a:cs typeface="+mn-cs"/>
+              </a:defRPr>
+            </a:lvl4pPr>
+            <a:lvl5pPr marL="1828800" indent="0" algn="l" defTabSz="914400" rtl="0" eaLnBrk="1" latinLnBrk="0" hangingPunct="1">
+              <a:lnSpc>
+                <a:spcPct val="90000"/>
+              </a:lnSpc>
+              <a:spcBef>
+                <a:spcPts val="500"/>
+              </a:spcBef>
+              <a:buFont typeface="Arial" panose="020B0604020202020204" pitchFamily="34" charset="0"/>
+              <a:buNone/>
+              <a:defRPr sz="1600" b="1" kern="1200">
+                <a:solidFill>
+                  <a:schemeClr val="tx1">
+                    <a:lumMod val="75000"/>
+                    <a:lumOff val="25000"/>
+                  </a:schemeClr>
+                </a:solidFill>
+                <a:latin typeface="+mn-lt"/>
+                <a:ea typeface="+mn-ea"/>
+                <a:cs typeface="+mn-cs"/>
+              </a:defRPr>
+            </a:lvl5pPr>
+            <a:lvl6pPr marL="2286000" indent="0" algn="l" defTabSz="914400" rtl="0" eaLnBrk="1" latinLnBrk="0" hangingPunct="1">
+              <a:lnSpc>
+                <a:spcPct val="90000"/>
+              </a:lnSpc>
+              <a:spcBef>
+                <a:spcPts val="500"/>
+              </a:spcBef>
+              <a:buFont typeface="Arial" panose="020B0604020202020204" pitchFamily="34" charset="0"/>
+              <a:buNone/>
+              <a:defRPr sz="1600" b="1" kern="1200">
+                <a:solidFill>
+                  <a:schemeClr val="tx1"/>
+                </a:solidFill>
+                <a:latin typeface="+mn-lt"/>
+                <a:ea typeface="+mn-ea"/>
+                <a:cs typeface="+mn-cs"/>
+              </a:defRPr>
+            </a:lvl6pPr>
+            <a:lvl7pPr marL="2743200" indent="0" algn="l" defTabSz="914400" rtl="0" eaLnBrk="1" latinLnBrk="0" hangingPunct="1">
+              <a:lnSpc>
+                <a:spcPct val="90000"/>
+              </a:lnSpc>
+              <a:spcBef>
+                <a:spcPts val="500"/>
+              </a:spcBef>
+              <a:buFont typeface="Arial" panose="020B0604020202020204" pitchFamily="34" charset="0"/>
+              <a:buNone/>
+              <a:defRPr sz="1600" b="1" kern="1200">
+                <a:solidFill>
+                  <a:schemeClr val="tx1"/>
+                </a:solidFill>
+                <a:latin typeface="+mn-lt"/>
+                <a:ea typeface="+mn-ea"/>
+                <a:cs typeface="+mn-cs"/>
+              </a:defRPr>
+            </a:lvl7pPr>
+            <a:lvl8pPr marL="3200400" indent="0" algn="l" defTabSz="914400" rtl="0" eaLnBrk="1" latinLnBrk="0" hangingPunct="1">
+              <a:lnSpc>
+                <a:spcPct val="90000"/>
+              </a:lnSpc>
+              <a:spcBef>
+                <a:spcPts val="500"/>
+              </a:spcBef>
+              <a:buFont typeface="Arial" panose="020B0604020202020204" pitchFamily="34" charset="0"/>
+              <a:buNone/>
+              <a:defRPr sz="1600" b="1" kern="1200">
+                <a:solidFill>
+                  <a:schemeClr val="tx1"/>
+                </a:solidFill>
+                <a:latin typeface="+mn-lt"/>
+                <a:ea typeface="+mn-ea"/>
+                <a:cs typeface="+mn-cs"/>
+              </a:defRPr>
+            </a:lvl8pPr>
+            <a:lvl9pPr marL="3657600" indent="0" algn="l" defTabSz="914400" rtl="0" eaLnBrk="1" latinLnBrk="0" hangingPunct="1">
+              <a:lnSpc>
+                <a:spcPct val="90000"/>
+              </a:lnSpc>
+              <a:spcBef>
+                <a:spcPts val="500"/>
+              </a:spcBef>
+              <a:buFont typeface="Arial" panose="020B0604020202020204" pitchFamily="34" charset="0"/>
+              <a:buNone/>
+              <a:defRPr sz="1600" b="1" kern="1200">
+                <a:solidFill>
+                  <a:schemeClr val="tx1"/>
+                </a:solidFill>
+                <a:latin typeface="+mn-lt"/>
+                <a:ea typeface="+mn-ea"/>
+                <a:cs typeface="+mn-cs"/>
+              </a:defRPr>
+            </a:lvl9pPr>
+          </a:lstStyle>
+          <a:p>
+            <a:endParaRPr lang="en-SG" dirty="0"/>
+          </a:p>
+        </p:txBody>
+      </p:sp>
+      <p:sp>
+        <p:nvSpPr>
+          <p:cNvPr id="34" name="Text Placeholder 2">
+            <a:extLst>
+              <a:ext uri="{FF2B5EF4-FFF2-40B4-BE49-F238E27FC236}">
+                <a16:creationId xmlns:a16="http://schemas.microsoft.com/office/drawing/2014/main" id="{58194FE8-13C6-4455-88B8-283318F910FF}"/>
+              </a:ext>
+            </a:extLst>
+          </p:cNvPr>
+          <p:cNvSpPr txBox="1">
+            <a:spLocks/>
+          </p:cNvSpPr>
+          <p:nvPr/>
+        </p:nvSpPr>
+        <p:spPr>
+          <a:xfrm>
+            <a:off x="996196" y="3685585"/>
+            <a:ext cx="2882475" cy="823912"/>
+          </a:xfrm>
+          <a:prstGeom prst="rect">
+            <a:avLst/>
+          </a:prstGeom>
+        </p:spPr>
+        <p:txBody>
+          <a:bodyPr vert="horz" lIns="91440" tIns="45720" rIns="91440" bIns="45720" rtlCol="0" anchor="ctr">
+            <a:noAutofit/>
+          </a:bodyPr>
+          <a:lstStyle>
+            <a:lvl1pPr marL="0" indent="0" algn="ctr" defTabSz="914400" rtl="0" eaLnBrk="1" latinLnBrk="0" hangingPunct="1">
+              <a:lnSpc>
+                <a:spcPct val="90000"/>
+              </a:lnSpc>
+              <a:spcBef>
+                <a:spcPts val="1000"/>
+              </a:spcBef>
+              <a:buFont typeface="Arial" panose="020B0604020202020204" pitchFamily="34" charset="0"/>
+              <a:buNone/>
+              <a:defRPr lang="en-US" sz="1400" kern="1200" spc="150" baseline="0" dirty="0" smtClean="0">
+                <a:solidFill>
+                  <a:schemeClr val="tx1">
+                    <a:lumMod val="75000"/>
+                    <a:lumOff val="25000"/>
+                  </a:schemeClr>
+                </a:solidFill>
+                <a:latin typeface="+mj-lt"/>
+                <a:ea typeface="+mj-ea"/>
+                <a:cs typeface="+mj-cs"/>
+              </a:defRPr>
+            </a:lvl1pPr>
+            <a:lvl2pPr marL="457200" indent="0" algn="l" defTabSz="914400" rtl="0" eaLnBrk="1" latinLnBrk="0" hangingPunct="1">
+              <a:lnSpc>
+                <a:spcPct val="90000"/>
+              </a:lnSpc>
+              <a:spcBef>
+                <a:spcPts val="500"/>
+              </a:spcBef>
+              <a:buFont typeface="Arial" panose="020B0604020202020204" pitchFamily="34" charset="0"/>
+              <a:buNone/>
+              <a:defRPr sz="2000" b="1" kern="1200">
+                <a:solidFill>
+                  <a:schemeClr val="tx1">
+                    <a:lumMod val="75000"/>
+                    <a:lumOff val="25000"/>
+                  </a:schemeClr>
+                </a:solidFill>
+                <a:latin typeface="+mn-lt"/>
+                <a:ea typeface="+mn-ea"/>
+                <a:cs typeface="+mn-cs"/>
+              </a:defRPr>
+            </a:lvl2pPr>
+            <a:lvl3pPr marL="914400" indent="0" algn="l" defTabSz="914400" rtl="0" eaLnBrk="1" latinLnBrk="0" hangingPunct="1">
+              <a:lnSpc>
+                <a:spcPct val="90000"/>
+              </a:lnSpc>
+              <a:spcBef>
+                <a:spcPts val="500"/>
+              </a:spcBef>
+              <a:buFont typeface="Arial" panose="020B0604020202020204" pitchFamily="34" charset="0"/>
+              <a:buNone/>
+              <a:defRPr sz="1800" b="1" kern="1200">
+                <a:solidFill>
+                  <a:schemeClr val="tx1">
+                    <a:lumMod val="75000"/>
+                    <a:lumOff val="25000"/>
+                  </a:schemeClr>
+                </a:solidFill>
+                <a:latin typeface="+mn-lt"/>
+                <a:ea typeface="+mn-ea"/>
+                <a:cs typeface="+mn-cs"/>
+              </a:defRPr>
+            </a:lvl3pPr>
+            <a:lvl4pPr marL="1371600" indent="0" algn="l" defTabSz="914400" rtl="0" eaLnBrk="1" latinLnBrk="0" hangingPunct="1">
+              <a:lnSpc>
+                <a:spcPct val="90000"/>
+              </a:lnSpc>
+              <a:spcBef>
+                <a:spcPts val="500"/>
+              </a:spcBef>
+              <a:buFont typeface="Arial" panose="020B0604020202020204" pitchFamily="34" charset="0"/>
+              <a:buNone/>
+              <a:defRPr sz="1600" b="1" kern="1200">
+                <a:solidFill>
+                  <a:schemeClr val="tx1">
+                    <a:lumMod val="75000"/>
+                    <a:lumOff val="25000"/>
+                  </a:schemeClr>
+                </a:solidFill>
+                <a:latin typeface="+mn-lt"/>
+                <a:ea typeface="+mn-ea"/>
+                <a:cs typeface="+mn-cs"/>
+              </a:defRPr>
+            </a:lvl4pPr>
+            <a:lvl5pPr marL="1828800" indent="0" algn="l" defTabSz="914400" rtl="0" eaLnBrk="1" latinLnBrk="0" hangingPunct="1">
+              <a:lnSpc>
+                <a:spcPct val="90000"/>
+              </a:lnSpc>
+              <a:spcBef>
+                <a:spcPts val="500"/>
+              </a:spcBef>
+              <a:buFont typeface="Arial" panose="020B0604020202020204" pitchFamily="34" charset="0"/>
+              <a:buNone/>
+              <a:defRPr sz="1600" b="1" kern="1200">
+                <a:solidFill>
+                  <a:schemeClr val="tx1">
+                    <a:lumMod val="75000"/>
+                    <a:lumOff val="25000"/>
+                  </a:schemeClr>
+                </a:solidFill>
+                <a:latin typeface="+mn-lt"/>
+                <a:ea typeface="+mn-ea"/>
+                <a:cs typeface="+mn-cs"/>
+              </a:defRPr>
+            </a:lvl5pPr>
+            <a:lvl6pPr marL="2286000" indent="0" algn="l" defTabSz="914400" rtl="0" eaLnBrk="1" latinLnBrk="0" hangingPunct="1">
+              <a:lnSpc>
+                <a:spcPct val="90000"/>
+              </a:lnSpc>
+              <a:spcBef>
+                <a:spcPts val="500"/>
+              </a:spcBef>
+              <a:buFont typeface="Arial" panose="020B0604020202020204" pitchFamily="34" charset="0"/>
+              <a:buNone/>
+              <a:defRPr sz="1600" b="1" kern="1200">
+                <a:solidFill>
+                  <a:schemeClr val="tx1"/>
+                </a:solidFill>
+                <a:latin typeface="+mn-lt"/>
+                <a:ea typeface="+mn-ea"/>
+                <a:cs typeface="+mn-cs"/>
+              </a:defRPr>
+            </a:lvl6pPr>
+            <a:lvl7pPr marL="2743200" indent="0" algn="l" defTabSz="914400" rtl="0" eaLnBrk="1" latinLnBrk="0" hangingPunct="1">
+              <a:lnSpc>
+                <a:spcPct val="90000"/>
+              </a:lnSpc>
+              <a:spcBef>
+                <a:spcPts val="500"/>
+              </a:spcBef>
+              <a:buFont typeface="Arial" panose="020B0604020202020204" pitchFamily="34" charset="0"/>
+              <a:buNone/>
+              <a:defRPr sz="1600" b="1" kern="1200">
+                <a:solidFill>
+                  <a:schemeClr val="tx1"/>
+                </a:solidFill>
+                <a:latin typeface="+mn-lt"/>
+                <a:ea typeface="+mn-ea"/>
+                <a:cs typeface="+mn-cs"/>
+              </a:defRPr>
+            </a:lvl7pPr>
+            <a:lvl8pPr marL="3200400" indent="0" algn="l" defTabSz="914400" rtl="0" eaLnBrk="1" latinLnBrk="0" hangingPunct="1">
+              <a:lnSpc>
+                <a:spcPct val="90000"/>
+              </a:lnSpc>
+              <a:spcBef>
+                <a:spcPts val="500"/>
+              </a:spcBef>
+              <a:buFont typeface="Arial" panose="020B0604020202020204" pitchFamily="34" charset="0"/>
+              <a:buNone/>
+              <a:defRPr sz="1600" b="1" kern="1200">
+                <a:solidFill>
+                  <a:schemeClr val="tx1"/>
+                </a:solidFill>
+                <a:latin typeface="+mn-lt"/>
+                <a:ea typeface="+mn-ea"/>
+                <a:cs typeface="+mn-cs"/>
+              </a:defRPr>
+            </a:lvl8pPr>
+            <a:lvl9pPr marL="3657600" indent="0" algn="l" defTabSz="914400" rtl="0" eaLnBrk="1" latinLnBrk="0" hangingPunct="1">
+              <a:lnSpc>
+                <a:spcPct val="90000"/>
+              </a:lnSpc>
+              <a:spcBef>
+                <a:spcPts val="500"/>
+              </a:spcBef>
+              <a:buFont typeface="Arial" panose="020B0604020202020204" pitchFamily="34" charset="0"/>
+              <a:buNone/>
+              <a:defRPr sz="1600" b="1" kern="1200">
+                <a:solidFill>
+                  <a:schemeClr val="tx1"/>
+                </a:solidFill>
+                <a:latin typeface="+mn-lt"/>
+                <a:ea typeface="+mn-ea"/>
+                <a:cs typeface="+mn-cs"/>
+              </a:defRPr>
+            </a:lvl9pPr>
+          </a:lstStyle>
+          <a:p>
+            <a:r>
+              <a:rPr lang="en-US" sz="1800" dirty="0"/>
+              <a:t>Kitchen Quality</a:t>
+            </a:r>
+          </a:p>
+        </p:txBody>
+      </p:sp>
+      <p:sp>
+        <p:nvSpPr>
+          <p:cNvPr id="4" name="Title 3">
+            <a:extLst>
+              <a:ext uri="{FF2B5EF4-FFF2-40B4-BE49-F238E27FC236}">
+                <a16:creationId xmlns:a16="http://schemas.microsoft.com/office/drawing/2014/main" id="{08C983AD-800C-43E3-8F5E-A796430E0EFE}"/>
+              </a:ext>
+            </a:extLst>
+          </p:cNvPr>
+          <p:cNvSpPr>
+            <a:spLocks noGrp="1"/>
+          </p:cNvSpPr>
+          <p:nvPr>
+            <p:ph type="title"/>
+          </p:nvPr>
+        </p:nvSpPr>
+        <p:spPr>
+          <a:xfrm>
+            <a:off x="1885155" y="95449"/>
+            <a:ext cx="8421688" cy="1325563"/>
+          </a:xfrm>
+        </p:spPr>
+        <p:txBody>
+          <a:bodyPr/>
+          <a:lstStyle/>
+          <a:p>
+            <a:r>
+              <a:rPr lang="en-US" dirty="0"/>
+              <a:t>In the real world, we see it as a whole</a:t>
+            </a:r>
+            <a:endParaRPr lang="en-SG" dirty="0"/>
+          </a:p>
+        </p:txBody>
+      </p:sp>
+      <p:cxnSp>
+        <p:nvCxnSpPr>
+          <p:cNvPr id="11" name="Straight Arrow Connector 10">
+            <a:extLst>
+              <a:ext uri="{FF2B5EF4-FFF2-40B4-BE49-F238E27FC236}">
+                <a16:creationId xmlns:a16="http://schemas.microsoft.com/office/drawing/2014/main" id="{48B5A107-A750-4B7E-A6D7-7FCDB79920FF}"/>
+              </a:ext>
+            </a:extLst>
+          </p:cNvPr>
+          <p:cNvCxnSpPr>
+            <a:cxnSpLocks/>
+            <a:stCxn id="8194" idx="3"/>
+          </p:cNvCxnSpPr>
+          <p:nvPr/>
+        </p:nvCxnSpPr>
+        <p:spPr>
+          <a:xfrm flipV="1">
+            <a:off x="3878672" y="4279302"/>
+            <a:ext cx="1317442" cy="1116216"/>
+          </a:xfrm>
+          <a:prstGeom prst="straightConnector1">
+            <a:avLst/>
+          </a:prstGeom>
+          <a:ln>
+            <a:solidFill>
+              <a:schemeClr val="tx1"/>
+            </a:solidFill>
+            <a:tailEnd type="triangle"/>
+          </a:ln>
+        </p:spPr>
+        <p:style>
+          <a:lnRef idx="1">
+            <a:schemeClr val="accent1"/>
+          </a:lnRef>
+          <a:fillRef idx="0">
+            <a:schemeClr val="accent1"/>
+          </a:fillRef>
+          <a:effectRef idx="0">
+            <a:schemeClr val="accent1"/>
+          </a:effectRef>
+          <a:fontRef idx="minor">
+            <a:schemeClr val="tx1"/>
+          </a:fontRef>
+        </p:style>
+      </p:cxnSp>
+      <p:cxnSp>
+        <p:nvCxnSpPr>
+          <p:cNvPr id="15" name="Straight Arrow Connector 14">
+            <a:extLst>
+              <a:ext uri="{FF2B5EF4-FFF2-40B4-BE49-F238E27FC236}">
+                <a16:creationId xmlns:a16="http://schemas.microsoft.com/office/drawing/2014/main" id="{E2707A5B-B8E2-407A-8DEC-F60A84F67863}"/>
+              </a:ext>
+            </a:extLst>
+          </p:cNvPr>
+          <p:cNvCxnSpPr>
+            <a:cxnSpLocks/>
+            <a:stCxn id="12" idx="3"/>
+          </p:cNvCxnSpPr>
+          <p:nvPr/>
+        </p:nvCxnSpPr>
+        <p:spPr>
+          <a:xfrm>
+            <a:off x="3878672" y="2569370"/>
+            <a:ext cx="1317442" cy="998933"/>
+          </a:xfrm>
+          <a:prstGeom prst="straightConnector1">
+            <a:avLst/>
+          </a:prstGeom>
+          <a:ln>
+            <a:solidFill>
+              <a:schemeClr val="tx1"/>
+            </a:solidFill>
+            <a:tailEnd type="triangle"/>
+          </a:ln>
+        </p:spPr>
+        <p:style>
+          <a:lnRef idx="1">
+            <a:schemeClr val="accent1"/>
+          </a:lnRef>
+          <a:fillRef idx="0">
+            <a:schemeClr val="accent1"/>
+          </a:fillRef>
+          <a:effectRef idx="0">
+            <a:schemeClr val="accent1"/>
+          </a:effectRef>
+          <a:fontRef idx="minor">
+            <a:schemeClr val="tx1"/>
+          </a:fontRef>
+        </p:style>
+      </p:cxnSp>
+      <p:sp>
+        <p:nvSpPr>
+          <p:cNvPr id="16" name="TextBox 15">
+            <a:extLst>
+              <a:ext uri="{FF2B5EF4-FFF2-40B4-BE49-F238E27FC236}">
+                <a16:creationId xmlns:a16="http://schemas.microsoft.com/office/drawing/2014/main" id="{5420F2F5-4C14-40CB-920B-135D55B55B56}"/>
+              </a:ext>
+            </a:extLst>
+          </p:cNvPr>
+          <p:cNvSpPr txBox="1"/>
+          <p:nvPr/>
+        </p:nvSpPr>
+        <p:spPr>
+          <a:xfrm flipH="1">
+            <a:off x="5264027" y="3538231"/>
+            <a:ext cx="2241670" cy="707886"/>
+          </a:xfrm>
+          <a:prstGeom prst="rect">
+            <a:avLst/>
+          </a:prstGeom>
+          <a:noFill/>
+        </p:spPr>
+        <p:txBody>
+          <a:bodyPr wrap="square" rtlCol="0">
+            <a:spAutoFit/>
+          </a:bodyPr>
+          <a:lstStyle/>
+          <a:p>
+            <a:r>
+              <a:rPr lang="en-US" sz="2000" dirty="0"/>
+              <a:t>Interacting with one another </a:t>
+            </a:r>
+            <a:endParaRPr lang="en-SG" sz="2000" dirty="0"/>
+          </a:p>
+        </p:txBody>
+      </p:sp>
+      <p:sp>
+        <p:nvSpPr>
+          <p:cNvPr id="21" name="TextBox 20">
+            <a:extLst>
+              <a:ext uri="{FF2B5EF4-FFF2-40B4-BE49-F238E27FC236}">
+                <a16:creationId xmlns:a16="http://schemas.microsoft.com/office/drawing/2014/main" id="{D0248183-99B4-4180-9A1A-9E889A12334B}"/>
+              </a:ext>
+            </a:extLst>
+          </p:cNvPr>
+          <p:cNvSpPr txBox="1"/>
+          <p:nvPr/>
+        </p:nvSpPr>
+        <p:spPr>
+          <a:xfrm flipH="1">
+            <a:off x="7781469" y="2461013"/>
+            <a:ext cx="4095541" cy="1938992"/>
+          </a:xfrm>
+          <a:prstGeom prst="rect">
+            <a:avLst/>
+          </a:prstGeom>
+          <a:noFill/>
+        </p:spPr>
+        <p:txBody>
+          <a:bodyPr wrap="square" rtlCol="0">
+            <a:spAutoFit/>
+          </a:bodyPr>
+          <a:lstStyle/>
+          <a:p>
+            <a:r>
+              <a:rPr lang="en-US" sz="2000" dirty="0">
+                <a:solidFill>
+                  <a:srgbClr val="FF0000"/>
+                </a:solidFill>
+              </a:rPr>
+              <a:t>NOT ACCOUNTED IN MODEL</a:t>
+            </a:r>
+            <a:endParaRPr lang="en-SG" sz="2000" dirty="0">
+              <a:solidFill>
+                <a:srgbClr val="FF0000"/>
+              </a:solidFill>
+            </a:endParaRPr>
+          </a:p>
           <a:p>
             <a:pPr marL="342900" indent="-342900">
               <a:buFont typeface="Wingdings" panose="05000000000000000000" pitchFamily="2" charset="2"/>
@@ -17579,20 +18325,20 @@
     </p:spTree>
     <p:extLst>
       <p:ext uri="{BB962C8B-B14F-4D97-AF65-F5344CB8AC3E}">
-        <p14:creationId xmlns:p14="http://schemas.microsoft.com/office/powerpoint/2010/main" val="1478931823"/>
+        <p14:creationId xmlns:p14="http://schemas.microsoft.com/office/powerpoint/2010/main" val="1825489192"/>
       </p:ext>
     </p:extLst>
   </p:cSld>
   <p:clrMapOvr>
     <a:masterClrMapping/>
   </p:clrMapOvr>
-  <mc:AlternateContent xmlns:mc="http://schemas.openxmlformats.org/markup-compatibility/2006">
-    <mc:Choice xmlns:p159="http://schemas.microsoft.com/office/powerpoint/2015/09/main" Requires="p159">
+  <mc:AlternateContent xmlns:mc="http://schemas.openxmlformats.org/markup-compatibility/2006" xmlns:p159="http://schemas.microsoft.com/office/powerpoint/2015/09/main">
+    <mc:Choice Requires="p159">
       <p:transition xmlns:p14="http://schemas.microsoft.com/office/powerpoint/2010/main" spd="slow" p14:dur="2000">
         <p159:morph option="byObject"/>
       </p:transition>
     </mc:Choice>
-    <mc:Fallback>
+    <mc:Fallback xmlns="">
       <p:transition spd="slow">
         <p:fade/>
       </p:transition>
@@ -17601,7 +18347,4392 @@
 </p:sld>
 </file>
 
-<file path=ppt/slides/slide12.xml><?xml version="1.0" encoding="utf-8"?>
+<file path=ppt/slides/slide13.xml><?xml version="1.0" encoding="utf-8"?>
+<p:sld xmlns:a="http://schemas.openxmlformats.org/drawingml/2006/main" xmlns:r="http://schemas.openxmlformats.org/officeDocument/2006/relationships" xmlns:p="http://schemas.openxmlformats.org/presentationml/2006/main">
+  <p:cSld>
+    <p:spTree>
+      <p:nvGrpSpPr>
+        <p:cNvPr id="1" name=""/>
+        <p:cNvGrpSpPr/>
+        <p:nvPr/>
+      </p:nvGrpSpPr>
+      <p:grpSpPr>
+        <a:xfrm>
+          <a:off x="0" y="0"/>
+          <a:ext cx="0" cy="0"/>
+          <a:chOff x="0" y="0"/>
+          <a:chExt cx="0" cy="0"/>
+        </a:xfrm>
+      </p:grpSpPr>
+      <p:sp>
+        <p:nvSpPr>
+          <p:cNvPr id="4" name="Title 3">
+            <a:extLst>
+              <a:ext uri="{FF2B5EF4-FFF2-40B4-BE49-F238E27FC236}">
+                <a16:creationId xmlns:a16="http://schemas.microsoft.com/office/drawing/2014/main" id="{08C983AD-800C-43E3-8F5E-A796430E0EFE}"/>
+              </a:ext>
+            </a:extLst>
+          </p:cNvPr>
+          <p:cNvSpPr>
+            <a:spLocks noGrp="1"/>
+          </p:cNvSpPr>
+          <p:nvPr>
+            <p:ph type="title"/>
+          </p:nvPr>
+        </p:nvSpPr>
+        <p:spPr>
+          <a:xfrm>
+            <a:off x="1885155" y="95449"/>
+            <a:ext cx="8421688" cy="1325563"/>
+          </a:xfrm>
+        </p:spPr>
+        <p:txBody>
+          <a:bodyPr/>
+          <a:lstStyle/>
+          <a:p>
+            <a:r>
+              <a:rPr lang="en-US" dirty="0"/>
+              <a:t>Featuring engineering – interaction terms</a:t>
+            </a:r>
+            <a:endParaRPr lang="en-SG" dirty="0"/>
+          </a:p>
+        </p:txBody>
+      </p:sp>
+      <p:sp>
+        <p:nvSpPr>
+          <p:cNvPr id="13" name="Text Placeholder 4">
+            <a:extLst>
+              <a:ext uri="{FF2B5EF4-FFF2-40B4-BE49-F238E27FC236}">
+                <a16:creationId xmlns:a16="http://schemas.microsoft.com/office/drawing/2014/main" id="{AAFB3B5A-6074-4320-AFF0-82FF8DEA6C3A}"/>
+              </a:ext>
+            </a:extLst>
+          </p:cNvPr>
+          <p:cNvSpPr txBox="1">
+            <a:spLocks/>
+          </p:cNvSpPr>
+          <p:nvPr/>
+        </p:nvSpPr>
+        <p:spPr>
+          <a:xfrm>
+            <a:off x="7474158" y="2132035"/>
+            <a:ext cx="4064699" cy="823912"/>
+          </a:xfrm>
+          <a:prstGeom prst="rect">
+            <a:avLst/>
+          </a:prstGeom>
+        </p:spPr>
+        <p:txBody>
+          <a:bodyPr vert="horz" lIns="91440" tIns="45720" rIns="91440" bIns="45720" rtlCol="0" anchor="ctr">
+            <a:noAutofit/>
+          </a:bodyPr>
+          <a:lstStyle>
+            <a:lvl1pPr marL="0" indent="0" algn="ctr" defTabSz="914400" rtl="0" eaLnBrk="1" latinLnBrk="0" hangingPunct="1">
+              <a:lnSpc>
+                <a:spcPct val="90000"/>
+              </a:lnSpc>
+              <a:spcBef>
+                <a:spcPts val="1000"/>
+              </a:spcBef>
+              <a:buFont typeface="Arial" panose="020B0604020202020204" pitchFamily="34" charset="0"/>
+              <a:buNone/>
+              <a:defRPr lang="en-US" sz="1400" kern="1200" spc="150" baseline="0" dirty="0" smtClean="0">
+                <a:solidFill>
+                  <a:schemeClr val="tx1">
+                    <a:lumMod val="75000"/>
+                    <a:lumOff val="25000"/>
+                  </a:schemeClr>
+                </a:solidFill>
+                <a:latin typeface="+mj-lt"/>
+                <a:ea typeface="+mj-ea"/>
+                <a:cs typeface="+mj-cs"/>
+              </a:defRPr>
+            </a:lvl1pPr>
+            <a:lvl2pPr marL="457200" indent="0" algn="l" defTabSz="914400" rtl="0" eaLnBrk="1" latinLnBrk="0" hangingPunct="1">
+              <a:lnSpc>
+                <a:spcPct val="90000"/>
+              </a:lnSpc>
+              <a:spcBef>
+                <a:spcPts val="500"/>
+              </a:spcBef>
+              <a:buFont typeface="Arial" panose="020B0604020202020204" pitchFamily="34" charset="0"/>
+              <a:buNone/>
+              <a:defRPr sz="2000" b="1" kern="1200">
+                <a:solidFill>
+                  <a:schemeClr val="tx1">
+                    <a:lumMod val="75000"/>
+                    <a:lumOff val="25000"/>
+                  </a:schemeClr>
+                </a:solidFill>
+                <a:latin typeface="+mn-lt"/>
+                <a:ea typeface="+mn-ea"/>
+                <a:cs typeface="+mn-cs"/>
+              </a:defRPr>
+            </a:lvl2pPr>
+            <a:lvl3pPr marL="914400" indent="0" algn="l" defTabSz="914400" rtl="0" eaLnBrk="1" latinLnBrk="0" hangingPunct="1">
+              <a:lnSpc>
+                <a:spcPct val="90000"/>
+              </a:lnSpc>
+              <a:spcBef>
+                <a:spcPts val="500"/>
+              </a:spcBef>
+              <a:buFont typeface="Arial" panose="020B0604020202020204" pitchFamily="34" charset="0"/>
+              <a:buNone/>
+              <a:defRPr sz="1800" b="1" kern="1200">
+                <a:solidFill>
+                  <a:schemeClr val="tx1">
+                    <a:lumMod val="75000"/>
+                    <a:lumOff val="25000"/>
+                  </a:schemeClr>
+                </a:solidFill>
+                <a:latin typeface="+mn-lt"/>
+                <a:ea typeface="+mn-ea"/>
+                <a:cs typeface="+mn-cs"/>
+              </a:defRPr>
+            </a:lvl3pPr>
+            <a:lvl4pPr marL="1371600" indent="0" algn="l" defTabSz="914400" rtl="0" eaLnBrk="1" latinLnBrk="0" hangingPunct="1">
+              <a:lnSpc>
+                <a:spcPct val="90000"/>
+              </a:lnSpc>
+              <a:spcBef>
+                <a:spcPts val="500"/>
+              </a:spcBef>
+              <a:buFont typeface="Arial" panose="020B0604020202020204" pitchFamily="34" charset="0"/>
+              <a:buNone/>
+              <a:defRPr sz="1600" b="1" kern="1200">
+                <a:solidFill>
+                  <a:schemeClr val="tx1">
+                    <a:lumMod val="75000"/>
+                    <a:lumOff val="25000"/>
+                  </a:schemeClr>
+                </a:solidFill>
+                <a:latin typeface="+mn-lt"/>
+                <a:ea typeface="+mn-ea"/>
+                <a:cs typeface="+mn-cs"/>
+              </a:defRPr>
+            </a:lvl4pPr>
+            <a:lvl5pPr marL="1828800" indent="0" algn="l" defTabSz="914400" rtl="0" eaLnBrk="1" latinLnBrk="0" hangingPunct="1">
+              <a:lnSpc>
+                <a:spcPct val="90000"/>
+              </a:lnSpc>
+              <a:spcBef>
+                <a:spcPts val="500"/>
+              </a:spcBef>
+              <a:buFont typeface="Arial" panose="020B0604020202020204" pitchFamily="34" charset="0"/>
+              <a:buNone/>
+              <a:defRPr sz="1600" b="1" kern="1200">
+                <a:solidFill>
+                  <a:schemeClr val="tx1">
+                    <a:lumMod val="75000"/>
+                    <a:lumOff val="25000"/>
+                  </a:schemeClr>
+                </a:solidFill>
+                <a:latin typeface="+mn-lt"/>
+                <a:ea typeface="+mn-ea"/>
+                <a:cs typeface="+mn-cs"/>
+              </a:defRPr>
+            </a:lvl5pPr>
+            <a:lvl6pPr marL="2286000" indent="0" algn="l" defTabSz="914400" rtl="0" eaLnBrk="1" latinLnBrk="0" hangingPunct="1">
+              <a:lnSpc>
+                <a:spcPct val="90000"/>
+              </a:lnSpc>
+              <a:spcBef>
+                <a:spcPts val="500"/>
+              </a:spcBef>
+              <a:buFont typeface="Arial" panose="020B0604020202020204" pitchFamily="34" charset="0"/>
+              <a:buNone/>
+              <a:defRPr sz="1600" b="1" kern="1200">
+                <a:solidFill>
+                  <a:schemeClr val="tx1"/>
+                </a:solidFill>
+                <a:latin typeface="+mn-lt"/>
+                <a:ea typeface="+mn-ea"/>
+                <a:cs typeface="+mn-cs"/>
+              </a:defRPr>
+            </a:lvl6pPr>
+            <a:lvl7pPr marL="2743200" indent="0" algn="l" defTabSz="914400" rtl="0" eaLnBrk="1" latinLnBrk="0" hangingPunct="1">
+              <a:lnSpc>
+                <a:spcPct val="90000"/>
+              </a:lnSpc>
+              <a:spcBef>
+                <a:spcPts val="500"/>
+              </a:spcBef>
+              <a:buFont typeface="Arial" panose="020B0604020202020204" pitchFamily="34" charset="0"/>
+              <a:buNone/>
+              <a:defRPr sz="1600" b="1" kern="1200">
+                <a:solidFill>
+                  <a:schemeClr val="tx1"/>
+                </a:solidFill>
+                <a:latin typeface="+mn-lt"/>
+                <a:ea typeface="+mn-ea"/>
+                <a:cs typeface="+mn-cs"/>
+              </a:defRPr>
+            </a:lvl7pPr>
+            <a:lvl8pPr marL="3200400" indent="0" algn="l" defTabSz="914400" rtl="0" eaLnBrk="1" latinLnBrk="0" hangingPunct="1">
+              <a:lnSpc>
+                <a:spcPct val="90000"/>
+              </a:lnSpc>
+              <a:spcBef>
+                <a:spcPts val="500"/>
+              </a:spcBef>
+              <a:buFont typeface="Arial" panose="020B0604020202020204" pitchFamily="34" charset="0"/>
+              <a:buNone/>
+              <a:defRPr sz="1600" b="1" kern="1200">
+                <a:solidFill>
+                  <a:schemeClr val="tx1"/>
+                </a:solidFill>
+                <a:latin typeface="+mn-lt"/>
+                <a:ea typeface="+mn-ea"/>
+                <a:cs typeface="+mn-cs"/>
+              </a:defRPr>
+            </a:lvl8pPr>
+            <a:lvl9pPr marL="3657600" indent="0" algn="l" defTabSz="914400" rtl="0" eaLnBrk="1" latinLnBrk="0" hangingPunct="1">
+              <a:lnSpc>
+                <a:spcPct val="90000"/>
+              </a:lnSpc>
+              <a:spcBef>
+                <a:spcPts val="500"/>
+              </a:spcBef>
+              <a:buFont typeface="Arial" panose="020B0604020202020204" pitchFamily="34" charset="0"/>
+              <a:buNone/>
+              <a:defRPr sz="1600" b="1" kern="1200">
+                <a:solidFill>
+                  <a:schemeClr val="tx1"/>
+                </a:solidFill>
+                <a:latin typeface="+mn-lt"/>
+                <a:ea typeface="+mn-ea"/>
+                <a:cs typeface="+mn-cs"/>
+              </a:defRPr>
+            </a:lvl9pPr>
+          </a:lstStyle>
+          <a:p>
+            <a:r>
+              <a:rPr lang="en-ZA" sz="2400" dirty="0"/>
+              <a:t>Model takes in interaction terms </a:t>
+            </a:r>
+          </a:p>
+        </p:txBody>
+      </p:sp>
+      <p:sp>
+        <p:nvSpPr>
+          <p:cNvPr id="14" name="Content Placeholder 5">
+            <a:extLst>
+              <a:ext uri="{FF2B5EF4-FFF2-40B4-BE49-F238E27FC236}">
+                <a16:creationId xmlns:a16="http://schemas.microsoft.com/office/drawing/2014/main" id="{CC80A15F-E854-423C-88DA-FF60D364E942}"/>
+              </a:ext>
+            </a:extLst>
+          </p:cNvPr>
+          <p:cNvSpPr txBox="1">
+            <a:spLocks/>
+          </p:cNvSpPr>
+          <p:nvPr/>
+        </p:nvSpPr>
+        <p:spPr>
+          <a:xfrm>
+            <a:off x="8009848" y="3322421"/>
+            <a:ext cx="3924300" cy="2792476"/>
+          </a:xfrm>
+          <a:prstGeom prst="rect">
+            <a:avLst/>
+          </a:prstGeom>
+        </p:spPr>
+        <p:txBody>
+          <a:bodyPr vert="horz" lIns="91440" tIns="45720" rIns="91440" bIns="45720" rtlCol="0" anchor="t">
+            <a:normAutofit/>
+          </a:bodyPr>
+          <a:lstStyle>
+            <a:lvl1pPr marL="228600" indent="-228600" algn="l" defTabSz="914400" rtl="0" eaLnBrk="1" latinLnBrk="0" hangingPunct="1">
+              <a:lnSpc>
+                <a:spcPct val="90000"/>
+              </a:lnSpc>
+              <a:spcBef>
+                <a:spcPts val="1000"/>
+              </a:spcBef>
+              <a:buFont typeface="Arial" panose="020B0604020202020204" pitchFamily="34" charset="0"/>
+              <a:buChar char="•"/>
+              <a:defRPr sz="2800" kern="1200">
+                <a:solidFill>
+                  <a:schemeClr val="tx1">
+                    <a:lumMod val="75000"/>
+                    <a:lumOff val="25000"/>
+                  </a:schemeClr>
+                </a:solidFill>
+                <a:latin typeface="+mn-lt"/>
+                <a:ea typeface="+mn-ea"/>
+                <a:cs typeface="+mn-cs"/>
+              </a:defRPr>
+            </a:lvl1pPr>
+            <a:lvl2pPr marL="685800" indent="-228600" algn="l" defTabSz="914400" rtl="0" eaLnBrk="1" latinLnBrk="0" hangingPunct="1">
+              <a:lnSpc>
+                <a:spcPct val="90000"/>
+              </a:lnSpc>
+              <a:spcBef>
+                <a:spcPts val="500"/>
+              </a:spcBef>
+              <a:buFont typeface="Arial" panose="020B0604020202020204" pitchFamily="34" charset="0"/>
+              <a:buChar char="•"/>
+              <a:defRPr sz="2400" kern="1200">
+                <a:solidFill>
+                  <a:schemeClr val="tx1">
+                    <a:lumMod val="75000"/>
+                    <a:lumOff val="25000"/>
+                  </a:schemeClr>
+                </a:solidFill>
+                <a:latin typeface="+mn-lt"/>
+                <a:ea typeface="+mn-ea"/>
+                <a:cs typeface="+mn-cs"/>
+              </a:defRPr>
+            </a:lvl2pPr>
+            <a:lvl3pPr marL="1143000" indent="-228600" algn="l" defTabSz="914400" rtl="0" eaLnBrk="1" latinLnBrk="0" hangingPunct="1">
+              <a:lnSpc>
+                <a:spcPct val="90000"/>
+              </a:lnSpc>
+              <a:spcBef>
+                <a:spcPts val="500"/>
+              </a:spcBef>
+              <a:buFont typeface="Arial" panose="020B0604020202020204" pitchFamily="34" charset="0"/>
+              <a:buChar char="•"/>
+              <a:defRPr sz="2000" kern="1200">
+                <a:solidFill>
+                  <a:schemeClr val="tx1">
+                    <a:lumMod val="75000"/>
+                    <a:lumOff val="25000"/>
+                  </a:schemeClr>
+                </a:solidFill>
+                <a:latin typeface="+mn-lt"/>
+                <a:ea typeface="+mn-ea"/>
+                <a:cs typeface="+mn-cs"/>
+              </a:defRPr>
+            </a:lvl3pPr>
+            <a:lvl4pPr marL="1600200" indent="-228600" algn="l" defTabSz="914400" rtl="0" eaLnBrk="1" latinLnBrk="0" hangingPunct="1">
+              <a:lnSpc>
+                <a:spcPct val="90000"/>
+              </a:lnSpc>
+              <a:spcBef>
+                <a:spcPts val="500"/>
+              </a:spcBef>
+              <a:buFont typeface="Arial" panose="020B0604020202020204" pitchFamily="34" charset="0"/>
+              <a:buChar char="•"/>
+              <a:defRPr sz="1800" kern="1200">
+                <a:solidFill>
+                  <a:schemeClr val="tx1">
+                    <a:lumMod val="75000"/>
+                    <a:lumOff val="25000"/>
+                  </a:schemeClr>
+                </a:solidFill>
+                <a:latin typeface="+mn-lt"/>
+                <a:ea typeface="+mn-ea"/>
+                <a:cs typeface="+mn-cs"/>
+              </a:defRPr>
+            </a:lvl4pPr>
+            <a:lvl5pPr marL="2057400" indent="-228600" algn="l" defTabSz="914400" rtl="0" eaLnBrk="1" latinLnBrk="0" hangingPunct="1">
+              <a:lnSpc>
+                <a:spcPct val="90000"/>
+              </a:lnSpc>
+              <a:spcBef>
+                <a:spcPts val="500"/>
+              </a:spcBef>
+              <a:buFont typeface="Arial" panose="020B0604020202020204" pitchFamily="34" charset="0"/>
+              <a:buChar char="•"/>
+              <a:defRPr sz="1800" kern="1200">
+                <a:solidFill>
+                  <a:schemeClr val="tx1">
+                    <a:lumMod val="75000"/>
+                    <a:lumOff val="25000"/>
+                  </a:schemeClr>
+                </a:solidFill>
+                <a:latin typeface="+mn-lt"/>
+                <a:ea typeface="+mn-ea"/>
+                <a:cs typeface="+mn-cs"/>
+              </a:defRPr>
+            </a:lvl5pPr>
+            <a:lvl6pPr marL="2514600" indent="-228600" algn="l" defTabSz="914400" rtl="0" eaLnBrk="1" latinLnBrk="0" hangingPunct="1">
+              <a:lnSpc>
+                <a:spcPct val="90000"/>
+              </a:lnSpc>
+              <a:spcBef>
+                <a:spcPts val="500"/>
+              </a:spcBef>
+              <a:buFont typeface="Arial" panose="020B0604020202020204" pitchFamily="34" charset="0"/>
+              <a:buChar char="•"/>
+              <a:defRPr sz="1800" kern="1200">
+                <a:solidFill>
+                  <a:schemeClr val="tx1"/>
+                </a:solidFill>
+                <a:latin typeface="+mn-lt"/>
+                <a:ea typeface="+mn-ea"/>
+                <a:cs typeface="+mn-cs"/>
+              </a:defRPr>
+            </a:lvl6pPr>
+            <a:lvl7pPr marL="2971800" indent="-228600" algn="l" defTabSz="914400" rtl="0" eaLnBrk="1" latinLnBrk="0" hangingPunct="1">
+              <a:lnSpc>
+                <a:spcPct val="90000"/>
+              </a:lnSpc>
+              <a:spcBef>
+                <a:spcPts val="500"/>
+              </a:spcBef>
+              <a:buFont typeface="Arial" panose="020B0604020202020204" pitchFamily="34" charset="0"/>
+              <a:buChar char="•"/>
+              <a:defRPr sz="1800" kern="1200">
+                <a:solidFill>
+                  <a:schemeClr val="tx1"/>
+                </a:solidFill>
+                <a:latin typeface="+mn-lt"/>
+                <a:ea typeface="+mn-ea"/>
+                <a:cs typeface="+mn-cs"/>
+              </a:defRPr>
+            </a:lvl7pPr>
+            <a:lvl8pPr marL="3429000" indent="-228600" algn="l" defTabSz="914400" rtl="0" eaLnBrk="1" latinLnBrk="0" hangingPunct="1">
+              <a:lnSpc>
+                <a:spcPct val="90000"/>
+              </a:lnSpc>
+              <a:spcBef>
+                <a:spcPts val="500"/>
+              </a:spcBef>
+              <a:buFont typeface="Arial" panose="020B0604020202020204" pitchFamily="34" charset="0"/>
+              <a:buChar char="•"/>
+              <a:defRPr sz="1800" kern="1200">
+                <a:solidFill>
+                  <a:schemeClr val="tx1"/>
+                </a:solidFill>
+                <a:latin typeface="+mn-lt"/>
+                <a:ea typeface="+mn-ea"/>
+                <a:cs typeface="+mn-cs"/>
+              </a:defRPr>
+            </a:lvl8pPr>
+            <a:lvl9pPr marL="3886200" indent="-228600" algn="l" defTabSz="914400" rtl="0" eaLnBrk="1" latinLnBrk="0" hangingPunct="1">
+              <a:lnSpc>
+                <a:spcPct val="90000"/>
+              </a:lnSpc>
+              <a:spcBef>
+                <a:spcPts val="500"/>
+              </a:spcBef>
+              <a:buFont typeface="Arial" panose="020B0604020202020204" pitchFamily="34" charset="0"/>
+              <a:buChar char="•"/>
+              <a:defRPr sz="1800" kern="1200">
+                <a:solidFill>
+                  <a:schemeClr val="tx1"/>
+                </a:solidFill>
+                <a:latin typeface="+mn-lt"/>
+                <a:ea typeface="+mn-ea"/>
+                <a:cs typeface="+mn-cs"/>
+              </a:defRPr>
+            </a:lvl9pPr>
+          </a:lstStyle>
+          <a:p>
+            <a:pPr>
+              <a:buFont typeface="Wingdings" panose="05000000000000000000" pitchFamily="2" charset="2"/>
+              <a:buChar char="ü"/>
+            </a:pPr>
+            <a:r>
+              <a:rPr lang="en-ZA" sz="2000" noProof="1"/>
+              <a:t> Quality</a:t>
+            </a:r>
+          </a:p>
+          <a:p>
+            <a:pPr>
+              <a:buFont typeface="Wingdings" panose="05000000000000000000" pitchFamily="2" charset="2"/>
+              <a:buChar char="ü"/>
+            </a:pPr>
+            <a:r>
+              <a:rPr lang="en-ZA" sz="2000" noProof="1"/>
+              <a:t>Square Feet Area</a:t>
+            </a:r>
+          </a:p>
+          <a:p>
+            <a:pPr>
+              <a:buFont typeface="Wingdings" panose="05000000000000000000" pitchFamily="2" charset="2"/>
+              <a:buChar char="ü"/>
+            </a:pPr>
+            <a:r>
+              <a:rPr lang="en-ZA" sz="2000" noProof="1"/>
+              <a:t>Condition</a:t>
+            </a:r>
+          </a:p>
+        </p:txBody>
+      </p:sp>
+      <p:graphicFrame>
+        <p:nvGraphicFramePr>
+          <p:cNvPr id="7" name="Table 6">
+            <a:extLst>
+              <a:ext uri="{FF2B5EF4-FFF2-40B4-BE49-F238E27FC236}">
+                <a16:creationId xmlns:a16="http://schemas.microsoft.com/office/drawing/2014/main" id="{B3B413DE-8824-4940-B658-F22F7A3379B5}"/>
+              </a:ext>
+            </a:extLst>
+          </p:cNvPr>
+          <p:cNvGraphicFramePr>
+            <a:graphicFrameLocks noGrp="1"/>
+          </p:cNvGraphicFramePr>
+          <p:nvPr>
+            <p:extLst>
+              <p:ext uri="{D42A27DB-BD31-4B8C-83A1-F6EECF244321}">
+                <p14:modId xmlns:p14="http://schemas.microsoft.com/office/powerpoint/2010/main" val="1746199117"/>
+              </p:ext>
+            </p:extLst>
+          </p:nvPr>
+        </p:nvGraphicFramePr>
+        <p:xfrm>
+          <a:off x="1043152" y="2191725"/>
+          <a:ext cx="5510449" cy="2950492"/>
+        </p:xfrm>
+        <a:graphic>
+          <a:graphicData uri="http://schemas.openxmlformats.org/drawingml/2006/table">
+            <a:tbl>
+              <a:tblPr/>
+              <a:tblGrid>
+                <a:gridCol w="787207">
+                  <a:extLst>
+                    <a:ext uri="{9D8B030D-6E8A-4147-A177-3AD203B41FA5}">
+                      <a16:colId xmlns:a16="http://schemas.microsoft.com/office/drawing/2014/main" val="3759145861"/>
+                    </a:ext>
+                  </a:extLst>
+                </a:gridCol>
+                <a:gridCol w="787207">
+                  <a:extLst>
+                    <a:ext uri="{9D8B030D-6E8A-4147-A177-3AD203B41FA5}">
+                      <a16:colId xmlns:a16="http://schemas.microsoft.com/office/drawing/2014/main" val="3785919673"/>
+                    </a:ext>
+                  </a:extLst>
+                </a:gridCol>
+                <a:gridCol w="787207">
+                  <a:extLst>
+                    <a:ext uri="{9D8B030D-6E8A-4147-A177-3AD203B41FA5}">
+                      <a16:colId xmlns:a16="http://schemas.microsoft.com/office/drawing/2014/main" val="1560898163"/>
+                    </a:ext>
+                  </a:extLst>
+                </a:gridCol>
+                <a:gridCol w="787207">
+                  <a:extLst>
+                    <a:ext uri="{9D8B030D-6E8A-4147-A177-3AD203B41FA5}">
+                      <a16:colId xmlns:a16="http://schemas.microsoft.com/office/drawing/2014/main" val="3561347037"/>
+                    </a:ext>
+                  </a:extLst>
+                </a:gridCol>
+                <a:gridCol w="787207">
+                  <a:extLst>
+                    <a:ext uri="{9D8B030D-6E8A-4147-A177-3AD203B41FA5}">
+                      <a16:colId xmlns:a16="http://schemas.microsoft.com/office/drawing/2014/main" val="2993097854"/>
+                    </a:ext>
+                  </a:extLst>
+                </a:gridCol>
+                <a:gridCol w="787207">
+                  <a:extLst>
+                    <a:ext uri="{9D8B030D-6E8A-4147-A177-3AD203B41FA5}">
+                      <a16:colId xmlns:a16="http://schemas.microsoft.com/office/drawing/2014/main" val="1444460065"/>
+                    </a:ext>
+                  </a:extLst>
+                </a:gridCol>
+                <a:gridCol w="787207">
+                  <a:extLst>
+                    <a:ext uri="{9D8B030D-6E8A-4147-A177-3AD203B41FA5}">
+                      <a16:colId xmlns:a16="http://schemas.microsoft.com/office/drawing/2014/main" val="2317284181"/>
+                    </a:ext>
+                  </a:extLst>
+                </a:gridCol>
+              </a:tblGrid>
+              <a:tr h="375363">
+                <a:tc>
+                  <a:txBody>
+                    <a:bodyPr/>
+                    <a:lstStyle/>
+                    <a:p>
+                      <a:pPr algn="ctr" fontAlgn="ctr"/>
+                      <a:r>
+                        <a:rPr lang="en-SG" sz="800" b="1" dirty="0">
+                          <a:effectLst/>
+                        </a:rPr>
+                        <a:t>Combinations</a:t>
+                      </a:r>
+                    </a:p>
+                  </a:txBody>
+                  <a:tcPr marL="45804" marR="45804" marT="22902" marB="22902" anchor="ctr">
+                    <a:lnL w="12700" cap="flat" cmpd="sng" algn="ctr">
+                      <a:solidFill>
+                        <a:schemeClr val="tx1"/>
+                      </a:solidFill>
+                      <a:prstDash val="solid"/>
+                      <a:round/>
+                      <a:headEnd type="none" w="med" len="med"/>
+                      <a:tailEnd type="none" w="med" len="med"/>
+                    </a:lnL>
+                    <a:lnR w="12700" cap="flat" cmpd="sng" algn="ctr">
+                      <a:solidFill>
+                        <a:schemeClr val="tx1"/>
+                      </a:solidFill>
+                      <a:prstDash val="solid"/>
+                      <a:round/>
+                      <a:headEnd type="none" w="med" len="med"/>
+                      <a:tailEnd type="none" w="med" len="med"/>
+                    </a:lnR>
+                    <a:lnT w="12700" cap="flat" cmpd="sng" algn="ctr">
+                      <a:solidFill>
+                        <a:schemeClr val="tx1"/>
+                      </a:solidFill>
+                      <a:prstDash val="solid"/>
+                      <a:round/>
+                      <a:headEnd type="none" w="med" len="med"/>
+                      <a:tailEnd type="none" w="med" len="med"/>
+                    </a:lnT>
+                    <a:lnB w="12700" cap="flat" cmpd="sng" algn="ctr">
+                      <a:solidFill>
+                        <a:schemeClr val="tx1"/>
+                      </a:solidFill>
+                      <a:prstDash val="solid"/>
+                      <a:round/>
+                      <a:headEnd type="none" w="med" len="med"/>
+                      <a:tailEnd type="none" w="med" len="med"/>
+                    </a:lnB>
+                    <a:lnTlToBr w="12700" cmpd="sng">
+                      <a:noFill/>
+                      <a:prstDash val="solid"/>
+                    </a:lnTlToBr>
+                    <a:lnBlToTr w="12700" cmpd="sng">
+                      <a:noFill/>
+                      <a:prstDash val="solid"/>
+                    </a:lnBlToTr>
+                    <a:solidFill>
+                      <a:srgbClr val="ECCAB1"/>
+                    </a:solidFill>
+                  </a:tcPr>
+                </a:tc>
+                <a:tc>
+                  <a:txBody>
+                    <a:bodyPr/>
+                    <a:lstStyle/>
+                    <a:p>
+                      <a:pPr algn="ctr" fontAlgn="ctr"/>
+                      <a:r>
+                        <a:rPr lang="en-US" sz="800" b="1" dirty="0">
+                          <a:effectLst/>
+                        </a:rPr>
+                        <a:t>C</a:t>
+                      </a:r>
+                      <a:r>
+                        <a:rPr lang="en-SG" sz="800" b="1" dirty="0" err="1">
+                          <a:effectLst/>
+                        </a:rPr>
+                        <a:t>ombination</a:t>
+                      </a:r>
+                      <a:r>
+                        <a:rPr lang="en-SG" sz="800" b="1" dirty="0">
+                          <a:effectLst/>
+                        </a:rPr>
+                        <a:t> correlation to </a:t>
+                      </a:r>
+                    </a:p>
+                    <a:p>
+                      <a:pPr algn="ctr" fontAlgn="ctr"/>
+                      <a:r>
+                        <a:rPr lang="en-SG" sz="800" b="1" dirty="0">
+                          <a:effectLst/>
+                        </a:rPr>
+                        <a:t>Sale price</a:t>
+                      </a:r>
+                    </a:p>
+                  </a:txBody>
+                  <a:tcPr marL="45804" marR="45804" marT="22902" marB="22902" anchor="ctr">
+                    <a:lnL w="12700" cap="flat" cmpd="sng" algn="ctr">
+                      <a:solidFill>
+                        <a:schemeClr val="tx1"/>
+                      </a:solidFill>
+                      <a:prstDash val="solid"/>
+                      <a:round/>
+                      <a:headEnd type="none" w="med" len="med"/>
+                      <a:tailEnd type="none" w="med" len="med"/>
+                    </a:lnL>
+                    <a:lnR w="12700" cap="flat" cmpd="sng" algn="ctr">
+                      <a:solidFill>
+                        <a:schemeClr val="tx1"/>
+                      </a:solidFill>
+                      <a:prstDash val="solid"/>
+                      <a:round/>
+                      <a:headEnd type="none" w="med" len="med"/>
+                      <a:tailEnd type="none" w="med" len="med"/>
+                    </a:lnR>
+                    <a:lnT w="12700" cap="flat" cmpd="sng" algn="ctr">
+                      <a:solidFill>
+                        <a:schemeClr val="tx1"/>
+                      </a:solidFill>
+                      <a:prstDash val="solid"/>
+                      <a:round/>
+                      <a:headEnd type="none" w="med" len="med"/>
+                      <a:tailEnd type="none" w="med" len="med"/>
+                    </a:lnT>
+                    <a:lnB w="12700" cap="flat" cmpd="sng" algn="ctr">
+                      <a:solidFill>
+                        <a:schemeClr val="tx1"/>
+                      </a:solidFill>
+                      <a:prstDash val="solid"/>
+                      <a:round/>
+                      <a:headEnd type="none" w="med" len="med"/>
+                      <a:tailEnd type="none" w="med" len="med"/>
+                    </a:lnB>
+                    <a:lnTlToBr w="12700" cmpd="sng">
+                      <a:noFill/>
+                      <a:prstDash val="solid"/>
+                    </a:lnTlToBr>
+                    <a:lnBlToTr w="12700" cmpd="sng">
+                      <a:noFill/>
+                      <a:prstDash val="solid"/>
+                    </a:lnBlToTr>
+                    <a:solidFill>
+                      <a:srgbClr val="ECCAB1"/>
+                    </a:solidFill>
+                  </a:tcPr>
+                </a:tc>
+                <a:tc>
+                  <a:txBody>
+                    <a:bodyPr/>
+                    <a:lstStyle/>
+                    <a:p>
+                      <a:pPr algn="ctr" fontAlgn="ctr"/>
+                      <a:r>
+                        <a:rPr lang="en-SG" sz="800" b="1" dirty="0">
+                          <a:effectLst/>
+                        </a:rPr>
+                        <a:t>Feature 1</a:t>
+                      </a:r>
+                    </a:p>
+                  </a:txBody>
+                  <a:tcPr marL="45804" marR="45804" marT="22902" marB="22902" anchor="ctr">
+                    <a:lnL w="12700" cap="flat" cmpd="sng" algn="ctr">
+                      <a:solidFill>
+                        <a:schemeClr val="tx1"/>
+                      </a:solidFill>
+                      <a:prstDash val="solid"/>
+                      <a:round/>
+                      <a:headEnd type="none" w="med" len="med"/>
+                      <a:tailEnd type="none" w="med" len="med"/>
+                    </a:lnL>
+                    <a:lnR w="12700" cap="flat" cmpd="sng" algn="ctr">
+                      <a:solidFill>
+                        <a:schemeClr val="tx1"/>
+                      </a:solidFill>
+                      <a:prstDash val="solid"/>
+                      <a:round/>
+                      <a:headEnd type="none" w="med" len="med"/>
+                      <a:tailEnd type="none" w="med" len="med"/>
+                    </a:lnR>
+                    <a:lnT w="12700" cap="flat" cmpd="sng" algn="ctr">
+                      <a:solidFill>
+                        <a:schemeClr val="tx1"/>
+                      </a:solidFill>
+                      <a:prstDash val="solid"/>
+                      <a:round/>
+                      <a:headEnd type="none" w="med" len="med"/>
+                      <a:tailEnd type="none" w="med" len="med"/>
+                    </a:lnT>
+                    <a:lnB w="12700" cap="flat" cmpd="sng" algn="ctr">
+                      <a:solidFill>
+                        <a:schemeClr val="tx1"/>
+                      </a:solidFill>
+                      <a:prstDash val="solid"/>
+                      <a:round/>
+                      <a:headEnd type="none" w="med" len="med"/>
+                      <a:tailEnd type="none" w="med" len="med"/>
+                    </a:lnB>
+                    <a:lnTlToBr w="12700" cmpd="sng">
+                      <a:noFill/>
+                      <a:prstDash val="solid"/>
+                    </a:lnTlToBr>
+                    <a:lnBlToTr w="12700" cmpd="sng">
+                      <a:noFill/>
+                      <a:prstDash val="solid"/>
+                    </a:lnBlToTr>
+                    <a:solidFill>
+                      <a:srgbClr val="ECCAB1"/>
+                    </a:solidFill>
+                  </a:tcPr>
+                </a:tc>
+                <a:tc>
+                  <a:txBody>
+                    <a:bodyPr/>
+                    <a:lstStyle/>
+                    <a:p>
+                      <a:pPr algn="ctr" fontAlgn="ctr"/>
+                      <a:r>
+                        <a:rPr lang="en-SG" sz="800" b="1" dirty="0">
+                          <a:effectLst/>
+                        </a:rPr>
+                        <a:t>Feature 2</a:t>
+                      </a:r>
+                    </a:p>
+                  </a:txBody>
+                  <a:tcPr marL="45804" marR="45804" marT="22902" marB="22902" anchor="ctr">
+                    <a:lnL w="12700" cap="flat" cmpd="sng" algn="ctr">
+                      <a:solidFill>
+                        <a:schemeClr val="tx1"/>
+                      </a:solidFill>
+                      <a:prstDash val="solid"/>
+                      <a:round/>
+                      <a:headEnd type="none" w="med" len="med"/>
+                      <a:tailEnd type="none" w="med" len="med"/>
+                    </a:lnL>
+                    <a:lnR w="12700" cap="flat" cmpd="sng" algn="ctr">
+                      <a:solidFill>
+                        <a:schemeClr val="tx1"/>
+                      </a:solidFill>
+                      <a:prstDash val="solid"/>
+                      <a:round/>
+                      <a:headEnd type="none" w="med" len="med"/>
+                      <a:tailEnd type="none" w="med" len="med"/>
+                    </a:lnR>
+                    <a:lnT w="12700" cap="flat" cmpd="sng" algn="ctr">
+                      <a:solidFill>
+                        <a:schemeClr val="tx1"/>
+                      </a:solidFill>
+                      <a:prstDash val="solid"/>
+                      <a:round/>
+                      <a:headEnd type="none" w="med" len="med"/>
+                      <a:tailEnd type="none" w="med" len="med"/>
+                    </a:lnT>
+                    <a:lnB w="12700" cap="flat" cmpd="sng" algn="ctr">
+                      <a:solidFill>
+                        <a:schemeClr val="tx1"/>
+                      </a:solidFill>
+                      <a:prstDash val="solid"/>
+                      <a:round/>
+                      <a:headEnd type="none" w="med" len="med"/>
+                      <a:tailEnd type="none" w="med" len="med"/>
+                    </a:lnB>
+                    <a:lnTlToBr w="12700" cmpd="sng">
+                      <a:noFill/>
+                      <a:prstDash val="solid"/>
+                    </a:lnTlToBr>
+                    <a:lnBlToTr w="12700" cmpd="sng">
+                      <a:noFill/>
+                      <a:prstDash val="solid"/>
+                    </a:lnBlToTr>
+                    <a:solidFill>
+                      <a:srgbClr val="ECCAB1"/>
+                    </a:solidFill>
+                  </a:tcPr>
+                </a:tc>
+                <a:tc>
+                  <a:txBody>
+                    <a:bodyPr/>
+                    <a:lstStyle/>
+                    <a:p>
+                      <a:pPr algn="ctr" fontAlgn="ctr"/>
+                      <a:r>
+                        <a:rPr lang="en-US" sz="800" b="1" dirty="0">
+                          <a:effectLst/>
+                        </a:rPr>
+                        <a:t>F</a:t>
+                      </a:r>
+                      <a:r>
+                        <a:rPr lang="en-SG" sz="800" b="1" dirty="0">
+                          <a:effectLst/>
+                        </a:rPr>
+                        <a:t>1_Sales</a:t>
+                      </a:r>
+                    </a:p>
+                  </a:txBody>
+                  <a:tcPr marL="45804" marR="45804" marT="22902" marB="22902" anchor="ctr">
+                    <a:lnL w="12700" cap="flat" cmpd="sng" algn="ctr">
+                      <a:solidFill>
+                        <a:schemeClr val="tx1"/>
+                      </a:solidFill>
+                      <a:prstDash val="solid"/>
+                      <a:round/>
+                      <a:headEnd type="none" w="med" len="med"/>
+                      <a:tailEnd type="none" w="med" len="med"/>
+                    </a:lnL>
+                    <a:lnR w="12700" cap="flat" cmpd="sng" algn="ctr">
+                      <a:solidFill>
+                        <a:schemeClr val="tx1"/>
+                      </a:solidFill>
+                      <a:prstDash val="solid"/>
+                      <a:round/>
+                      <a:headEnd type="none" w="med" len="med"/>
+                      <a:tailEnd type="none" w="med" len="med"/>
+                    </a:lnR>
+                    <a:lnT w="12700" cap="flat" cmpd="sng" algn="ctr">
+                      <a:solidFill>
+                        <a:schemeClr val="tx1"/>
+                      </a:solidFill>
+                      <a:prstDash val="solid"/>
+                      <a:round/>
+                      <a:headEnd type="none" w="med" len="med"/>
+                      <a:tailEnd type="none" w="med" len="med"/>
+                    </a:lnT>
+                    <a:lnB w="12700" cap="flat" cmpd="sng" algn="ctr">
+                      <a:solidFill>
+                        <a:schemeClr val="tx1"/>
+                      </a:solidFill>
+                      <a:prstDash val="solid"/>
+                      <a:round/>
+                      <a:headEnd type="none" w="med" len="med"/>
+                      <a:tailEnd type="none" w="med" len="med"/>
+                    </a:lnB>
+                    <a:lnTlToBr w="12700" cmpd="sng">
+                      <a:noFill/>
+                      <a:prstDash val="solid"/>
+                    </a:lnTlToBr>
+                    <a:lnBlToTr w="12700" cmpd="sng">
+                      <a:noFill/>
+                      <a:prstDash val="solid"/>
+                    </a:lnBlToTr>
+                    <a:solidFill>
+                      <a:srgbClr val="ECCAB1"/>
+                    </a:solidFill>
+                  </a:tcPr>
+                </a:tc>
+                <a:tc>
+                  <a:txBody>
+                    <a:bodyPr/>
+                    <a:lstStyle/>
+                    <a:p>
+                      <a:pPr algn="ctr" fontAlgn="ctr"/>
+                      <a:r>
+                        <a:rPr lang="en-US" sz="800" b="1" dirty="0">
+                          <a:effectLst/>
+                        </a:rPr>
+                        <a:t>F</a:t>
+                      </a:r>
+                      <a:r>
+                        <a:rPr lang="en-SG" sz="800" b="1" dirty="0">
+                          <a:effectLst/>
+                        </a:rPr>
+                        <a:t>2_Sales</a:t>
+                      </a:r>
+                    </a:p>
+                  </a:txBody>
+                  <a:tcPr marL="45804" marR="45804" marT="22902" marB="22902" anchor="ctr">
+                    <a:lnL w="12700" cap="flat" cmpd="sng" algn="ctr">
+                      <a:solidFill>
+                        <a:schemeClr val="tx1"/>
+                      </a:solidFill>
+                      <a:prstDash val="solid"/>
+                      <a:round/>
+                      <a:headEnd type="none" w="med" len="med"/>
+                      <a:tailEnd type="none" w="med" len="med"/>
+                    </a:lnL>
+                    <a:lnR w="12700" cap="flat" cmpd="sng" algn="ctr">
+                      <a:solidFill>
+                        <a:schemeClr val="tx1"/>
+                      </a:solidFill>
+                      <a:prstDash val="solid"/>
+                      <a:round/>
+                      <a:headEnd type="none" w="med" len="med"/>
+                      <a:tailEnd type="none" w="med" len="med"/>
+                    </a:lnR>
+                    <a:lnT w="12700" cap="flat" cmpd="sng" algn="ctr">
+                      <a:solidFill>
+                        <a:schemeClr val="tx1"/>
+                      </a:solidFill>
+                      <a:prstDash val="solid"/>
+                      <a:round/>
+                      <a:headEnd type="none" w="med" len="med"/>
+                      <a:tailEnd type="none" w="med" len="med"/>
+                    </a:lnT>
+                    <a:lnB w="12700" cap="flat" cmpd="sng" algn="ctr">
+                      <a:solidFill>
+                        <a:schemeClr val="tx1"/>
+                      </a:solidFill>
+                      <a:prstDash val="solid"/>
+                      <a:round/>
+                      <a:headEnd type="none" w="med" len="med"/>
+                      <a:tailEnd type="none" w="med" len="med"/>
+                    </a:lnB>
+                    <a:lnTlToBr w="12700" cmpd="sng">
+                      <a:noFill/>
+                      <a:prstDash val="solid"/>
+                    </a:lnTlToBr>
+                    <a:lnBlToTr w="12700" cmpd="sng">
+                      <a:noFill/>
+                      <a:prstDash val="solid"/>
+                    </a:lnBlToTr>
+                    <a:solidFill>
+                      <a:srgbClr val="ECCAB1"/>
+                    </a:solidFill>
+                  </a:tcPr>
+                </a:tc>
+                <a:tc>
+                  <a:txBody>
+                    <a:bodyPr/>
+                    <a:lstStyle/>
+                    <a:p>
+                      <a:pPr algn="ctr" fontAlgn="ctr"/>
+                      <a:r>
+                        <a:rPr lang="en-SG" sz="800" b="1" dirty="0">
+                          <a:effectLst/>
+                        </a:rPr>
+                        <a:t>Percentage increase from independent features</a:t>
+                      </a:r>
+                    </a:p>
+                  </a:txBody>
+                  <a:tcPr marL="45804" marR="45804" marT="22902" marB="22902" anchor="ctr">
+                    <a:lnL w="12700" cap="flat" cmpd="sng" algn="ctr">
+                      <a:solidFill>
+                        <a:schemeClr val="tx1"/>
+                      </a:solidFill>
+                      <a:prstDash val="solid"/>
+                      <a:round/>
+                      <a:headEnd type="none" w="med" len="med"/>
+                      <a:tailEnd type="none" w="med" len="med"/>
+                    </a:lnL>
+                    <a:lnR w="12700" cap="flat" cmpd="sng" algn="ctr">
+                      <a:solidFill>
+                        <a:schemeClr val="tx1"/>
+                      </a:solidFill>
+                      <a:prstDash val="solid"/>
+                      <a:round/>
+                      <a:headEnd type="none" w="med" len="med"/>
+                      <a:tailEnd type="none" w="med" len="med"/>
+                    </a:lnR>
+                    <a:lnT w="12700" cap="flat" cmpd="sng" algn="ctr">
+                      <a:solidFill>
+                        <a:schemeClr val="tx1"/>
+                      </a:solidFill>
+                      <a:prstDash val="solid"/>
+                      <a:round/>
+                      <a:headEnd type="none" w="med" len="med"/>
+                      <a:tailEnd type="none" w="med" len="med"/>
+                    </a:lnT>
+                    <a:lnB w="12700" cap="flat" cmpd="sng" algn="ctr">
+                      <a:solidFill>
+                        <a:schemeClr val="tx1"/>
+                      </a:solidFill>
+                      <a:prstDash val="solid"/>
+                      <a:round/>
+                      <a:headEnd type="none" w="med" len="med"/>
+                      <a:tailEnd type="none" w="med" len="med"/>
+                    </a:lnB>
+                    <a:lnTlToBr w="12700" cmpd="sng">
+                      <a:noFill/>
+                      <a:prstDash val="solid"/>
+                    </a:lnTlToBr>
+                    <a:lnBlToTr w="12700" cmpd="sng">
+                      <a:noFill/>
+                      <a:prstDash val="solid"/>
+                    </a:lnBlToTr>
+                    <a:solidFill>
+                      <a:srgbClr val="ECCAB1"/>
+                    </a:solidFill>
+                  </a:tcPr>
+                </a:tc>
+                <a:extLst>
+                  <a:ext uri="{0D108BD9-81ED-4DB2-BD59-A6C34878D82A}">
+                    <a16:rowId xmlns:a16="http://schemas.microsoft.com/office/drawing/2014/main" val="2360836458"/>
+                  </a:ext>
+                </a:extLst>
+              </a:tr>
+              <a:tr h="343160">
+                <a:tc>
+                  <a:txBody>
+                    <a:bodyPr/>
+                    <a:lstStyle/>
+                    <a:p>
+                      <a:pPr algn="ctr" fontAlgn="ctr"/>
+                      <a:r>
+                        <a:rPr lang="nb-NO" sz="800" dirty="0">
+                          <a:effectLst/>
+                        </a:rPr>
+                        <a:t>[overall_qual, gr_liv_area]</a:t>
+                      </a:r>
+                    </a:p>
+                  </a:txBody>
+                  <a:tcPr marL="45804" marR="45804" marT="22902" marB="22902" anchor="ctr">
+                    <a:lnL w="12700" cap="flat" cmpd="sng" algn="ctr">
+                      <a:solidFill>
+                        <a:schemeClr val="tx1"/>
+                      </a:solidFill>
+                      <a:prstDash val="solid"/>
+                      <a:round/>
+                      <a:headEnd type="none" w="med" len="med"/>
+                      <a:tailEnd type="none" w="med" len="med"/>
+                    </a:lnL>
+                    <a:lnR w="12700" cap="flat" cmpd="sng" algn="ctr">
+                      <a:solidFill>
+                        <a:schemeClr val="tx1"/>
+                      </a:solidFill>
+                      <a:prstDash val="solid"/>
+                      <a:round/>
+                      <a:headEnd type="none" w="med" len="med"/>
+                      <a:tailEnd type="none" w="med" len="med"/>
+                    </a:lnR>
+                    <a:lnT w="12700" cap="flat" cmpd="sng" algn="ctr">
+                      <a:solidFill>
+                        <a:schemeClr val="tx1"/>
+                      </a:solidFill>
+                      <a:prstDash val="solid"/>
+                      <a:round/>
+                      <a:headEnd type="none" w="med" len="med"/>
+                      <a:tailEnd type="none" w="med" len="med"/>
+                    </a:lnT>
+                    <a:lnB w="12700" cap="flat" cmpd="sng" algn="ctr">
+                      <a:solidFill>
+                        <a:schemeClr val="tx1"/>
+                      </a:solidFill>
+                      <a:prstDash val="solid"/>
+                      <a:round/>
+                      <a:headEnd type="none" w="med" len="med"/>
+                      <a:tailEnd type="none" w="med" len="med"/>
+                    </a:lnB>
+                    <a:lnTlToBr w="12700" cmpd="sng">
+                      <a:noFill/>
+                      <a:prstDash val="solid"/>
+                    </a:lnTlToBr>
+                    <a:lnBlToTr w="12700" cmpd="sng">
+                      <a:noFill/>
+                      <a:prstDash val="solid"/>
+                    </a:lnBlToTr>
+                    <a:solidFill>
+                      <a:srgbClr val="FFFFFF"/>
+                    </a:solidFill>
+                  </a:tcPr>
+                </a:tc>
+                <a:tc>
+                  <a:txBody>
+                    <a:bodyPr/>
+                    <a:lstStyle/>
+                    <a:p>
+                      <a:pPr algn="ctr" fontAlgn="ctr"/>
+                      <a:r>
+                        <a:rPr lang="en-SG" sz="800" dirty="0">
+                          <a:effectLst/>
+                        </a:rPr>
+                        <a:t>0.837152</a:t>
+                      </a:r>
+                    </a:p>
+                  </a:txBody>
+                  <a:tcPr marL="45804" marR="45804" marT="22902" marB="22902" anchor="ctr">
+                    <a:lnL w="12700" cap="flat" cmpd="sng" algn="ctr">
+                      <a:solidFill>
+                        <a:schemeClr val="tx1"/>
+                      </a:solidFill>
+                      <a:prstDash val="solid"/>
+                      <a:round/>
+                      <a:headEnd type="none" w="med" len="med"/>
+                      <a:tailEnd type="none" w="med" len="med"/>
+                    </a:lnL>
+                    <a:lnR w="12700" cap="flat" cmpd="sng" algn="ctr">
+                      <a:solidFill>
+                        <a:schemeClr val="tx1"/>
+                      </a:solidFill>
+                      <a:prstDash val="solid"/>
+                      <a:round/>
+                      <a:headEnd type="none" w="med" len="med"/>
+                      <a:tailEnd type="none" w="med" len="med"/>
+                    </a:lnR>
+                    <a:lnT w="12700" cap="flat" cmpd="sng" algn="ctr">
+                      <a:solidFill>
+                        <a:schemeClr val="tx1"/>
+                      </a:solidFill>
+                      <a:prstDash val="solid"/>
+                      <a:round/>
+                      <a:headEnd type="none" w="med" len="med"/>
+                      <a:tailEnd type="none" w="med" len="med"/>
+                    </a:lnT>
+                    <a:lnB w="12700" cap="flat" cmpd="sng" algn="ctr">
+                      <a:solidFill>
+                        <a:schemeClr val="tx1"/>
+                      </a:solidFill>
+                      <a:prstDash val="solid"/>
+                      <a:round/>
+                      <a:headEnd type="none" w="med" len="med"/>
+                      <a:tailEnd type="none" w="med" len="med"/>
+                    </a:lnB>
+                    <a:lnTlToBr w="12700" cmpd="sng">
+                      <a:noFill/>
+                      <a:prstDash val="solid"/>
+                    </a:lnTlToBr>
+                    <a:lnBlToTr w="12700" cmpd="sng">
+                      <a:noFill/>
+                      <a:prstDash val="solid"/>
+                    </a:lnBlToTr>
+                    <a:solidFill>
+                      <a:srgbClr val="FFFFFF"/>
+                    </a:solidFill>
+                  </a:tcPr>
+                </a:tc>
+                <a:tc>
+                  <a:txBody>
+                    <a:bodyPr/>
+                    <a:lstStyle/>
+                    <a:p>
+                      <a:pPr algn="ctr" fontAlgn="ctr"/>
+                      <a:r>
+                        <a:rPr lang="en-SG" sz="800">
+                          <a:effectLst/>
+                        </a:rPr>
+                        <a:t>overall_qual</a:t>
+                      </a:r>
+                    </a:p>
+                  </a:txBody>
+                  <a:tcPr marL="45804" marR="45804" marT="22902" marB="22902" anchor="ctr">
+                    <a:lnL w="12700" cap="flat" cmpd="sng" algn="ctr">
+                      <a:solidFill>
+                        <a:schemeClr val="tx1"/>
+                      </a:solidFill>
+                      <a:prstDash val="solid"/>
+                      <a:round/>
+                      <a:headEnd type="none" w="med" len="med"/>
+                      <a:tailEnd type="none" w="med" len="med"/>
+                    </a:lnL>
+                    <a:lnR w="12700" cap="flat" cmpd="sng" algn="ctr">
+                      <a:solidFill>
+                        <a:schemeClr val="tx1"/>
+                      </a:solidFill>
+                      <a:prstDash val="solid"/>
+                      <a:round/>
+                      <a:headEnd type="none" w="med" len="med"/>
+                      <a:tailEnd type="none" w="med" len="med"/>
+                    </a:lnR>
+                    <a:lnT w="12700" cap="flat" cmpd="sng" algn="ctr">
+                      <a:solidFill>
+                        <a:schemeClr val="tx1"/>
+                      </a:solidFill>
+                      <a:prstDash val="solid"/>
+                      <a:round/>
+                      <a:headEnd type="none" w="med" len="med"/>
+                      <a:tailEnd type="none" w="med" len="med"/>
+                    </a:lnT>
+                    <a:lnB w="12700" cap="flat" cmpd="sng" algn="ctr">
+                      <a:solidFill>
+                        <a:schemeClr val="tx1"/>
+                      </a:solidFill>
+                      <a:prstDash val="solid"/>
+                      <a:round/>
+                      <a:headEnd type="none" w="med" len="med"/>
+                      <a:tailEnd type="none" w="med" len="med"/>
+                    </a:lnB>
+                    <a:lnTlToBr w="12700" cmpd="sng">
+                      <a:noFill/>
+                      <a:prstDash val="solid"/>
+                    </a:lnTlToBr>
+                    <a:lnBlToTr w="12700" cmpd="sng">
+                      <a:noFill/>
+                      <a:prstDash val="solid"/>
+                    </a:lnBlToTr>
+                    <a:solidFill>
+                      <a:srgbClr val="FFFFFF"/>
+                    </a:solidFill>
+                  </a:tcPr>
+                </a:tc>
+                <a:tc>
+                  <a:txBody>
+                    <a:bodyPr/>
+                    <a:lstStyle/>
+                    <a:p>
+                      <a:pPr algn="ctr" fontAlgn="ctr"/>
+                      <a:r>
+                        <a:rPr lang="en-SG" sz="800">
+                          <a:effectLst/>
+                        </a:rPr>
+                        <a:t>gr_liv_area</a:t>
+                      </a:r>
+                    </a:p>
+                  </a:txBody>
+                  <a:tcPr marL="45804" marR="45804" marT="22902" marB="22902" anchor="ctr">
+                    <a:lnL w="12700" cap="flat" cmpd="sng" algn="ctr">
+                      <a:solidFill>
+                        <a:schemeClr val="tx1"/>
+                      </a:solidFill>
+                      <a:prstDash val="solid"/>
+                      <a:round/>
+                      <a:headEnd type="none" w="med" len="med"/>
+                      <a:tailEnd type="none" w="med" len="med"/>
+                    </a:lnL>
+                    <a:lnR w="12700" cap="flat" cmpd="sng" algn="ctr">
+                      <a:solidFill>
+                        <a:schemeClr val="tx1"/>
+                      </a:solidFill>
+                      <a:prstDash val="solid"/>
+                      <a:round/>
+                      <a:headEnd type="none" w="med" len="med"/>
+                      <a:tailEnd type="none" w="med" len="med"/>
+                    </a:lnR>
+                    <a:lnT w="12700" cap="flat" cmpd="sng" algn="ctr">
+                      <a:solidFill>
+                        <a:schemeClr val="tx1"/>
+                      </a:solidFill>
+                      <a:prstDash val="solid"/>
+                      <a:round/>
+                      <a:headEnd type="none" w="med" len="med"/>
+                      <a:tailEnd type="none" w="med" len="med"/>
+                    </a:lnT>
+                    <a:lnB w="12700" cap="flat" cmpd="sng" algn="ctr">
+                      <a:solidFill>
+                        <a:schemeClr val="tx1"/>
+                      </a:solidFill>
+                      <a:prstDash val="solid"/>
+                      <a:round/>
+                      <a:headEnd type="none" w="med" len="med"/>
+                      <a:tailEnd type="none" w="med" len="med"/>
+                    </a:lnB>
+                    <a:lnTlToBr w="12700" cmpd="sng">
+                      <a:noFill/>
+                      <a:prstDash val="solid"/>
+                    </a:lnTlToBr>
+                    <a:lnBlToTr w="12700" cmpd="sng">
+                      <a:noFill/>
+                      <a:prstDash val="solid"/>
+                    </a:lnBlToTr>
+                    <a:solidFill>
+                      <a:srgbClr val="FFFFFF"/>
+                    </a:solidFill>
+                  </a:tcPr>
+                </a:tc>
+                <a:tc>
+                  <a:txBody>
+                    <a:bodyPr/>
+                    <a:lstStyle/>
+                    <a:p>
+                      <a:pPr algn="ctr" fontAlgn="ctr"/>
+                      <a:r>
+                        <a:rPr lang="en-SG" sz="800" dirty="0">
+                          <a:effectLst/>
+                        </a:rPr>
+                        <a:t>0.800207</a:t>
+                      </a:r>
+                    </a:p>
+                  </a:txBody>
+                  <a:tcPr marL="45804" marR="45804" marT="22902" marB="22902" anchor="ctr">
+                    <a:lnL w="12700" cap="flat" cmpd="sng" algn="ctr">
+                      <a:solidFill>
+                        <a:schemeClr val="tx1"/>
+                      </a:solidFill>
+                      <a:prstDash val="solid"/>
+                      <a:round/>
+                      <a:headEnd type="none" w="med" len="med"/>
+                      <a:tailEnd type="none" w="med" len="med"/>
+                    </a:lnL>
+                    <a:lnR w="12700" cap="flat" cmpd="sng" algn="ctr">
+                      <a:solidFill>
+                        <a:schemeClr val="tx1"/>
+                      </a:solidFill>
+                      <a:prstDash val="solid"/>
+                      <a:round/>
+                      <a:headEnd type="none" w="med" len="med"/>
+                      <a:tailEnd type="none" w="med" len="med"/>
+                    </a:lnR>
+                    <a:lnT w="12700" cap="flat" cmpd="sng" algn="ctr">
+                      <a:solidFill>
+                        <a:schemeClr val="tx1"/>
+                      </a:solidFill>
+                      <a:prstDash val="solid"/>
+                      <a:round/>
+                      <a:headEnd type="none" w="med" len="med"/>
+                      <a:tailEnd type="none" w="med" len="med"/>
+                    </a:lnT>
+                    <a:lnB w="12700" cap="flat" cmpd="sng" algn="ctr">
+                      <a:solidFill>
+                        <a:schemeClr val="tx1"/>
+                      </a:solidFill>
+                      <a:prstDash val="solid"/>
+                      <a:round/>
+                      <a:headEnd type="none" w="med" len="med"/>
+                      <a:tailEnd type="none" w="med" len="med"/>
+                    </a:lnB>
+                    <a:lnTlToBr w="12700" cmpd="sng">
+                      <a:noFill/>
+                      <a:prstDash val="solid"/>
+                    </a:lnTlToBr>
+                    <a:lnBlToTr w="12700" cmpd="sng">
+                      <a:noFill/>
+                      <a:prstDash val="solid"/>
+                    </a:lnBlToTr>
+                    <a:solidFill>
+                      <a:srgbClr val="FFFFFF"/>
+                    </a:solidFill>
+                  </a:tcPr>
+                </a:tc>
+                <a:tc>
+                  <a:txBody>
+                    <a:bodyPr/>
+                    <a:lstStyle/>
+                    <a:p>
+                      <a:pPr algn="ctr" fontAlgn="ctr"/>
+                      <a:r>
+                        <a:rPr lang="en-SG" sz="800">
+                          <a:effectLst/>
+                        </a:rPr>
+                        <a:t>0.697038</a:t>
+                      </a:r>
+                    </a:p>
+                  </a:txBody>
+                  <a:tcPr marL="45804" marR="45804" marT="22902" marB="22902" anchor="ctr">
+                    <a:lnL w="12700" cap="flat" cmpd="sng" algn="ctr">
+                      <a:solidFill>
+                        <a:schemeClr val="tx1"/>
+                      </a:solidFill>
+                      <a:prstDash val="solid"/>
+                      <a:round/>
+                      <a:headEnd type="none" w="med" len="med"/>
+                      <a:tailEnd type="none" w="med" len="med"/>
+                    </a:lnL>
+                    <a:lnR w="12700" cap="flat" cmpd="sng" algn="ctr">
+                      <a:solidFill>
+                        <a:schemeClr val="tx1"/>
+                      </a:solidFill>
+                      <a:prstDash val="solid"/>
+                      <a:round/>
+                      <a:headEnd type="none" w="med" len="med"/>
+                      <a:tailEnd type="none" w="med" len="med"/>
+                    </a:lnR>
+                    <a:lnT w="12700" cap="flat" cmpd="sng" algn="ctr">
+                      <a:solidFill>
+                        <a:schemeClr val="tx1"/>
+                      </a:solidFill>
+                      <a:prstDash val="solid"/>
+                      <a:round/>
+                      <a:headEnd type="none" w="med" len="med"/>
+                      <a:tailEnd type="none" w="med" len="med"/>
+                    </a:lnT>
+                    <a:lnB w="12700" cap="flat" cmpd="sng" algn="ctr">
+                      <a:solidFill>
+                        <a:schemeClr val="tx1"/>
+                      </a:solidFill>
+                      <a:prstDash val="solid"/>
+                      <a:round/>
+                      <a:headEnd type="none" w="med" len="med"/>
+                      <a:tailEnd type="none" w="med" len="med"/>
+                    </a:lnB>
+                    <a:lnTlToBr w="12700" cmpd="sng">
+                      <a:noFill/>
+                      <a:prstDash val="solid"/>
+                    </a:lnTlToBr>
+                    <a:lnBlToTr w="12700" cmpd="sng">
+                      <a:noFill/>
+                      <a:prstDash val="solid"/>
+                    </a:lnBlToTr>
+                    <a:solidFill>
+                      <a:srgbClr val="FFFFFF"/>
+                    </a:solidFill>
+                  </a:tcPr>
+                </a:tc>
+                <a:tc>
+                  <a:txBody>
+                    <a:bodyPr/>
+                    <a:lstStyle/>
+                    <a:p>
+                      <a:pPr algn="ctr" fontAlgn="ctr"/>
+                      <a:r>
+                        <a:rPr lang="en-SG" sz="800">
+                          <a:effectLst/>
+                        </a:rPr>
+                        <a:t>11.825650</a:t>
+                      </a:r>
+                    </a:p>
+                  </a:txBody>
+                  <a:tcPr marL="45804" marR="45804" marT="22902" marB="22902" anchor="ctr">
+                    <a:lnL w="12700" cap="flat" cmpd="sng" algn="ctr">
+                      <a:solidFill>
+                        <a:schemeClr val="tx1"/>
+                      </a:solidFill>
+                      <a:prstDash val="solid"/>
+                      <a:round/>
+                      <a:headEnd type="none" w="med" len="med"/>
+                      <a:tailEnd type="none" w="med" len="med"/>
+                    </a:lnL>
+                    <a:lnR w="12700" cap="flat" cmpd="sng" algn="ctr">
+                      <a:solidFill>
+                        <a:schemeClr val="tx1"/>
+                      </a:solidFill>
+                      <a:prstDash val="solid"/>
+                      <a:round/>
+                      <a:headEnd type="none" w="med" len="med"/>
+                      <a:tailEnd type="none" w="med" len="med"/>
+                    </a:lnR>
+                    <a:lnT w="12700" cap="flat" cmpd="sng" algn="ctr">
+                      <a:solidFill>
+                        <a:schemeClr val="tx1"/>
+                      </a:solidFill>
+                      <a:prstDash val="solid"/>
+                      <a:round/>
+                      <a:headEnd type="none" w="med" len="med"/>
+                      <a:tailEnd type="none" w="med" len="med"/>
+                    </a:lnT>
+                    <a:lnB w="12700" cap="flat" cmpd="sng" algn="ctr">
+                      <a:solidFill>
+                        <a:schemeClr val="tx1"/>
+                      </a:solidFill>
+                      <a:prstDash val="solid"/>
+                      <a:round/>
+                      <a:headEnd type="none" w="med" len="med"/>
+                      <a:tailEnd type="none" w="med" len="med"/>
+                    </a:lnB>
+                    <a:lnTlToBr w="12700" cmpd="sng">
+                      <a:noFill/>
+                      <a:prstDash val="solid"/>
+                    </a:lnTlToBr>
+                    <a:lnBlToTr w="12700" cmpd="sng">
+                      <a:noFill/>
+                      <a:prstDash val="solid"/>
+                    </a:lnBlToTr>
+                    <a:solidFill>
+                      <a:srgbClr val="FFFFFF"/>
+                    </a:solidFill>
+                  </a:tcPr>
+                </a:tc>
+                <a:extLst>
+                  <a:ext uri="{0D108BD9-81ED-4DB2-BD59-A6C34878D82A}">
+                    <a16:rowId xmlns:a16="http://schemas.microsoft.com/office/drawing/2014/main" val="1547920564"/>
+                  </a:ext>
+                </a:extLst>
+              </a:tr>
+              <a:tr h="343160">
+                <a:tc>
+                  <a:txBody>
+                    <a:bodyPr/>
+                    <a:lstStyle/>
+                    <a:p>
+                      <a:pPr algn="ctr" fontAlgn="ctr"/>
+                      <a:r>
+                        <a:rPr lang="en-SG" sz="800">
+                          <a:effectLst/>
+                        </a:rPr>
+                        <a:t>[overall_qual, garag_cars]</a:t>
+                      </a:r>
+                    </a:p>
+                  </a:txBody>
+                  <a:tcPr marL="45804" marR="45804" marT="22902" marB="22902" anchor="ctr">
+                    <a:lnL w="12700" cap="flat" cmpd="sng" algn="ctr">
+                      <a:solidFill>
+                        <a:schemeClr val="tx1"/>
+                      </a:solidFill>
+                      <a:prstDash val="solid"/>
+                      <a:round/>
+                      <a:headEnd type="none" w="med" len="med"/>
+                      <a:tailEnd type="none" w="med" len="med"/>
+                    </a:lnL>
+                    <a:lnR w="12700" cap="flat" cmpd="sng" algn="ctr">
+                      <a:solidFill>
+                        <a:schemeClr val="tx1"/>
+                      </a:solidFill>
+                      <a:prstDash val="solid"/>
+                      <a:round/>
+                      <a:headEnd type="none" w="med" len="med"/>
+                      <a:tailEnd type="none" w="med" len="med"/>
+                    </a:lnR>
+                    <a:lnT w="12700" cap="flat" cmpd="sng" algn="ctr">
+                      <a:solidFill>
+                        <a:schemeClr val="tx1"/>
+                      </a:solidFill>
+                      <a:prstDash val="solid"/>
+                      <a:round/>
+                      <a:headEnd type="none" w="med" len="med"/>
+                      <a:tailEnd type="none" w="med" len="med"/>
+                    </a:lnT>
+                    <a:lnB w="12700" cap="flat" cmpd="sng" algn="ctr">
+                      <a:solidFill>
+                        <a:schemeClr val="tx1"/>
+                      </a:solidFill>
+                      <a:prstDash val="solid"/>
+                      <a:round/>
+                      <a:headEnd type="none" w="med" len="med"/>
+                      <a:tailEnd type="none" w="med" len="med"/>
+                    </a:lnB>
+                    <a:lnTlToBr w="12700" cmpd="sng">
+                      <a:noFill/>
+                      <a:prstDash val="solid"/>
+                    </a:lnTlToBr>
+                    <a:lnBlToTr w="12700" cmpd="sng">
+                      <a:noFill/>
+                      <a:prstDash val="solid"/>
+                    </a:lnBlToTr>
+                    <a:solidFill>
+                      <a:srgbClr val="FFFFFF"/>
+                    </a:solidFill>
+                  </a:tcPr>
+                </a:tc>
+                <a:tc>
+                  <a:txBody>
+                    <a:bodyPr/>
+                    <a:lstStyle/>
+                    <a:p>
+                      <a:pPr algn="ctr" fontAlgn="ctr"/>
+                      <a:r>
+                        <a:rPr lang="en-SG" sz="800" dirty="0">
+                          <a:effectLst/>
+                        </a:rPr>
+                        <a:t>0.820239</a:t>
+                      </a:r>
+                    </a:p>
+                  </a:txBody>
+                  <a:tcPr marL="45804" marR="45804" marT="22902" marB="22902" anchor="ctr">
+                    <a:lnL w="12700" cap="flat" cmpd="sng" algn="ctr">
+                      <a:solidFill>
+                        <a:schemeClr val="tx1"/>
+                      </a:solidFill>
+                      <a:prstDash val="solid"/>
+                      <a:round/>
+                      <a:headEnd type="none" w="med" len="med"/>
+                      <a:tailEnd type="none" w="med" len="med"/>
+                    </a:lnL>
+                    <a:lnR w="12700" cap="flat" cmpd="sng" algn="ctr">
+                      <a:solidFill>
+                        <a:schemeClr val="tx1"/>
+                      </a:solidFill>
+                      <a:prstDash val="solid"/>
+                      <a:round/>
+                      <a:headEnd type="none" w="med" len="med"/>
+                      <a:tailEnd type="none" w="med" len="med"/>
+                    </a:lnR>
+                    <a:lnT w="12700" cap="flat" cmpd="sng" algn="ctr">
+                      <a:solidFill>
+                        <a:schemeClr val="tx1"/>
+                      </a:solidFill>
+                      <a:prstDash val="solid"/>
+                      <a:round/>
+                      <a:headEnd type="none" w="med" len="med"/>
+                      <a:tailEnd type="none" w="med" len="med"/>
+                    </a:lnT>
+                    <a:lnB w="12700" cap="flat" cmpd="sng" algn="ctr">
+                      <a:solidFill>
+                        <a:schemeClr val="tx1"/>
+                      </a:solidFill>
+                      <a:prstDash val="solid"/>
+                      <a:round/>
+                      <a:headEnd type="none" w="med" len="med"/>
+                      <a:tailEnd type="none" w="med" len="med"/>
+                    </a:lnB>
+                    <a:lnTlToBr w="12700" cmpd="sng">
+                      <a:noFill/>
+                      <a:prstDash val="solid"/>
+                    </a:lnTlToBr>
+                    <a:lnBlToTr w="12700" cmpd="sng">
+                      <a:noFill/>
+                      <a:prstDash val="solid"/>
+                    </a:lnBlToTr>
+                    <a:solidFill>
+                      <a:srgbClr val="FFFFFF"/>
+                    </a:solidFill>
+                  </a:tcPr>
+                </a:tc>
+                <a:tc>
+                  <a:txBody>
+                    <a:bodyPr/>
+                    <a:lstStyle/>
+                    <a:p>
+                      <a:pPr algn="ctr" fontAlgn="ctr"/>
+                      <a:r>
+                        <a:rPr lang="en-SG" sz="800" dirty="0" err="1">
+                          <a:effectLst/>
+                        </a:rPr>
+                        <a:t>overall_qual</a:t>
+                      </a:r>
+                      <a:endParaRPr lang="en-SG" sz="800" dirty="0">
+                        <a:effectLst/>
+                      </a:endParaRPr>
+                    </a:p>
+                  </a:txBody>
+                  <a:tcPr marL="45804" marR="45804" marT="22902" marB="22902" anchor="ctr">
+                    <a:lnL w="12700" cap="flat" cmpd="sng" algn="ctr">
+                      <a:solidFill>
+                        <a:schemeClr val="tx1"/>
+                      </a:solidFill>
+                      <a:prstDash val="solid"/>
+                      <a:round/>
+                      <a:headEnd type="none" w="med" len="med"/>
+                      <a:tailEnd type="none" w="med" len="med"/>
+                    </a:lnL>
+                    <a:lnR w="12700" cap="flat" cmpd="sng" algn="ctr">
+                      <a:solidFill>
+                        <a:schemeClr val="tx1"/>
+                      </a:solidFill>
+                      <a:prstDash val="solid"/>
+                      <a:round/>
+                      <a:headEnd type="none" w="med" len="med"/>
+                      <a:tailEnd type="none" w="med" len="med"/>
+                    </a:lnR>
+                    <a:lnT w="12700" cap="flat" cmpd="sng" algn="ctr">
+                      <a:solidFill>
+                        <a:schemeClr val="tx1"/>
+                      </a:solidFill>
+                      <a:prstDash val="solid"/>
+                      <a:round/>
+                      <a:headEnd type="none" w="med" len="med"/>
+                      <a:tailEnd type="none" w="med" len="med"/>
+                    </a:lnT>
+                    <a:lnB w="12700" cap="flat" cmpd="sng" algn="ctr">
+                      <a:solidFill>
+                        <a:schemeClr val="tx1"/>
+                      </a:solidFill>
+                      <a:prstDash val="solid"/>
+                      <a:round/>
+                      <a:headEnd type="none" w="med" len="med"/>
+                      <a:tailEnd type="none" w="med" len="med"/>
+                    </a:lnB>
+                    <a:lnTlToBr w="12700" cmpd="sng">
+                      <a:noFill/>
+                      <a:prstDash val="solid"/>
+                    </a:lnTlToBr>
+                    <a:lnBlToTr w="12700" cmpd="sng">
+                      <a:noFill/>
+                      <a:prstDash val="solid"/>
+                    </a:lnBlToTr>
+                    <a:solidFill>
+                      <a:srgbClr val="FFFFFF"/>
+                    </a:solidFill>
+                  </a:tcPr>
+                </a:tc>
+                <a:tc>
+                  <a:txBody>
+                    <a:bodyPr/>
+                    <a:lstStyle/>
+                    <a:p>
+                      <a:pPr algn="ctr" fontAlgn="ctr"/>
+                      <a:r>
+                        <a:rPr lang="en-SG" sz="800" dirty="0" err="1">
+                          <a:effectLst/>
+                        </a:rPr>
+                        <a:t>garag_cars</a:t>
+                      </a:r>
+                      <a:endParaRPr lang="en-SG" sz="800" dirty="0">
+                        <a:effectLst/>
+                      </a:endParaRPr>
+                    </a:p>
+                  </a:txBody>
+                  <a:tcPr marL="45804" marR="45804" marT="22902" marB="22902" anchor="ctr">
+                    <a:lnL w="12700" cap="flat" cmpd="sng" algn="ctr">
+                      <a:solidFill>
+                        <a:schemeClr val="tx1"/>
+                      </a:solidFill>
+                      <a:prstDash val="solid"/>
+                      <a:round/>
+                      <a:headEnd type="none" w="med" len="med"/>
+                      <a:tailEnd type="none" w="med" len="med"/>
+                    </a:lnL>
+                    <a:lnR w="12700" cap="flat" cmpd="sng" algn="ctr">
+                      <a:solidFill>
+                        <a:schemeClr val="tx1"/>
+                      </a:solidFill>
+                      <a:prstDash val="solid"/>
+                      <a:round/>
+                      <a:headEnd type="none" w="med" len="med"/>
+                      <a:tailEnd type="none" w="med" len="med"/>
+                    </a:lnR>
+                    <a:lnT w="12700" cap="flat" cmpd="sng" algn="ctr">
+                      <a:solidFill>
+                        <a:schemeClr val="tx1"/>
+                      </a:solidFill>
+                      <a:prstDash val="solid"/>
+                      <a:round/>
+                      <a:headEnd type="none" w="med" len="med"/>
+                      <a:tailEnd type="none" w="med" len="med"/>
+                    </a:lnT>
+                    <a:lnB w="12700" cap="flat" cmpd="sng" algn="ctr">
+                      <a:solidFill>
+                        <a:schemeClr val="tx1"/>
+                      </a:solidFill>
+                      <a:prstDash val="solid"/>
+                      <a:round/>
+                      <a:headEnd type="none" w="med" len="med"/>
+                      <a:tailEnd type="none" w="med" len="med"/>
+                    </a:lnB>
+                    <a:lnTlToBr w="12700" cmpd="sng">
+                      <a:noFill/>
+                      <a:prstDash val="solid"/>
+                    </a:lnTlToBr>
+                    <a:lnBlToTr w="12700" cmpd="sng">
+                      <a:noFill/>
+                      <a:prstDash val="solid"/>
+                    </a:lnBlToTr>
+                    <a:solidFill>
+                      <a:srgbClr val="FFFFFF"/>
+                    </a:solidFill>
+                  </a:tcPr>
+                </a:tc>
+                <a:tc>
+                  <a:txBody>
+                    <a:bodyPr/>
+                    <a:lstStyle/>
+                    <a:p>
+                      <a:pPr algn="ctr" fontAlgn="ctr"/>
+                      <a:r>
+                        <a:rPr lang="en-SG" sz="800">
+                          <a:effectLst/>
+                        </a:rPr>
+                        <a:t>0.800207</a:t>
+                      </a:r>
+                    </a:p>
+                  </a:txBody>
+                  <a:tcPr marL="45804" marR="45804" marT="22902" marB="22902" anchor="ctr">
+                    <a:lnL w="12700" cap="flat" cmpd="sng" algn="ctr">
+                      <a:solidFill>
+                        <a:schemeClr val="tx1"/>
+                      </a:solidFill>
+                      <a:prstDash val="solid"/>
+                      <a:round/>
+                      <a:headEnd type="none" w="med" len="med"/>
+                      <a:tailEnd type="none" w="med" len="med"/>
+                    </a:lnL>
+                    <a:lnR w="12700" cap="flat" cmpd="sng" algn="ctr">
+                      <a:solidFill>
+                        <a:schemeClr val="tx1"/>
+                      </a:solidFill>
+                      <a:prstDash val="solid"/>
+                      <a:round/>
+                      <a:headEnd type="none" w="med" len="med"/>
+                      <a:tailEnd type="none" w="med" len="med"/>
+                    </a:lnR>
+                    <a:lnT w="12700" cap="flat" cmpd="sng" algn="ctr">
+                      <a:solidFill>
+                        <a:schemeClr val="tx1"/>
+                      </a:solidFill>
+                      <a:prstDash val="solid"/>
+                      <a:round/>
+                      <a:headEnd type="none" w="med" len="med"/>
+                      <a:tailEnd type="none" w="med" len="med"/>
+                    </a:lnT>
+                    <a:lnB w="12700" cap="flat" cmpd="sng" algn="ctr">
+                      <a:solidFill>
+                        <a:schemeClr val="tx1"/>
+                      </a:solidFill>
+                      <a:prstDash val="solid"/>
+                      <a:round/>
+                      <a:headEnd type="none" w="med" len="med"/>
+                      <a:tailEnd type="none" w="med" len="med"/>
+                    </a:lnB>
+                    <a:lnTlToBr w="12700" cmpd="sng">
+                      <a:noFill/>
+                      <a:prstDash val="solid"/>
+                    </a:lnTlToBr>
+                    <a:lnBlToTr w="12700" cmpd="sng">
+                      <a:noFill/>
+                      <a:prstDash val="solid"/>
+                    </a:lnBlToTr>
+                    <a:solidFill>
+                      <a:srgbClr val="FFFFFF"/>
+                    </a:solidFill>
+                  </a:tcPr>
+                </a:tc>
+                <a:tc>
+                  <a:txBody>
+                    <a:bodyPr/>
+                    <a:lstStyle/>
+                    <a:p>
+                      <a:pPr algn="ctr" fontAlgn="ctr"/>
+                      <a:r>
+                        <a:rPr lang="en-SG" sz="800">
+                          <a:effectLst/>
+                        </a:rPr>
+                        <a:t>0.648128</a:t>
+                      </a:r>
+                    </a:p>
+                  </a:txBody>
+                  <a:tcPr marL="45804" marR="45804" marT="22902" marB="22902" anchor="ctr">
+                    <a:lnL w="12700" cap="flat" cmpd="sng" algn="ctr">
+                      <a:solidFill>
+                        <a:schemeClr val="tx1"/>
+                      </a:solidFill>
+                      <a:prstDash val="solid"/>
+                      <a:round/>
+                      <a:headEnd type="none" w="med" len="med"/>
+                      <a:tailEnd type="none" w="med" len="med"/>
+                    </a:lnL>
+                    <a:lnR w="12700" cap="flat" cmpd="sng" algn="ctr">
+                      <a:solidFill>
+                        <a:schemeClr val="tx1"/>
+                      </a:solidFill>
+                      <a:prstDash val="solid"/>
+                      <a:round/>
+                      <a:headEnd type="none" w="med" len="med"/>
+                      <a:tailEnd type="none" w="med" len="med"/>
+                    </a:lnR>
+                    <a:lnT w="12700" cap="flat" cmpd="sng" algn="ctr">
+                      <a:solidFill>
+                        <a:schemeClr val="tx1"/>
+                      </a:solidFill>
+                      <a:prstDash val="solid"/>
+                      <a:round/>
+                      <a:headEnd type="none" w="med" len="med"/>
+                      <a:tailEnd type="none" w="med" len="med"/>
+                    </a:lnT>
+                    <a:lnB w="12700" cap="flat" cmpd="sng" algn="ctr">
+                      <a:solidFill>
+                        <a:schemeClr val="tx1"/>
+                      </a:solidFill>
+                      <a:prstDash val="solid"/>
+                      <a:round/>
+                      <a:headEnd type="none" w="med" len="med"/>
+                      <a:tailEnd type="none" w="med" len="med"/>
+                    </a:lnB>
+                    <a:lnTlToBr w="12700" cmpd="sng">
+                      <a:noFill/>
+                      <a:prstDash val="solid"/>
+                    </a:lnTlToBr>
+                    <a:lnBlToTr w="12700" cmpd="sng">
+                      <a:noFill/>
+                      <a:prstDash val="solid"/>
+                    </a:lnBlToTr>
+                    <a:solidFill>
+                      <a:srgbClr val="FFFFFF"/>
+                    </a:solidFill>
+                  </a:tcPr>
+                </a:tc>
+                <a:tc>
+                  <a:txBody>
+                    <a:bodyPr/>
+                    <a:lstStyle/>
+                    <a:p>
+                      <a:pPr algn="ctr" fontAlgn="ctr"/>
+                      <a:r>
+                        <a:rPr lang="en-SG" sz="800" dirty="0">
+                          <a:effectLst/>
+                        </a:rPr>
+                        <a:t>13.266413</a:t>
+                      </a:r>
+                    </a:p>
+                  </a:txBody>
+                  <a:tcPr marL="45804" marR="45804" marT="22902" marB="22902" anchor="ctr">
+                    <a:lnL w="12700" cap="flat" cmpd="sng" algn="ctr">
+                      <a:solidFill>
+                        <a:schemeClr val="tx1"/>
+                      </a:solidFill>
+                      <a:prstDash val="solid"/>
+                      <a:round/>
+                      <a:headEnd type="none" w="med" len="med"/>
+                      <a:tailEnd type="none" w="med" len="med"/>
+                    </a:lnL>
+                    <a:lnR w="12700" cap="flat" cmpd="sng" algn="ctr">
+                      <a:solidFill>
+                        <a:schemeClr val="tx1"/>
+                      </a:solidFill>
+                      <a:prstDash val="solid"/>
+                      <a:round/>
+                      <a:headEnd type="none" w="med" len="med"/>
+                      <a:tailEnd type="none" w="med" len="med"/>
+                    </a:lnR>
+                    <a:lnT w="12700" cap="flat" cmpd="sng" algn="ctr">
+                      <a:solidFill>
+                        <a:schemeClr val="tx1"/>
+                      </a:solidFill>
+                      <a:prstDash val="solid"/>
+                      <a:round/>
+                      <a:headEnd type="none" w="med" len="med"/>
+                      <a:tailEnd type="none" w="med" len="med"/>
+                    </a:lnT>
+                    <a:lnB w="12700" cap="flat" cmpd="sng" algn="ctr">
+                      <a:solidFill>
+                        <a:schemeClr val="tx1"/>
+                      </a:solidFill>
+                      <a:prstDash val="solid"/>
+                      <a:round/>
+                      <a:headEnd type="none" w="med" len="med"/>
+                      <a:tailEnd type="none" w="med" len="med"/>
+                    </a:lnB>
+                    <a:lnTlToBr w="12700" cmpd="sng">
+                      <a:noFill/>
+                      <a:prstDash val="solid"/>
+                    </a:lnTlToBr>
+                    <a:lnBlToTr w="12700" cmpd="sng">
+                      <a:noFill/>
+                      <a:prstDash val="solid"/>
+                    </a:lnBlToTr>
+                    <a:solidFill>
+                      <a:srgbClr val="FFFFFF"/>
+                    </a:solidFill>
+                  </a:tcPr>
+                </a:tc>
+                <a:extLst>
+                  <a:ext uri="{0D108BD9-81ED-4DB2-BD59-A6C34878D82A}">
+                    <a16:rowId xmlns:a16="http://schemas.microsoft.com/office/drawing/2014/main" val="3795359724"/>
+                  </a:ext>
+                </a:extLst>
+              </a:tr>
+              <a:tr h="343160">
+                <a:tc>
+                  <a:txBody>
+                    <a:bodyPr/>
+                    <a:lstStyle/>
+                    <a:p>
+                      <a:pPr algn="ctr" fontAlgn="ctr"/>
+                      <a:r>
+                        <a:rPr lang="en-SG" sz="800">
+                          <a:effectLst/>
+                        </a:rPr>
+                        <a:t>[overall_qual, garage_area]</a:t>
+                      </a:r>
+                    </a:p>
+                  </a:txBody>
+                  <a:tcPr marL="45804" marR="45804" marT="22902" marB="22902" anchor="ctr">
+                    <a:lnL w="12700" cap="flat" cmpd="sng" algn="ctr">
+                      <a:solidFill>
+                        <a:schemeClr val="tx1"/>
+                      </a:solidFill>
+                      <a:prstDash val="solid"/>
+                      <a:round/>
+                      <a:headEnd type="none" w="med" len="med"/>
+                      <a:tailEnd type="none" w="med" len="med"/>
+                    </a:lnL>
+                    <a:lnR w="12700" cap="flat" cmpd="sng" algn="ctr">
+                      <a:solidFill>
+                        <a:schemeClr val="tx1"/>
+                      </a:solidFill>
+                      <a:prstDash val="solid"/>
+                      <a:round/>
+                      <a:headEnd type="none" w="med" len="med"/>
+                      <a:tailEnd type="none" w="med" len="med"/>
+                    </a:lnR>
+                    <a:lnT w="12700" cap="flat" cmpd="sng" algn="ctr">
+                      <a:solidFill>
+                        <a:schemeClr val="tx1"/>
+                      </a:solidFill>
+                      <a:prstDash val="solid"/>
+                      <a:round/>
+                      <a:headEnd type="none" w="med" len="med"/>
+                      <a:tailEnd type="none" w="med" len="med"/>
+                    </a:lnT>
+                    <a:lnB w="12700" cap="flat" cmpd="sng" algn="ctr">
+                      <a:solidFill>
+                        <a:schemeClr val="tx1"/>
+                      </a:solidFill>
+                      <a:prstDash val="solid"/>
+                      <a:round/>
+                      <a:headEnd type="none" w="med" len="med"/>
+                      <a:tailEnd type="none" w="med" len="med"/>
+                    </a:lnB>
+                    <a:lnTlToBr w="12700" cmpd="sng">
+                      <a:noFill/>
+                      <a:prstDash val="solid"/>
+                    </a:lnTlToBr>
+                    <a:lnBlToTr w="12700" cmpd="sng">
+                      <a:noFill/>
+                      <a:prstDash val="solid"/>
+                    </a:lnBlToTr>
+                    <a:solidFill>
+                      <a:srgbClr val="F5F5F5"/>
+                    </a:solidFill>
+                  </a:tcPr>
+                </a:tc>
+                <a:tc>
+                  <a:txBody>
+                    <a:bodyPr/>
+                    <a:lstStyle/>
+                    <a:p>
+                      <a:pPr algn="ctr" fontAlgn="ctr"/>
+                      <a:r>
+                        <a:rPr lang="en-SG" sz="800">
+                          <a:effectLst/>
+                        </a:rPr>
+                        <a:t>0.813508</a:t>
+                      </a:r>
+                    </a:p>
+                  </a:txBody>
+                  <a:tcPr marL="45804" marR="45804" marT="22902" marB="22902" anchor="ctr">
+                    <a:lnL w="12700" cap="flat" cmpd="sng" algn="ctr">
+                      <a:solidFill>
+                        <a:schemeClr val="tx1"/>
+                      </a:solidFill>
+                      <a:prstDash val="solid"/>
+                      <a:round/>
+                      <a:headEnd type="none" w="med" len="med"/>
+                      <a:tailEnd type="none" w="med" len="med"/>
+                    </a:lnL>
+                    <a:lnR w="12700" cap="flat" cmpd="sng" algn="ctr">
+                      <a:solidFill>
+                        <a:schemeClr val="tx1"/>
+                      </a:solidFill>
+                      <a:prstDash val="solid"/>
+                      <a:round/>
+                      <a:headEnd type="none" w="med" len="med"/>
+                      <a:tailEnd type="none" w="med" len="med"/>
+                    </a:lnR>
+                    <a:lnT w="12700" cap="flat" cmpd="sng" algn="ctr">
+                      <a:solidFill>
+                        <a:schemeClr val="tx1"/>
+                      </a:solidFill>
+                      <a:prstDash val="solid"/>
+                      <a:round/>
+                      <a:headEnd type="none" w="med" len="med"/>
+                      <a:tailEnd type="none" w="med" len="med"/>
+                    </a:lnT>
+                    <a:lnB w="12700" cap="flat" cmpd="sng" algn="ctr">
+                      <a:solidFill>
+                        <a:schemeClr val="tx1"/>
+                      </a:solidFill>
+                      <a:prstDash val="solid"/>
+                      <a:round/>
+                      <a:headEnd type="none" w="med" len="med"/>
+                      <a:tailEnd type="none" w="med" len="med"/>
+                    </a:lnB>
+                    <a:lnTlToBr w="12700" cmpd="sng">
+                      <a:noFill/>
+                      <a:prstDash val="solid"/>
+                    </a:lnTlToBr>
+                    <a:lnBlToTr w="12700" cmpd="sng">
+                      <a:noFill/>
+                      <a:prstDash val="solid"/>
+                    </a:lnBlToTr>
+                    <a:solidFill>
+                      <a:srgbClr val="F5F5F5"/>
+                    </a:solidFill>
+                  </a:tcPr>
+                </a:tc>
+                <a:tc>
+                  <a:txBody>
+                    <a:bodyPr/>
+                    <a:lstStyle/>
+                    <a:p>
+                      <a:pPr algn="ctr" fontAlgn="ctr"/>
+                      <a:r>
+                        <a:rPr lang="en-SG" sz="800">
+                          <a:effectLst/>
+                        </a:rPr>
+                        <a:t>overall_qual</a:t>
+                      </a:r>
+                    </a:p>
+                  </a:txBody>
+                  <a:tcPr marL="45804" marR="45804" marT="22902" marB="22902" anchor="ctr">
+                    <a:lnL w="12700" cap="flat" cmpd="sng" algn="ctr">
+                      <a:solidFill>
+                        <a:schemeClr val="tx1"/>
+                      </a:solidFill>
+                      <a:prstDash val="solid"/>
+                      <a:round/>
+                      <a:headEnd type="none" w="med" len="med"/>
+                      <a:tailEnd type="none" w="med" len="med"/>
+                    </a:lnL>
+                    <a:lnR w="12700" cap="flat" cmpd="sng" algn="ctr">
+                      <a:solidFill>
+                        <a:schemeClr val="tx1"/>
+                      </a:solidFill>
+                      <a:prstDash val="solid"/>
+                      <a:round/>
+                      <a:headEnd type="none" w="med" len="med"/>
+                      <a:tailEnd type="none" w="med" len="med"/>
+                    </a:lnR>
+                    <a:lnT w="12700" cap="flat" cmpd="sng" algn="ctr">
+                      <a:solidFill>
+                        <a:schemeClr val="tx1"/>
+                      </a:solidFill>
+                      <a:prstDash val="solid"/>
+                      <a:round/>
+                      <a:headEnd type="none" w="med" len="med"/>
+                      <a:tailEnd type="none" w="med" len="med"/>
+                    </a:lnT>
+                    <a:lnB w="12700" cap="flat" cmpd="sng" algn="ctr">
+                      <a:solidFill>
+                        <a:schemeClr val="tx1"/>
+                      </a:solidFill>
+                      <a:prstDash val="solid"/>
+                      <a:round/>
+                      <a:headEnd type="none" w="med" len="med"/>
+                      <a:tailEnd type="none" w="med" len="med"/>
+                    </a:lnB>
+                    <a:lnTlToBr w="12700" cmpd="sng">
+                      <a:noFill/>
+                      <a:prstDash val="solid"/>
+                    </a:lnTlToBr>
+                    <a:lnBlToTr w="12700" cmpd="sng">
+                      <a:noFill/>
+                      <a:prstDash val="solid"/>
+                    </a:lnBlToTr>
+                    <a:solidFill>
+                      <a:srgbClr val="F5F5F5"/>
+                    </a:solidFill>
+                  </a:tcPr>
+                </a:tc>
+                <a:tc>
+                  <a:txBody>
+                    <a:bodyPr/>
+                    <a:lstStyle/>
+                    <a:p>
+                      <a:pPr algn="ctr" fontAlgn="ctr"/>
+                      <a:r>
+                        <a:rPr lang="en-SG" sz="800" dirty="0" err="1">
+                          <a:effectLst/>
+                        </a:rPr>
+                        <a:t>garage_area</a:t>
+                      </a:r>
+                      <a:endParaRPr lang="en-SG" sz="800" dirty="0">
+                        <a:effectLst/>
+                      </a:endParaRPr>
+                    </a:p>
+                  </a:txBody>
+                  <a:tcPr marL="45804" marR="45804" marT="22902" marB="22902" anchor="ctr">
+                    <a:lnL w="12700" cap="flat" cmpd="sng" algn="ctr">
+                      <a:solidFill>
+                        <a:schemeClr val="tx1"/>
+                      </a:solidFill>
+                      <a:prstDash val="solid"/>
+                      <a:round/>
+                      <a:headEnd type="none" w="med" len="med"/>
+                      <a:tailEnd type="none" w="med" len="med"/>
+                    </a:lnL>
+                    <a:lnR w="12700" cap="flat" cmpd="sng" algn="ctr">
+                      <a:solidFill>
+                        <a:schemeClr val="tx1"/>
+                      </a:solidFill>
+                      <a:prstDash val="solid"/>
+                      <a:round/>
+                      <a:headEnd type="none" w="med" len="med"/>
+                      <a:tailEnd type="none" w="med" len="med"/>
+                    </a:lnR>
+                    <a:lnT w="12700" cap="flat" cmpd="sng" algn="ctr">
+                      <a:solidFill>
+                        <a:schemeClr val="tx1"/>
+                      </a:solidFill>
+                      <a:prstDash val="solid"/>
+                      <a:round/>
+                      <a:headEnd type="none" w="med" len="med"/>
+                      <a:tailEnd type="none" w="med" len="med"/>
+                    </a:lnT>
+                    <a:lnB w="12700" cap="flat" cmpd="sng" algn="ctr">
+                      <a:solidFill>
+                        <a:schemeClr val="tx1"/>
+                      </a:solidFill>
+                      <a:prstDash val="solid"/>
+                      <a:round/>
+                      <a:headEnd type="none" w="med" len="med"/>
+                      <a:tailEnd type="none" w="med" len="med"/>
+                    </a:lnB>
+                    <a:lnTlToBr w="12700" cmpd="sng">
+                      <a:noFill/>
+                      <a:prstDash val="solid"/>
+                    </a:lnTlToBr>
+                    <a:lnBlToTr w="12700" cmpd="sng">
+                      <a:noFill/>
+                      <a:prstDash val="solid"/>
+                    </a:lnBlToTr>
+                    <a:solidFill>
+                      <a:srgbClr val="F5F5F5"/>
+                    </a:solidFill>
+                  </a:tcPr>
+                </a:tc>
+                <a:tc>
+                  <a:txBody>
+                    <a:bodyPr/>
+                    <a:lstStyle/>
+                    <a:p>
+                      <a:pPr algn="ctr" fontAlgn="ctr"/>
+                      <a:r>
+                        <a:rPr lang="en-SG" sz="800" dirty="0">
+                          <a:effectLst/>
+                        </a:rPr>
+                        <a:t>0.800207</a:t>
+                      </a:r>
+                    </a:p>
+                  </a:txBody>
+                  <a:tcPr marL="45804" marR="45804" marT="22902" marB="22902" anchor="ctr">
+                    <a:lnL w="12700" cap="flat" cmpd="sng" algn="ctr">
+                      <a:solidFill>
+                        <a:schemeClr val="tx1"/>
+                      </a:solidFill>
+                      <a:prstDash val="solid"/>
+                      <a:round/>
+                      <a:headEnd type="none" w="med" len="med"/>
+                      <a:tailEnd type="none" w="med" len="med"/>
+                    </a:lnL>
+                    <a:lnR w="12700" cap="flat" cmpd="sng" algn="ctr">
+                      <a:solidFill>
+                        <a:schemeClr val="tx1"/>
+                      </a:solidFill>
+                      <a:prstDash val="solid"/>
+                      <a:round/>
+                      <a:headEnd type="none" w="med" len="med"/>
+                      <a:tailEnd type="none" w="med" len="med"/>
+                    </a:lnR>
+                    <a:lnT w="12700" cap="flat" cmpd="sng" algn="ctr">
+                      <a:solidFill>
+                        <a:schemeClr val="tx1"/>
+                      </a:solidFill>
+                      <a:prstDash val="solid"/>
+                      <a:round/>
+                      <a:headEnd type="none" w="med" len="med"/>
+                      <a:tailEnd type="none" w="med" len="med"/>
+                    </a:lnT>
+                    <a:lnB w="12700" cap="flat" cmpd="sng" algn="ctr">
+                      <a:solidFill>
+                        <a:schemeClr val="tx1"/>
+                      </a:solidFill>
+                      <a:prstDash val="solid"/>
+                      <a:round/>
+                      <a:headEnd type="none" w="med" len="med"/>
+                      <a:tailEnd type="none" w="med" len="med"/>
+                    </a:lnB>
+                    <a:lnTlToBr w="12700" cmpd="sng">
+                      <a:noFill/>
+                      <a:prstDash val="solid"/>
+                    </a:lnTlToBr>
+                    <a:lnBlToTr w="12700" cmpd="sng">
+                      <a:noFill/>
+                      <a:prstDash val="solid"/>
+                    </a:lnBlToTr>
+                    <a:solidFill>
+                      <a:srgbClr val="F5F5F5"/>
+                    </a:solidFill>
+                  </a:tcPr>
+                </a:tc>
+                <a:tc>
+                  <a:txBody>
+                    <a:bodyPr/>
+                    <a:lstStyle/>
+                    <a:p>
+                      <a:pPr algn="ctr" fontAlgn="ctr"/>
+                      <a:r>
+                        <a:rPr lang="en-SG" sz="800">
+                          <a:effectLst/>
+                        </a:rPr>
+                        <a:t>0.650246</a:t>
+                      </a:r>
+                    </a:p>
+                  </a:txBody>
+                  <a:tcPr marL="45804" marR="45804" marT="22902" marB="22902" anchor="ctr">
+                    <a:lnL w="12700" cap="flat" cmpd="sng" algn="ctr">
+                      <a:solidFill>
+                        <a:schemeClr val="tx1"/>
+                      </a:solidFill>
+                      <a:prstDash val="solid"/>
+                      <a:round/>
+                      <a:headEnd type="none" w="med" len="med"/>
+                      <a:tailEnd type="none" w="med" len="med"/>
+                    </a:lnL>
+                    <a:lnR w="12700" cap="flat" cmpd="sng" algn="ctr">
+                      <a:solidFill>
+                        <a:schemeClr val="tx1"/>
+                      </a:solidFill>
+                      <a:prstDash val="solid"/>
+                      <a:round/>
+                      <a:headEnd type="none" w="med" len="med"/>
+                      <a:tailEnd type="none" w="med" len="med"/>
+                    </a:lnR>
+                    <a:lnT w="12700" cap="flat" cmpd="sng" algn="ctr">
+                      <a:solidFill>
+                        <a:schemeClr val="tx1"/>
+                      </a:solidFill>
+                      <a:prstDash val="solid"/>
+                      <a:round/>
+                      <a:headEnd type="none" w="med" len="med"/>
+                      <a:tailEnd type="none" w="med" len="med"/>
+                    </a:lnT>
+                    <a:lnB w="12700" cap="flat" cmpd="sng" algn="ctr">
+                      <a:solidFill>
+                        <a:schemeClr val="tx1"/>
+                      </a:solidFill>
+                      <a:prstDash val="solid"/>
+                      <a:round/>
+                      <a:headEnd type="none" w="med" len="med"/>
+                      <a:tailEnd type="none" w="med" len="med"/>
+                    </a:lnB>
+                    <a:lnTlToBr w="12700" cmpd="sng">
+                      <a:noFill/>
+                      <a:prstDash val="solid"/>
+                    </a:lnTlToBr>
+                    <a:lnBlToTr w="12700" cmpd="sng">
+                      <a:noFill/>
+                      <a:prstDash val="solid"/>
+                    </a:lnBlToTr>
+                    <a:solidFill>
+                      <a:srgbClr val="F5F5F5"/>
+                    </a:solidFill>
+                  </a:tcPr>
+                </a:tc>
+                <a:tc>
+                  <a:txBody>
+                    <a:bodyPr/>
+                    <a:lstStyle/>
+                    <a:p>
+                      <a:pPr algn="ctr" fontAlgn="ctr"/>
+                      <a:r>
+                        <a:rPr lang="en-SG" sz="800" dirty="0">
+                          <a:effectLst/>
+                        </a:rPr>
+                        <a:t>12.172869</a:t>
+                      </a:r>
+                    </a:p>
+                  </a:txBody>
+                  <a:tcPr marL="45804" marR="45804" marT="22902" marB="22902" anchor="ctr">
+                    <a:lnL w="12700" cap="flat" cmpd="sng" algn="ctr">
+                      <a:solidFill>
+                        <a:schemeClr val="tx1"/>
+                      </a:solidFill>
+                      <a:prstDash val="solid"/>
+                      <a:round/>
+                      <a:headEnd type="none" w="med" len="med"/>
+                      <a:tailEnd type="none" w="med" len="med"/>
+                    </a:lnL>
+                    <a:lnR w="12700" cap="flat" cmpd="sng" algn="ctr">
+                      <a:solidFill>
+                        <a:schemeClr val="tx1"/>
+                      </a:solidFill>
+                      <a:prstDash val="solid"/>
+                      <a:round/>
+                      <a:headEnd type="none" w="med" len="med"/>
+                      <a:tailEnd type="none" w="med" len="med"/>
+                    </a:lnR>
+                    <a:lnT w="12700" cap="flat" cmpd="sng" algn="ctr">
+                      <a:solidFill>
+                        <a:schemeClr val="tx1"/>
+                      </a:solidFill>
+                      <a:prstDash val="solid"/>
+                      <a:round/>
+                      <a:headEnd type="none" w="med" len="med"/>
+                      <a:tailEnd type="none" w="med" len="med"/>
+                    </a:lnT>
+                    <a:lnB w="12700" cap="flat" cmpd="sng" algn="ctr">
+                      <a:solidFill>
+                        <a:schemeClr val="tx1"/>
+                      </a:solidFill>
+                      <a:prstDash val="solid"/>
+                      <a:round/>
+                      <a:headEnd type="none" w="med" len="med"/>
+                      <a:tailEnd type="none" w="med" len="med"/>
+                    </a:lnB>
+                    <a:lnTlToBr w="12700" cmpd="sng">
+                      <a:noFill/>
+                      <a:prstDash val="solid"/>
+                    </a:lnTlToBr>
+                    <a:lnBlToTr w="12700" cmpd="sng">
+                      <a:noFill/>
+                      <a:prstDash val="solid"/>
+                    </a:lnBlToTr>
+                    <a:solidFill>
+                      <a:srgbClr val="F5F5F5"/>
+                    </a:solidFill>
+                  </a:tcPr>
+                </a:tc>
+                <a:extLst>
+                  <a:ext uri="{0D108BD9-81ED-4DB2-BD59-A6C34878D82A}">
+                    <a16:rowId xmlns:a16="http://schemas.microsoft.com/office/drawing/2014/main" val="1145640951"/>
+                  </a:ext>
+                </a:extLst>
+              </a:tr>
+              <a:tr h="343160">
+                <a:tc>
+                  <a:txBody>
+                    <a:bodyPr/>
+                    <a:lstStyle/>
+                    <a:p>
+                      <a:pPr algn="ctr" fontAlgn="ctr"/>
+                      <a:r>
+                        <a:rPr lang="en-US" sz="800">
+                          <a:effectLst/>
+                        </a:rPr>
+                        <a:t>[overall_qual, tot_rms_abv_grd]</a:t>
+                      </a:r>
+                    </a:p>
+                  </a:txBody>
+                  <a:tcPr marL="45804" marR="45804" marT="22902" marB="22902" anchor="ctr">
+                    <a:lnL w="12700" cap="flat" cmpd="sng" algn="ctr">
+                      <a:solidFill>
+                        <a:schemeClr val="tx1"/>
+                      </a:solidFill>
+                      <a:prstDash val="solid"/>
+                      <a:round/>
+                      <a:headEnd type="none" w="med" len="med"/>
+                      <a:tailEnd type="none" w="med" len="med"/>
+                    </a:lnL>
+                    <a:lnR w="12700" cap="flat" cmpd="sng" algn="ctr">
+                      <a:solidFill>
+                        <a:schemeClr val="tx1"/>
+                      </a:solidFill>
+                      <a:prstDash val="solid"/>
+                      <a:round/>
+                      <a:headEnd type="none" w="med" len="med"/>
+                      <a:tailEnd type="none" w="med" len="med"/>
+                    </a:lnR>
+                    <a:lnT w="12700" cap="flat" cmpd="sng" algn="ctr">
+                      <a:solidFill>
+                        <a:schemeClr val="tx1"/>
+                      </a:solidFill>
+                      <a:prstDash val="solid"/>
+                      <a:round/>
+                      <a:headEnd type="none" w="med" len="med"/>
+                      <a:tailEnd type="none" w="med" len="med"/>
+                    </a:lnT>
+                    <a:lnB w="12700" cap="flat" cmpd="sng" algn="ctr">
+                      <a:solidFill>
+                        <a:schemeClr val="tx1"/>
+                      </a:solidFill>
+                      <a:prstDash val="solid"/>
+                      <a:round/>
+                      <a:headEnd type="none" w="med" len="med"/>
+                      <a:tailEnd type="none" w="med" len="med"/>
+                    </a:lnB>
+                    <a:lnTlToBr w="12700" cmpd="sng">
+                      <a:noFill/>
+                      <a:prstDash val="solid"/>
+                    </a:lnTlToBr>
+                    <a:lnBlToTr w="12700" cmpd="sng">
+                      <a:noFill/>
+                      <a:prstDash val="solid"/>
+                    </a:lnBlToTr>
+                    <a:solidFill>
+                      <a:srgbClr val="FFFFFF"/>
+                    </a:solidFill>
+                  </a:tcPr>
+                </a:tc>
+                <a:tc>
+                  <a:txBody>
+                    <a:bodyPr/>
+                    <a:lstStyle/>
+                    <a:p>
+                      <a:pPr algn="ctr" fontAlgn="ctr"/>
+                      <a:r>
+                        <a:rPr lang="en-SG" sz="800">
+                          <a:effectLst/>
+                        </a:rPr>
+                        <a:t>0.795420</a:t>
+                      </a:r>
+                    </a:p>
+                  </a:txBody>
+                  <a:tcPr marL="45804" marR="45804" marT="22902" marB="22902" anchor="ctr">
+                    <a:lnL w="12700" cap="flat" cmpd="sng" algn="ctr">
+                      <a:solidFill>
+                        <a:schemeClr val="tx1"/>
+                      </a:solidFill>
+                      <a:prstDash val="solid"/>
+                      <a:round/>
+                      <a:headEnd type="none" w="med" len="med"/>
+                      <a:tailEnd type="none" w="med" len="med"/>
+                    </a:lnL>
+                    <a:lnR w="12700" cap="flat" cmpd="sng" algn="ctr">
+                      <a:solidFill>
+                        <a:schemeClr val="tx1"/>
+                      </a:solidFill>
+                      <a:prstDash val="solid"/>
+                      <a:round/>
+                      <a:headEnd type="none" w="med" len="med"/>
+                      <a:tailEnd type="none" w="med" len="med"/>
+                    </a:lnR>
+                    <a:lnT w="12700" cap="flat" cmpd="sng" algn="ctr">
+                      <a:solidFill>
+                        <a:schemeClr val="tx1"/>
+                      </a:solidFill>
+                      <a:prstDash val="solid"/>
+                      <a:round/>
+                      <a:headEnd type="none" w="med" len="med"/>
+                      <a:tailEnd type="none" w="med" len="med"/>
+                    </a:lnT>
+                    <a:lnB w="12700" cap="flat" cmpd="sng" algn="ctr">
+                      <a:solidFill>
+                        <a:schemeClr val="tx1"/>
+                      </a:solidFill>
+                      <a:prstDash val="solid"/>
+                      <a:round/>
+                      <a:headEnd type="none" w="med" len="med"/>
+                      <a:tailEnd type="none" w="med" len="med"/>
+                    </a:lnB>
+                    <a:lnTlToBr w="12700" cmpd="sng">
+                      <a:noFill/>
+                      <a:prstDash val="solid"/>
+                    </a:lnTlToBr>
+                    <a:lnBlToTr w="12700" cmpd="sng">
+                      <a:noFill/>
+                      <a:prstDash val="solid"/>
+                    </a:lnBlToTr>
+                    <a:solidFill>
+                      <a:srgbClr val="FFFFFF"/>
+                    </a:solidFill>
+                  </a:tcPr>
+                </a:tc>
+                <a:tc>
+                  <a:txBody>
+                    <a:bodyPr/>
+                    <a:lstStyle/>
+                    <a:p>
+                      <a:pPr algn="ctr" fontAlgn="ctr"/>
+                      <a:r>
+                        <a:rPr lang="en-SG" sz="800">
+                          <a:effectLst/>
+                        </a:rPr>
+                        <a:t>overall_qual</a:t>
+                      </a:r>
+                    </a:p>
+                  </a:txBody>
+                  <a:tcPr marL="45804" marR="45804" marT="22902" marB="22902" anchor="ctr">
+                    <a:lnL w="12700" cap="flat" cmpd="sng" algn="ctr">
+                      <a:solidFill>
+                        <a:schemeClr val="tx1"/>
+                      </a:solidFill>
+                      <a:prstDash val="solid"/>
+                      <a:round/>
+                      <a:headEnd type="none" w="med" len="med"/>
+                      <a:tailEnd type="none" w="med" len="med"/>
+                    </a:lnL>
+                    <a:lnR w="12700" cap="flat" cmpd="sng" algn="ctr">
+                      <a:solidFill>
+                        <a:schemeClr val="tx1"/>
+                      </a:solidFill>
+                      <a:prstDash val="solid"/>
+                      <a:round/>
+                      <a:headEnd type="none" w="med" len="med"/>
+                      <a:tailEnd type="none" w="med" len="med"/>
+                    </a:lnR>
+                    <a:lnT w="12700" cap="flat" cmpd="sng" algn="ctr">
+                      <a:solidFill>
+                        <a:schemeClr val="tx1"/>
+                      </a:solidFill>
+                      <a:prstDash val="solid"/>
+                      <a:round/>
+                      <a:headEnd type="none" w="med" len="med"/>
+                      <a:tailEnd type="none" w="med" len="med"/>
+                    </a:lnT>
+                    <a:lnB w="12700" cap="flat" cmpd="sng" algn="ctr">
+                      <a:solidFill>
+                        <a:schemeClr val="tx1"/>
+                      </a:solidFill>
+                      <a:prstDash val="solid"/>
+                      <a:round/>
+                      <a:headEnd type="none" w="med" len="med"/>
+                      <a:tailEnd type="none" w="med" len="med"/>
+                    </a:lnB>
+                    <a:lnTlToBr w="12700" cmpd="sng">
+                      <a:noFill/>
+                      <a:prstDash val="solid"/>
+                    </a:lnTlToBr>
+                    <a:lnBlToTr w="12700" cmpd="sng">
+                      <a:noFill/>
+                      <a:prstDash val="solid"/>
+                    </a:lnBlToTr>
+                    <a:solidFill>
+                      <a:srgbClr val="FFFFFF"/>
+                    </a:solidFill>
+                  </a:tcPr>
+                </a:tc>
+                <a:tc>
+                  <a:txBody>
+                    <a:bodyPr/>
+                    <a:lstStyle/>
+                    <a:p>
+                      <a:pPr algn="ctr" fontAlgn="ctr"/>
+                      <a:r>
+                        <a:rPr lang="en-SG" sz="800">
+                          <a:effectLst/>
+                        </a:rPr>
+                        <a:t>tot_rms_abv_grd</a:t>
+                      </a:r>
+                    </a:p>
+                  </a:txBody>
+                  <a:tcPr marL="45804" marR="45804" marT="22902" marB="22902" anchor="ctr">
+                    <a:lnL w="12700" cap="flat" cmpd="sng" algn="ctr">
+                      <a:solidFill>
+                        <a:schemeClr val="tx1"/>
+                      </a:solidFill>
+                      <a:prstDash val="solid"/>
+                      <a:round/>
+                      <a:headEnd type="none" w="med" len="med"/>
+                      <a:tailEnd type="none" w="med" len="med"/>
+                    </a:lnL>
+                    <a:lnR w="12700" cap="flat" cmpd="sng" algn="ctr">
+                      <a:solidFill>
+                        <a:schemeClr val="tx1"/>
+                      </a:solidFill>
+                      <a:prstDash val="solid"/>
+                      <a:round/>
+                      <a:headEnd type="none" w="med" len="med"/>
+                      <a:tailEnd type="none" w="med" len="med"/>
+                    </a:lnR>
+                    <a:lnT w="12700" cap="flat" cmpd="sng" algn="ctr">
+                      <a:solidFill>
+                        <a:schemeClr val="tx1"/>
+                      </a:solidFill>
+                      <a:prstDash val="solid"/>
+                      <a:round/>
+                      <a:headEnd type="none" w="med" len="med"/>
+                      <a:tailEnd type="none" w="med" len="med"/>
+                    </a:lnT>
+                    <a:lnB w="12700" cap="flat" cmpd="sng" algn="ctr">
+                      <a:solidFill>
+                        <a:schemeClr val="tx1"/>
+                      </a:solidFill>
+                      <a:prstDash val="solid"/>
+                      <a:round/>
+                      <a:headEnd type="none" w="med" len="med"/>
+                      <a:tailEnd type="none" w="med" len="med"/>
+                    </a:lnB>
+                    <a:lnTlToBr w="12700" cmpd="sng">
+                      <a:noFill/>
+                      <a:prstDash val="solid"/>
+                    </a:lnTlToBr>
+                    <a:lnBlToTr w="12700" cmpd="sng">
+                      <a:noFill/>
+                      <a:prstDash val="solid"/>
+                    </a:lnBlToTr>
+                    <a:solidFill>
+                      <a:srgbClr val="FFFFFF"/>
+                    </a:solidFill>
+                  </a:tcPr>
+                </a:tc>
+                <a:tc>
+                  <a:txBody>
+                    <a:bodyPr/>
+                    <a:lstStyle/>
+                    <a:p>
+                      <a:pPr algn="ctr" fontAlgn="ctr"/>
+                      <a:r>
+                        <a:rPr lang="en-SG" sz="800" dirty="0">
+                          <a:effectLst/>
+                        </a:rPr>
+                        <a:t>0.800207</a:t>
+                      </a:r>
+                    </a:p>
+                  </a:txBody>
+                  <a:tcPr marL="45804" marR="45804" marT="22902" marB="22902" anchor="ctr">
+                    <a:lnL w="12700" cap="flat" cmpd="sng" algn="ctr">
+                      <a:solidFill>
+                        <a:schemeClr val="tx1"/>
+                      </a:solidFill>
+                      <a:prstDash val="solid"/>
+                      <a:round/>
+                      <a:headEnd type="none" w="med" len="med"/>
+                      <a:tailEnd type="none" w="med" len="med"/>
+                    </a:lnL>
+                    <a:lnR w="12700" cap="flat" cmpd="sng" algn="ctr">
+                      <a:solidFill>
+                        <a:schemeClr val="tx1"/>
+                      </a:solidFill>
+                      <a:prstDash val="solid"/>
+                      <a:round/>
+                      <a:headEnd type="none" w="med" len="med"/>
+                      <a:tailEnd type="none" w="med" len="med"/>
+                    </a:lnR>
+                    <a:lnT w="12700" cap="flat" cmpd="sng" algn="ctr">
+                      <a:solidFill>
+                        <a:schemeClr val="tx1"/>
+                      </a:solidFill>
+                      <a:prstDash val="solid"/>
+                      <a:round/>
+                      <a:headEnd type="none" w="med" len="med"/>
+                      <a:tailEnd type="none" w="med" len="med"/>
+                    </a:lnT>
+                    <a:lnB w="12700" cap="flat" cmpd="sng" algn="ctr">
+                      <a:solidFill>
+                        <a:schemeClr val="tx1"/>
+                      </a:solidFill>
+                      <a:prstDash val="solid"/>
+                      <a:round/>
+                      <a:headEnd type="none" w="med" len="med"/>
+                      <a:tailEnd type="none" w="med" len="med"/>
+                    </a:lnB>
+                    <a:lnTlToBr w="12700" cmpd="sng">
+                      <a:noFill/>
+                      <a:prstDash val="solid"/>
+                    </a:lnTlToBr>
+                    <a:lnBlToTr w="12700" cmpd="sng">
+                      <a:noFill/>
+                      <a:prstDash val="solid"/>
+                    </a:lnBlToTr>
+                    <a:solidFill>
+                      <a:srgbClr val="FFFFFF"/>
+                    </a:solidFill>
+                  </a:tcPr>
+                </a:tc>
+                <a:tc>
+                  <a:txBody>
+                    <a:bodyPr/>
+                    <a:lstStyle/>
+                    <a:p>
+                      <a:pPr algn="ctr" fontAlgn="ctr"/>
+                      <a:r>
+                        <a:rPr lang="en-SG" sz="800" dirty="0">
+                          <a:effectLst/>
+                        </a:rPr>
+                        <a:t>0.504014</a:t>
+                      </a:r>
+                    </a:p>
+                  </a:txBody>
+                  <a:tcPr marL="45804" marR="45804" marT="22902" marB="22902" anchor="ctr">
+                    <a:lnL w="12700" cap="flat" cmpd="sng" algn="ctr">
+                      <a:solidFill>
+                        <a:schemeClr val="tx1"/>
+                      </a:solidFill>
+                      <a:prstDash val="solid"/>
+                      <a:round/>
+                      <a:headEnd type="none" w="med" len="med"/>
+                      <a:tailEnd type="none" w="med" len="med"/>
+                    </a:lnL>
+                    <a:lnR w="12700" cap="flat" cmpd="sng" algn="ctr">
+                      <a:solidFill>
+                        <a:schemeClr val="tx1"/>
+                      </a:solidFill>
+                      <a:prstDash val="solid"/>
+                      <a:round/>
+                      <a:headEnd type="none" w="med" len="med"/>
+                      <a:tailEnd type="none" w="med" len="med"/>
+                    </a:lnR>
+                    <a:lnT w="12700" cap="flat" cmpd="sng" algn="ctr">
+                      <a:solidFill>
+                        <a:schemeClr val="tx1"/>
+                      </a:solidFill>
+                      <a:prstDash val="solid"/>
+                      <a:round/>
+                      <a:headEnd type="none" w="med" len="med"/>
+                      <a:tailEnd type="none" w="med" len="med"/>
+                    </a:lnT>
+                    <a:lnB w="12700" cap="flat" cmpd="sng" algn="ctr">
+                      <a:solidFill>
+                        <a:schemeClr val="tx1"/>
+                      </a:solidFill>
+                      <a:prstDash val="solid"/>
+                      <a:round/>
+                      <a:headEnd type="none" w="med" len="med"/>
+                      <a:tailEnd type="none" w="med" len="med"/>
+                    </a:lnB>
+                    <a:lnTlToBr w="12700" cmpd="sng">
+                      <a:noFill/>
+                      <a:prstDash val="solid"/>
+                    </a:lnTlToBr>
+                    <a:lnBlToTr w="12700" cmpd="sng">
+                      <a:noFill/>
+                      <a:prstDash val="solid"/>
+                    </a:lnBlToTr>
+                    <a:solidFill>
+                      <a:srgbClr val="FFFFFF"/>
+                    </a:solidFill>
+                  </a:tcPr>
+                </a:tc>
+                <a:tc>
+                  <a:txBody>
+                    <a:bodyPr/>
+                    <a:lstStyle/>
+                    <a:p>
+                      <a:pPr algn="ctr" fontAlgn="ctr"/>
+                      <a:r>
+                        <a:rPr lang="en-SG" sz="800">
+                          <a:effectLst/>
+                        </a:rPr>
+                        <a:t>21.976263</a:t>
+                      </a:r>
+                    </a:p>
+                  </a:txBody>
+                  <a:tcPr marL="45804" marR="45804" marT="22902" marB="22902" anchor="ctr">
+                    <a:lnL w="12700" cap="flat" cmpd="sng" algn="ctr">
+                      <a:solidFill>
+                        <a:schemeClr val="tx1"/>
+                      </a:solidFill>
+                      <a:prstDash val="solid"/>
+                      <a:round/>
+                      <a:headEnd type="none" w="med" len="med"/>
+                      <a:tailEnd type="none" w="med" len="med"/>
+                    </a:lnL>
+                    <a:lnR w="12700" cap="flat" cmpd="sng" algn="ctr">
+                      <a:solidFill>
+                        <a:schemeClr val="tx1"/>
+                      </a:solidFill>
+                      <a:prstDash val="solid"/>
+                      <a:round/>
+                      <a:headEnd type="none" w="med" len="med"/>
+                      <a:tailEnd type="none" w="med" len="med"/>
+                    </a:lnR>
+                    <a:lnT w="12700" cap="flat" cmpd="sng" algn="ctr">
+                      <a:solidFill>
+                        <a:schemeClr val="tx1"/>
+                      </a:solidFill>
+                      <a:prstDash val="solid"/>
+                      <a:round/>
+                      <a:headEnd type="none" w="med" len="med"/>
+                      <a:tailEnd type="none" w="med" len="med"/>
+                    </a:lnT>
+                    <a:lnB w="12700" cap="flat" cmpd="sng" algn="ctr">
+                      <a:solidFill>
+                        <a:schemeClr val="tx1"/>
+                      </a:solidFill>
+                      <a:prstDash val="solid"/>
+                      <a:round/>
+                      <a:headEnd type="none" w="med" len="med"/>
+                      <a:tailEnd type="none" w="med" len="med"/>
+                    </a:lnB>
+                    <a:lnTlToBr w="12700" cmpd="sng">
+                      <a:noFill/>
+                      <a:prstDash val="solid"/>
+                    </a:lnTlToBr>
+                    <a:lnBlToTr w="12700" cmpd="sng">
+                      <a:noFill/>
+                      <a:prstDash val="solid"/>
+                    </a:lnBlToTr>
+                    <a:solidFill>
+                      <a:srgbClr val="FFFFFF"/>
+                    </a:solidFill>
+                  </a:tcPr>
+                </a:tc>
+                <a:extLst>
+                  <a:ext uri="{0D108BD9-81ED-4DB2-BD59-A6C34878D82A}">
+                    <a16:rowId xmlns:a16="http://schemas.microsoft.com/office/drawing/2014/main" val="2307966910"/>
+                  </a:ext>
+                </a:extLst>
+              </a:tr>
+              <a:tr h="343160">
+                <a:tc>
+                  <a:txBody>
+                    <a:bodyPr/>
+                    <a:lstStyle/>
+                    <a:p>
+                      <a:pPr algn="ctr" fontAlgn="ctr"/>
+                      <a:r>
+                        <a:rPr lang="en-US" sz="800">
+                          <a:effectLst/>
+                        </a:rPr>
+                        <a:t>[gr_liv_area, garag_cars]</a:t>
+                      </a:r>
+                    </a:p>
+                  </a:txBody>
+                  <a:tcPr marL="45804" marR="45804" marT="22902" marB="22902" anchor="ctr">
+                    <a:lnL w="12700" cap="flat" cmpd="sng" algn="ctr">
+                      <a:solidFill>
+                        <a:schemeClr val="tx1"/>
+                      </a:solidFill>
+                      <a:prstDash val="solid"/>
+                      <a:round/>
+                      <a:headEnd type="none" w="med" len="med"/>
+                      <a:tailEnd type="none" w="med" len="med"/>
+                    </a:lnL>
+                    <a:lnR w="12700" cap="flat" cmpd="sng" algn="ctr">
+                      <a:solidFill>
+                        <a:schemeClr val="tx1"/>
+                      </a:solidFill>
+                      <a:prstDash val="solid"/>
+                      <a:round/>
+                      <a:headEnd type="none" w="med" len="med"/>
+                      <a:tailEnd type="none" w="med" len="med"/>
+                    </a:lnR>
+                    <a:lnT w="12700" cap="flat" cmpd="sng" algn="ctr">
+                      <a:solidFill>
+                        <a:schemeClr val="tx1"/>
+                      </a:solidFill>
+                      <a:prstDash val="solid"/>
+                      <a:round/>
+                      <a:headEnd type="none" w="med" len="med"/>
+                      <a:tailEnd type="none" w="med" len="med"/>
+                    </a:lnT>
+                    <a:lnB w="12700" cap="flat" cmpd="sng" algn="ctr">
+                      <a:solidFill>
+                        <a:schemeClr val="tx1"/>
+                      </a:solidFill>
+                      <a:prstDash val="solid"/>
+                      <a:round/>
+                      <a:headEnd type="none" w="med" len="med"/>
+                      <a:tailEnd type="none" w="med" len="med"/>
+                    </a:lnB>
+                    <a:lnTlToBr w="12700" cmpd="sng">
+                      <a:noFill/>
+                      <a:prstDash val="solid"/>
+                    </a:lnTlToBr>
+                    <a:lnBlToTr w="12700" cmpd="sng">
+                      <a:noFill/>
+                      <a:prstDash val="solid"/>
+                    </a:lnBlToTr>
+                    <a:solidFill>
+                      <a:srgbClr val="F5F5F5"/>
+                    </a:solidFill>
+                  </a:tcPr>
+                </a:tc>
+                <a:tc>
+                  <a:txBody>
+                    <a:bodyPr/>
+                    <a:lstStyle/>
+                    <a:p>
+                      <a:pPr algn="ctr" fontAlgn="ctr"/>
+                      <a:r>
+                        <a:rPr lang="en-SG" sz="800">
+                          <a:effectLst/>
+                        </a:rPr>
+                        <a:t>0.793317</a:t>
+                      </a:r>
+                    </a:p>
+                  </a:txBody>
+                  <a:tcPr marL="45804" marR="45804" marT="22902" marB="22902" anchor="ctr">
+                    <a:lnL w="12700" cap="flat" cmpd="sng" algn="ctr">
+                      <a:solidFill>
+                        <a:schemeClr val="tx1"/>
+                      </a:solidFill>
+                      <a:prstDash val="solid"/>
+                      <a:round/>
+                      <a:headEnd type="none" w="med" len="med"/>
+                      <a:tailEnd type="none" w="med" len="med"/>
+                    </a:lnL>
+                    <a:lnR w="12700" cap="flat" cmpd="sng" algn="ctr">
+                      <a:solidFill>
+                        <a:schemeClr val="tx1"/>
+                      </a:solidFill>
+                      <a:prstDash val="solid"/>
+                      <a:round/>
+                      <a:headEnd type="none" w="med" len="med"/>
+                      <a:tailEnd type="none" w="med" len="med"/>
+                    </a:lnR>
+                    <a:lnT w="12700" cap="flat" cmpd="sng" algn="ctr">
+                      <a:solidFill>
+                        <a:schemeClr val="tx1"/>
+                      </a:solidFill>
+                      <a:prstDash val="solid"/>
+                      <a:round/>
+                      <a:headEnd type="none" w="med" len="med"/>
+                      <a:tailEnd type="none" w="med" len="med"/>
+                    </a:lnT>
+                    <a:lnB w="12700" cap="flat" cmpd="sng" algn="ctr">
+                      <a:solidFill>
+                        <a:schemeClr val="tx1"/>
+                      </a:solidFill>
+                      <a:prstDash val="solid"/>
+                      <a:round/>
+                      <a:headEnd type="none" w="med" len="med"/>
+                      <a:tailEnd type="none" w="med" len="med"/>
+                    </a:lnB>
+                    <a:lnTlToBr w="12700" cmpd="sng">
+                      <a:noFill/>
+                      <a:prstDash val="solid"/>
+                    </a:lnTlToBr>
+                    <a:lnBlToTr w="12700" cmpd="sng">
+                      <a:noFill/>
+                      <a:prstDash val="solid"/>
+                    </a:lnBlToTr>
+                    <a:solidFill>
+                      <a:srgbClr val="F5F5F5"/>
+                    </a:solidFill>
+                  </a:tcPr>
+                </a:tc>
+                <a:tc>
+                  <a:txBody>
+                    <a:bodyPr/>
+                    <a:lstStyle/>
+                    <a:p>
+                      <a:pPr algn="ctr" fontAlgn="ctr"/>
+                      <a:r>
+                        <a:rPr lang="en-SG" sz="800">
+                          <a:effectLst/>
+                        </a:rPr>
+                        <a:t>gr_liv_area</a:t>
+                      </a:r>
+                    </a:p>
+                  </a:txBody>
+                  <a:tcPr marL="45804" marR="45804" marT="22902" marB="22902" anchor="ctr">
+                    <a:lnL w="12700" cap="flat" cmpd="sng" algn="ctr">
+                      <a:solidFill>
+                        <a:schemeClr val="tx1"/>
+                      </a:solidFill>
+                      <a:prstDash val="solid"/>
+                      <a:round/>
+                      <a:headEnd type="none" w="med" len="med"/>
+                      <a:tailEnd type="none" w="med" len="med"/>
+                    </a:lnL>
+                    <a:lnR w="12700" cap="flat" cmpd="sng" algn="ctr">
+                      <a:solidFill>
+                        <a:schemeClr val="tx1"/>
+                      </a:solidFill>
+                      <a:prstDash val="solid"/>
+                      <a:round/>
+                      <a:headEnd type="none" w="med" len="med"/>
+                      <a:tailEnd type="none" w="med" len="med"/>
+                    </a:lnR>
+                    <a:lnT w="12700" cap="flat" cmpd="sng" algn="ctr">
+                      <a:solidFill>
+                        <a:schemeClr val="tx1"/>
+                      </a:solidFill>
+                      <a:prstDash val="solid"/>
+                      <a:round/>
+                      <a:headEnd type="none" w="med" len="med"/>
+                      <a:tailEnd type="none" w="med" len="med"/>
+                    </a:lnT>
+                    <a:lnB w="12700" cap="flat" cmpd="sng" algn="ctr">
+                      <a:solidFill>
+                        <a:schemeClr val="tx1"/>
+                      </a:solidFill>
+                      <a:prstDash val="solid"/>
+                      <a:round/>
+                      <a:headEnd type="none" w="med" len="med"/>
+                      <a:tailEnd type="none" w="med" len="med"/>
+                    </a:lnB>
+                    <a:lnTlToBr w="12700" cmpd="sng">
+                      <a:noFill/>
+                      <a:prstDash val="solid"/>
+                    </a:lnTlToBr>
+                    <a:lnBlToTr w="12700" cmpd="sng">
+                      <a:noFill/>
+                      <a:prstDash val="solid"/>
+                    </a:lnBlToTr>
+                    <a:solidFill>
+                      <a:srgbClr val="F5F5F5"/>
+                    </a:solidFill>
+                  </a:tcPr>
+                </a:tc>
+                <a:tc>
+                  <a:txBody>
+                    <a:bodyPr/>
+                    <a:lstStyle/>
+                    <a:p>
+                      <a:pPr algn="ctr" fontAlgn="ctr"/>
+                      <a:r>
+                        <a:rPr lang="en-SG" sz="800">
+                          <a:effectLst/>
+                        </a:rPr>
+                        <a:t>garag_cars</a:t>
+                      </a:r>
+                    </a:p>
+                  </a:txBody>
+                  <a:tcPr marL="45804" marR="45804" marT="22902" marB="22902" anchor="ctr">
+                    <a:lnL w="12700" cap="flat" cmpd="sng" algn="ctr">
+                      <a:solidFill>
+                        <a:schemeClr val="tx1"/>
+                      </a:solidFill>
+                      <a:prstDash val="solid"/>
+                      <a:round/>
+                      <a:headEnd type="none" w="med" len="med"/>
+                      <a:tailEnd type="none" w="med" len="med"/>
+                    </a:lnL>
+                    <a:lnR w="12700" cap="flat" cmpd="sng" algn="ctr">
+                      <a:solidFill>
+                        <a:schemeClr val="tx1"/>
+                      </a:solidFill>
+                      <a:prstDash val="solid"/>
+                      <a:round/>
+                      <a:headEnd type="none" w="med" len="med"/>
+                      <a:tailEnd type="none" w="med" len="med"/>
+                    </a:lnR>
+                    <a:lnT w="12700" cap="flat" cmpd="sng" algn="ctr">
+                      <a:solidFill>
+                        <a:schemeClr val="tx1"/>
+                      </a:solidFill>
+                      <a:prstDash val="solid"/>
+                      <a:round/>
+                      <a:headEnd type="none" w="med" len="med"/>
+                      <a:tailEnd type="none" w="med" len="med"/>
+                    </a:lnT>
+                    <a:lnB w="12700" cap="flat" cmpd="sng" algn="ctr">
+                      <a:solidFill>
+                        <a:schemeClr val="tx1"/>
+                      </a:solidFill>
+                      <a:prstDash val="solid"/>
+                      <a:round/>
+                      <a:headEnd type="none" w="med" len="med"/>
+                      <a:tailEnd type="none" w="med" len="med"/>
+                    </a:lnB>
+                    <a:lnTlToBr w="12700" cmpd="sng">
+                      <a:noFill/>
+                      <a:prstDash val="solid"/>
+                    </a:lnTlToBr>
+                    <a:lnBlToTr w="12700" cmpd="sng">
+                      <a:noFill/>
+                      <a:prstDash val="solid"/>
+                    </a:lnBlToTr>
+                    <a:solidFill>
+                      <a:srgbClr val="F5F5F5"/>
+                    </a:solidFill>
+                  </a:tcPr>
+                </a:tc>
+                <a:tc>
+                  <a:txBody>
+                    <a:bodyPr/>
+                    <a:lstStyle/>
+                    <a:p>
+                      <a:pPr algn="ctr" fontAlgn="ctr"/>
+                      <a:r>
+                        <a:rPr lang="en-SG" sz="800">
+                          <a:effectLst/>
+                        </a:rPr>
+                        <a:t>0.697038</a:t>
+                      </a:r>
+                    </a:p>
+                  </a:txBody>
+                  <a:tcPr marL="45804" marR="45804" marT="22902" marB="22902" anchor="ctr">
+                    <a:lnL w="12700" cap="flat" cmpd="sng" algn="ctr">
+                      <a:solidFill>
+                        <a:schemeClr val="tx1"/>
+                      </a:solidFill>
+                      <a:prstDash val="solid"/>
+                      <a:round/>
+                      <a:headEnd type="none" w="med" len="med"/>
+                      <a:tailEnd type="none" w="med" len="med"/>
+                    </a:lnL>
+                    <a:lnR w="12700" cap="flat" cmpd="sng" algn="ctr">
+                      <a:solidFill>
+                        <a:schemeClr val="tx1"/>
+                      </a:solidFill>
+                      <a:prstDash val="solid"/>
+                      <a:round/>
+                      <a:headEnd type="none" w="med" len="med"/>
+                      <a:tailEnd type="none" w="med" len="med"/>
+                    </a:lnR>
+                    <a:lnT w="12700" cap="flat" cmpd="sng" algn="ctr">
+                      <a:solidFill>
+                        <a:schemeClr val="tx1"/>
+                      </a:solidFill>
+                      <a:prstDash val="solid"/>
+                      <a:round/>
+                      <a:headEnd type="none" w="med" len="med"/>
+                      <a:tailEnd type="none" w="med" len="med"/>
+                    </a:lnT>
+                    <a:lnB w="12700" cap="flat" cmpd="sng" algn="ctr">
+                      <a:solidFill>
+                        <a:schemeClr val="tx1"/>
+                      </a:solidFill>
+                      <a:prstDash val="solid"/>
+                      <a:round/>
+                      <a:headEnd type="none" w="med" len="med"/>
+                      <a:tailEnd type="none" w="med" len="med"/>
+                    </a:lnB>
+                    <a:lnTlToBr w="12700" cmpd="sng">
+                      <a:noFill/>
+                      <a:prstDash val="solid"/>
+                    </a:lnTlToBr>
+                    <a:lnBlToTr w="12700" cmpd="sng">
+                      <a:noFill/>
+                      <a:prstDash val="solid"/>
+                    </a:lnBlToTr>
+                    <a:solidFill>
+                      <a:srgbClr val="F5F5F5"/>
+                    </a:solidFill>
+                  </a:tcPr>
+                </a:tc>
+                <a:tc>
+                  <a:txBody>
+                    <a:bodyPr/>
+                    <a:lstStyle/>
+                    <a:p>
+                      <a:pPr algn="ctr" fontAlgn="ctr"/>
+                      <a:r>
+                        <a:rPr lang="en-SG" sz="800" dirty="0">
+                          <a:effectLst/>
+                        </a:rPr>
+                        <a:t>0.648128</a:t>
+                      </a:r>
+                    </a:p>
+                  </a:txBody>
+                  <a:tcPr marL="45804" marR="45804" marT="22902" marB="22902" anchor="ctr">
+                    <a:lnL w="12700" cap="flat" cmpd="sng" algn="ctr">
+                      <a:solidFill>
+                        <a:schemeClr val="tx1"/>
+                      </a:solidFill>
+                      <a:prstDash val="solid"/>
+                      <a:round/>
+                      <a:headEnd type="none" w="med" len="med"/>
+                      <a:tailEnd type="none" w="med" len="med"/>
+                    </a:lnL>
+                    <a:lnR w="12700" cap="flat" cmpd="sng" algn="ctr">
+                      <a:solidFill>
+                        <a:schemeClr val="tx1"/>
+                      </a:solidFill>
+                      <a:prstDash val="solid"/>
+                      <a:round/>
+                      <a:headEnd type="none" w="med" len="med"/>
+                      <a:tailEnd type="none" w="med" len="med"/>
+                    </a:lnR>
+                    <a:lnT w="12700" cap="flat" cmpd="sng" algn="ctr">
+                      <a:solidFill>
+                        <a:schemeClr val="tx1"/>
+                      </a:solidFill>
+                      <a:prstDash val="solid"/>
+                      <a:round/>
+                      <a:headEnd type="none" w="med" len="med"/>
+                      <a:tailEnd type="none" w="med" len="med"/>
+                    </a:lnT>
+                    <a:lnB w="12700" cap="flat" cmpd="sng" algn="ctr">
+                      <a:solidFill>
+                        <a:schemeClr val="tx1"/>
+                      </a:solidFill>
+                      <a:prstDash val="solid"/>
+                      <a:round/>
+                      <a:headEnd type="none" w="med" len="med"/>
+                      <a:tailEnd type="none" w="med" len="med"/>
+                    </a:lnB>
+                    <a:lnTlToBr w="12700" cmpd="sng">
+                      <a:noFill/>
+                      <a:prstDash val="solid"/>
+                    </a:lnTlToBr>
+                    <a:lnBlToTr w="12700" cmpd="sng">
+                      <a:noFill/>
+                      <a:prstDash val="solid"/>
+                    </a:lnBlToTr>
+                    <a:solidFill>
+                      <a:srgbClr val="F5F5F5"/>
+                    </a:solidFill>
+                  </a:tcPr>
+                </a:tc>
+                <a:tc>
+                  <a:txBody>
+                    <a:bodyPr/>
+                    <a:lstStyle/>
+                    <a:p>
+                      <a:pPr algn="ctr" fontAlgn="ctr"/>
+                      <a:r>
+                        <a:rPr lang="en-SG" sz="800" dirty="0">
+                          <a:effectLst/>
+                        </a:rPr>
+                        <a:t>17.950677</a:t>
+                      </a:r>
+                    </a:p>
+                  </a:txBody>
+                  <a:tcPr marL="45804" marR="45804" marT="22902" marB="22902" anchor="ctr">
+                    <a:lnL w="12700" cap="flat" cmpd="sng" algn="ctr">
+                      <a:solidFill>
+                        <a:schemeClr val="tx1"/>
+                      </a:solidFill>
+                      <a:prstDash val="solid"/>
+                      <a:round/>
+                      <a:headEnd type="none" w="med" len="med"/>
+                      <a:tailEnd type="none" w="med" len="med"/>
+                    </a:lnL>
+                    <a:lnR w="12700" cap="flat" cmpd="sng" algn="ctr">
+                      <a:solidFill>
+                        <a:schemeClr val="tx1"/>
+                      </a:solidFill>
+                      <a:prstDash val="solid"/>
+                      <a:round/>
+                      <a:headEnd type="none" w="med" len="med"/>
+                      <a:tailEnd type="none" w="med" len="med"/>
+                    </a:lnR>
+                    <a:lnT w="12700" cap="flat" cmpd="sng" algn="ctr">
+                      <a:solidFill>
+                        <a:schemeClr val="tx1"/>
+                      </a:solidFill>
+                      <a:prstDash val="solid"/>
+                      <a:round/>
+                      <a:headEnd type="none" w="med" len="med"/>
+                      <a:tailEnd type="none" w="med" len="med"/>
+                    </a:lnT>
+                    <a:lnB w="12700" cap="flat" cmpd="sng" algn="ctr">
+                      <a:solidFill>
+                        <a:schemeClr val="tx1"/>
+                      </a:solidFill>
+                      <a:prstDash val="solid"/>
+                      <a:round/>
+                      <a:headEnd type="none" w="med" len="med"/>
+                      <a:tailEnd type="none" w="med" len="med"/>
+                    </a:lnB>
+                    <a:lnTlToBr w="12700" cmpd="sng">
+                      <a:noFill/>
+                      <a:prstDash val="solid"/>
+                    </a:lnTlToBr>
+                    <a:lnBlToTr w="12700" cmpd="sng">
+                      <a:noFill/>
+                      <a:prstDash val="solid"/>
+                    </a:lnBlToTr>
+                    <a:solidFill>
+                      <a:srgbClr val="F5F5F5"/>
+                    </a:solidFill>
+                  </a:tcPr>
+                </a:tc>
+                <a:extLst>
+                  <a:ext uri="{0D108BD9-81ED-4DB2-BD59-A6C34878D82A}">
+                    <a16:rowId xmlns:a16="http://schemas.microsoft.com/office/drawing/2014/main" val="277849301"/>
+                  </a:ext>
+                </a:extLst>
+              </a:tr>
+              <a:tr h="263969">
+                <a:tc>
+                  <a:txBody>
+                    <a:bodyPr/>
+                    <a:lstStyle/>
+                    <a:p>
+                      <a:pPr algn="ctr" fontAlgn="ctr"/>
+                      <a:r>
+                        <a:rPr lang="en-US" sz="800">
+                          <a:effectLst/>
+                        </a:rPr>
+                        <a:t>[overall_qual, 1st_flr_sf]</a:t>
+                      </a:r>
+                    </a:p>
+                  </a:txBody>
+                  <a:tcPr marL="45804" marR="45804" marT="22902" marB="22902" anchor="ctr">
+                    <a:lnL w="12700" cap="flat" cmpd="sng" algn="ctr">
+                      <a:solidFill>
+                        <a:schemeClr val="tx1"/>
+                      </a:solidFill>
+                      <a:prstDash val="solid"/>
+                      <a:round/>
+                      <a:headEnd type="none" w="med" len="med"/>
+                      <a:tailEnd type="none" w="med" len="med"/>
+                    </a:lnL>
+                    <a:lnR w="12700" cap="flat" cmpd="sng" algn="ctr">
+                      <a:solidFill>
+                        <a:schemeClr val="tx1"/>
+                      </a:solidFill>
+                      <a:prstDash val="solid"/>
+                      <a:round/>
+                      <a:headEnd type="none" w="med" len="med"/>
+                      <a:tailEnd type="none" w="med" len="med"/>
+                    </a:lnR>
+                    <a:lnT w="12700" cap="flat" cmpd="sng" algn="ctr">
+                      <a:solidFill>
+                        <a:schemeClr val="tx1"/>
+                      </a:solidFill>
+                      <a:prstDash val="solid"/>
+                      <a:round/>
+                      <a:headEnd type="none" w="med" len="med"/>
+                      <a:tailEnd type="none" w="med" len="med"/>
+                    </a:lnT>
+                    <a:lnB w="12700" cap="flat" cmpd="sng" algn="ctr">
+                      <a:solidFill>
+                        <a:schemeClr val="tx1"/>
+                      </a:solidFill>
+                      <a:prstDash val="solid"/>
+                      <a:round/>
+                      <a:headEnd type="none" w="med" len="med"/>
+                      <a:tailEnd type="none" w="med" len="med"/>
+                    </a:lnB>
+                    <a:lnTlToBr w="12700" cmpd="sng">
+                      <a:noFill/>
+                      <a:prstDash val="solid"/>
+                    </a:lnTlToBr>
+                    <a:lnBlToTr w="12700" cmpd="sng">
+                      <a:noFill/>
+                      <a:prstDash val="solid"/>
+                    </a:lnBlToTr>
+                    <a:solidFill>
+                      <a:srgbClr val="FFFFFF"/>
+                    </a:solidFill>
+                  </a:tcPr>
+                </a:tc>
+                <a:tc>
+                  <a:txBody>
+                    <a:bodyPr/>
+                    <a:lstStyle/>
+                    <a:p>
+                      <a:pPr algn="ctr" fontAlgn="ctr"/>
+                      <a:r>
+                        <a:rPr lang="en-SG" sz="800">
+                          <a:effectLst/>
+                        </a:rPr>
+                        <a:t>0.792151</a:t>
+                      </a:r>
+                    </a:p>
+                  </a:txBody>
+                  <a:tcPr marL="45804" marR="45804" marT="22902" marB="22902" anchor="ctr">
+                    <a:lnL w="12700" cap="flat" cmpd="sng" algn="ctr">
+                      <a:solidFill>
+                        <a:schemeClr val="tx1"/>
+                      </a:solidFill>
+                      <a:prstDash val="solid"/>
+                      <a:round/>
+                      <a:headEnd type="none" w="med" len="med"/>
+                      <a:tailEnd type="none" w="med" len="med"/>
+                    </a:lnL>
+                    <a:lnR w="12700" cap="flat" cmpd="sng" algn="ctr">
+                      <a:solidFill>
+                        <a:schemeClr val="tx1"/>
+                      </a:solidFill>
+                      <a:prstDash val="solid"/>
+                      <a:round/>
+                      <a:headEnd type="none" w="med" len="med"/>
+                      <a:tailEnd type="none" w="med" len="med"/>
+                    </a:lnR>
+                    <a:lnT w="12700" cap="flat" cmpd="sng" algn="ctr">
+                      <a:solidFill>
+                        <a:schemeClr val="tx1"/>
+                      </a:solidFill>
+                      <a:prstDash val="solid"/>
+                      <a:round/>
+                      <a:headEnd type="none" w="med" len="med"/>
+                      <a:tailEnd type="none" w="med" len="med"/>
+                    </a:lnT>
+                    <a:lnB w="12700" cap="flat" cmpd="sng" algn="ctr">
+                      <a:solidFill>
+                        <a:schemeClr val="tx1"/>
+                      </a:solidFill>
+                      <a:prstDash val="solid"/>
+                      <a:round/>
+                      <a:headEnd type="none" w="med" len="med"/>
+                      <a:tailEnd type="none" w="med" len="med"/>
+                    </a:lnB>
+                    <a:lnTlToBr w="12700" cmpd="sng">
+                      <a:noFill/>
+                      <a:prstDash val="solid"/>
+                    </a:lnTlToBr>
+                    <a:lnBlToTr w="12700" cmpd="sng">
+                      <a:noFill/>
+                      <a:prstDash val="solid"/>
+                    </a:lnBlToTr>
+                    <a:solidFill>
+                      <a:srgbClr val="FFFFFF"/>
+                    </a:solidFill>
+                  </a:tcPr>
+                </a:tc>
+                <a:tc>
+                  <a:txBody>
+                    <a:bodyPr/>
+                    <a:lstStyle/>
+                    <a:p>
+                      <a:pPr algn="ctr" fontAlgn="ctr"/>
+                      <a:r>
+                        <a:rPr lang="en-SG" sz="800">
+                          <a:effectLst/>
+                        </a:rPr>
+                        <a:t>overall_qual</a:t>
+                      </a:r>
+                    </a:p>
+                  </a:txBody>
+                  <a:tcPr marL="45804" marR="45804" marT="22902" marB="22902" anchor="ctr">
+                    <a:lnL w="12700" cap="flat" cmpd="sng" algn="ctr">
+                      <a:solidFill>
+                        <a:schemeClr val="tx1"/>
+                      </a:solidFill>
+                      <a:prstDash val="solid"/>
+                      <a:round/>
+                      <a:headEnd type="none" w="med" len="med"/>
+                      <a:tailEnd type="none" w="med" len="med"/>
+                    </a:lnL>
+                    <a:lnR w="12700" cap="flat" cmpd="sng" algn="ctr">
+                      <a:solidFill>
+                        <a:schemeClr val="tx1"/>
+                      </a:solidFill>
+                      <a:prstDash val="solid"/>
+                      <a:round/>
+                      <a:headEnd type="none" w="med" len="med"/>
+                      <a:tailEnd type="none" w="med" len="med"/>
+                    </a:lnR>
+                    <a:lnT w="12700" cap="flat" cmpd="sng" algn="ctr">
+                      <a:solidFill>
+                        <a:schemeClr val="tx1"/>
+                      </a:solidFill>
+                      <a:prstDash val="solid"/>
+                      <a:round/>
+                      <a:headEnd type="none" w="med" len="med"/>
+                      <a:tailEnd type="none" w="med" len="med"/>
+                    </a:lnT>
+                    <a:lnB w="12700" cap="flat" cmpd="sng" algn="ctr">
+                      <a:solidFill>
+                        <a:schemeClr val="tx1"/>
+                      </a:solidFill>
+                      <a:prstDash val="solid"/>
+                      <a:round/>
+                      <a:headEnd type="none" w="med" len="med"/>
+                      <a:tailEnd type="none" w="med" len="med"/>
+                    </a:lnB>
+                    <a:lnTlToBr w="12700" cmpd="sng">
+                      <a:noFill/>
+                      <a:prstDash val="solid"/>
+                    </a:lnTlToBr>
+                    <a:lnBlToTr w="12700" cmpd="sng">
+                      <a:noFill/>
+                      <a:prstDash val="solid"/>
+                    </a:lnBlToTr>
+                    <a:solidFill>
+                      <a:srgbClr val="FFFFFF"/>
+                    </a:solidFill>
+                  </a:tcPr>
+                </a:tc>
+                <a:tc>
+                  <a:txBody>
+                    <a:bodyPr/>
+                    <a:lstStyle/>
+                    <a:p>
+                      <a:pPr algn="ctr" fontAlgn="ctr"/>
+                      <a:r>
+                        <a:rPr lang="en-SG" sz="800">
+                          <a:effectLst/>
+                        </a:rPr>
+                        <a:t>1st_flr_sf</a:t>
+                      </a:r>
+                    </a:p>
+                  </a:txBody>
+                  <a:tcPr marL="45804" marR="45804" marT="22902" marB="22902" anchor="ctr">
+                    <a:lnL w="12700" cap="flat" cmpd="sng" algn="ctr">
+                      <a:solidFill>
+                        <a:schemeClr val="tx1"/>
+                      </a:solidFill>
+                      <a:prstDash val="solid"/>
+                      <a:round/>
+                      <a:headEnd type="none" w="med" len="med"/>
+                      <a:tailEnd type="none" w="med" len="med"/>
+                    </a:lnL>
+                    <a:lnR w="12700" cap="flat" cmpd="sng" algn="ctr">
+                      <a:solidFill>
+                        <a:schemeClr val="tx1"/>
+                      </a:solidFill>
+                      <a:prstDash val="solid"/>
+                      <a:round/>
+                      <a:headEnd type="none" w="med" len="med"/>
+                      <a:tailEnd type="none" w="med" len="med"/>
+                    </a:lnR>
+                    <a:lnT w="12700" cap="flat" cmpd="sng" algn="ctr">
+                      <a:solidFill>
+                        <a:schemeClr val="tx1"/>
+                      </a:solidFill>
+                      <a:prstDash val="solid"/>
+                      <a:round/>
+                      <a:headEnd type="none" w="med" len="med"/>
+                      <a:tailEnd type="none" w="med" len="med"/>
+                    </a:lnT>
+                    <a:lnB w="12700" cap="flat" cmpd="sng" algn="ctr">
+                      <a:solidFill>
+                        <a:schemeClr val="tx1"/>
+                      </a:solidFill>
+                      <a:prstDash val="solid"/>
+                      <a:round/>
+                      <a:headEnd type="none" w="med" len="med"/>
+                      <a:tailEnd type="none" w="med" len="med"/>
+                    </a:lnB>
+                    <a:lnTlToBr w="12700" cmpd="sng">
+                      <a:noFill/>
+                      <a:prstDash val="solid"/>
+                    </a:lnTlToBr>
+                    <a:lnBlToTr w="12700" cmpd="sng">
+                      <a:noFill/>
+                      <a:prstDash val="solid"/>
+                    </a:lnBlToTr>
+                    <a:solidFill>
+                      <a:srgbClr val="FFFFFF"/>
+                    </a:solidFill>
+                  </a:tcPr>
+                </a:tc>
+                <a:tc>
+                  <a:txBody>
+                    <a:bodyPr/>
+                    <a:lstStyle/>
+                    <a:p>
+                      <a:pPr algn="ctr" fontAlgn="ctr"/>
+                      <a:r>
+                        <a:rPr lang="en-SG" sz="800">
+                          <a:effectLst/>
+                        </a:rPr>
+                        <a:t>0.800207</a:t>
+                      </a:r>
+                    </a:p>
+                  </a:txBody>
+                  <a:tcPr marL="45804" marR="45804" marT="22902" marB="22902" anchor="ctr">
+                    <a:lnL w="12700" cap="flat" cmpd="sng" algn="ctr">
+                      <a:solidFill>
+                        <a:schemeClr val="tx1"/>
+                      </a:solidFill>
+                      <a:prstDash val="solid"/>
+                      <a:round/>
+                      <a:headEnd type="none" w="med" len="med"/>
+                      <a:tailEnd type="none" w="med" len="med"/>
+                    </a:lnL>
+                    <a:lnR w="12700" cap="flat" cmpd="sng" algn="ctr">
+                      <a:solidFill>
+                        <a:schemeClr val="tx1"/>
+                      </a:solidFill>
+                      <a:prstDash val="solid"/>
+                      <a:round/>
+                      <a:headEnd type="none" w="med" len="med"/>
+                      <a:tailEnd type="none" w="med" len="med"/>
+                    </a:lnR>
+                    <a:lnT w="12700" cap="flat" cmpd="sng" algn="ctr">
+                      <a:solidFill>
+                        <a:schemeClr val="tx1"/>
+                      </a:solidFill>
+                      <a:prstDash val="solid"/>
+                      <a:round/>
+                      <a:headEnd type="none" w="med" len="med"/>
+                      <a:tailEnd type="none" w="med" len="med"/>
+                    </a:lnT>
+                    <a:lnB w="12700" cap="flat" cmpd="sng" algn="ctr">
+                      <a:solidFill>
+                        <a:schemeClr val="tx1"/>
+                      </a:solidFill>
+                      <a:prstDash val="solid"/>
+                      <a:round/>
+                      <a:headEnd type="none" w="med" len="med"/>
+                      <a:tailEnd type="none" w="med" len="med"/>
+                    </a:lnB>
+                    <a:lnTlToBr w="12700" cmpd="sng">
+                      <a:noFill/>
+                      <a:prstDash val="solid"/>
+                    </a:lnTlToBr>
+                    <a:lnBlToTr w="12700" cmpd="sng">
+                      <a:noFill/>
+                      <a:prstDash val="solid"/>
+                    </a:lnBlToTr>
+                    <a:solidFill>
+                      <a:srgbClr val="FFFFFF"/>
+                    </a:solidFill>
+                  </a:tcPr>
+                </a:tc>
+                <a:tc>
+                  <a:txBody>
+                    <a:bodyPr/>
+                    <a:lstStyle/>
+                    <a:p>
+                      <a:pPr algn="ctr" fontAlgn="ctr"/>
+                      <a:r>
+                        <a:rPr lang="en-SG" sz="800" dirty="0">
+                          <a:effectLst/>
+                        </a:rPr>
+                        <a:t>0.618486</a:t>
+                      </a:r>
+                    </a:p>
+                  </a:txBody>
+                  <a:tcPr marL="45804" marR="45804" marT="22902" marB="22902" anchor="ctr">
+                    <a:lnL w="12700" cap="flat" cmpd="sng" algn="ctr">
+                      <a:solidFill>
+                        <a:schemeClr val="tx1"/>
+                      </a:solidFill>
+                      <a:prstDash val="solid"/>
+                      <a:round/>
+                      <a:headEnd type="none" w="med" len="med"/>
+                      <a:tailEnd type="none" w="med" len="med"/>
+                    </a:lnL>
+                    <a:lnR w="12700" cap="flat" cmpd="sng" algn="ctr">
+                      <a:solidFill>
+                        <a:schemeClr val="tx1"/>
+                      </a:solidFill>
+                      <a:prstDash val="solid"/>
+                      <a:round/>
+                      <a:headEnd type="none" w="med" len="med"/>
+                      <a:tailEnd type="none" w="med" len="med"/>
+                    </a:lnR>
+                    <a:lnT w="12700" cap="flat" cmpd="sng" algn="ctr">
+                      <a:solidFill>
+                        <a:schemeClr val="tx1"/>
+                      </a:solidFill>
+                      <a:prstDash val="solid"/>
+                      <a:round/>
+                      <a:headEnd type="none" w="med" len="med"/>
+                      <a:tailEnd type="none" w="med" len="med"/>
+                    </a:lnT>
+                    <a:lnB w="12700" cap="flat" cmpd="sng" algn="ctr">
+                      <a:solidFill>
+                        <a:schemeClr val="tx1"/>
+                      </a:solidFill>
+                      <a:prstDash val="solid"/>
+                      <a:round/>
+                      <a:headEnd type="none" w="med" len="med"/>
+                      <a:tailEnd type="none" w="med" len="med"/>
+                    </a:lnB>
+                    <a:lnTlToBr w="12700" cmpd="sng">
+                      <a:noFill/>
+                      <a:prstDash val="solid"/>
+                    </a:lnTlToBr>
+                    <a:lnBlToTr w="12700" cmpd="sng">
+                      <a:noFill/>
+                      <a:prstDash val="solid"/>
+                    </a:lnBlToTr>
+                    <a:solidFill>
+                      <a:srgbClr val="FFFFFF"/>
+                    </a:solidFill>
+                  </a:tcPr>
+                </a:tc>
+                <a:tc>
+                  <a:txBody>
+                    <a:bodyPr/>
+                    <a:lstStyle/>
+                    <a:p>
+                      <a:pPr algn="ctr" fontAlgn="ctr"/>
+                      <a:r>
+                        <a:rPr lang="en-SG" sz="800" dirty="0">
+                          <a:effectLst/>
+                        </a:rPr>
+                        <a:t>11.673312</a:t>
+                      </a:r>
+                    </a:p>
+                  </a:txBody>
+                  <a:tcPr marL="45804" marR="45804" marT="22902" marB="22902" anchor="ctr">
+                    <a:lnL w="12700" cap="flat" cmpd="sng" algn="ctr">
+                      <a:solidFill>
+                        <a:schemeClr val="tx1"/>
+                      </a:solidFill>
+                      <a:prstDash val="solid"/>
+                      <a:round/>
+                      <a:headEnd type="none" w="med" len="med"/>
+                      <a:tailEnd type="none" w="med" len="med"/>
+                    </a:lnL>
+                    <a:lnR w="12700" cap="flat" cmpd="sng" algn="ctr">
+                      <a:solidFill>
+                        <a:schemeClr val="tx1"/>
+                      </a:solidFill>
+                      <a:prstDash val="solid"/>
+                      <a:round/>
+                      <a:headEnd type="none" w="med" len="med"/>
+                      <a:tailEnd type="none" w="med" len="med"/>
+                    </a:lnR>
+                    <a:lnT w="12700" cap="flat" cmpd="sng" algn="ctr">
+                      <a:solidFill>
+                        <a:schemeClr val="tx1"/>
+                      </a:solidFill>
+                      <a:prstDash val="solid"/>
+                      <a:round/>
+                      <a:headEnd type="none" w="med" len="med"/>
+                      <a:tailEnd type="none" w="med" len="med"/>
+                    </a:lnT>
+                    <a:lnB w="12700" cap="flat" cmpd="sng" algn="ctr">
+                      <a:solidFill>
+                        <a:schemeClr val="tx1"/>
+                      </a:solidFill>
+                      <a:prstDash val="solid"/>
+                      <a:round/>
+                      <a:headEnd type="none" w="med" len="med"/>
+                      <a:tailEnd type="none" w="med" len="med"/>
+                    </a:lnB>
+                    <a:lnTlToBr w="12700" cmpd="sng">
+                      <a:noFill/>
+                      <a:prstDash val="solid"/>
+                    </a:lnTlToBr>
+                    <a:lnBlToTr w="12700" cmpd="sng">
+                      <a:noFill/>
+                      <a:prstDash val="solid"/>
+                    </a:lnBlToTr>
+                    <a:solidFill>
+                      <a:srgbClr val="FFFFFF"/>
+                    </a:solidFill>
+                  </a:tcPr>
+                </a:tc>
+                <a:extLst>
+                  <a:ext uri="{0D108BD9-81ED-4DB2-BD59-A6C34878D82A}">
+                    <a16:rowId xmlns:a16="http://schemas.microsoft.com/office/drawing/2014/main" val="3364837493"/>
+                  </a:ext>
+                </a:extLst>
+              </a:tr>
+              <a:tr h="343160">
+                <a:tc>
+                  <a:txBody>
+                    <a:bodyPr/>
+                    <a:lstStyle/>
+                    <a:p>
+                      <a:pPr algn="ctr" fontAlgn="ctr"/>
+                      <a:r>
+                        <a:rPr lang="pt-BR" sz="800" dirty="0">
+                          <a:effectLst/>
+                        </a:rPr>
+                        <a:t>[overall_qual, total_bsmt_sf]</a:t>
+                      </a:r>
+                    </a:p>
+                  </a:txBody>
+                  <a:tcPr marL="45804" marR="45804" marT="22902" marB="22902" anchor="ctr">
+                    <a:lnL w="12700" cap="flat" cmpd="sng" algn="ctr">
+                      <a:solidFill>
+                        <a:schemeClr val="tx1"/>
+                      </a:solidFill>
+                      <a:prstDash val="solid"/>
+                      <a:round/>
+                      <a:headEnd type="none" w="med" len="med"/>
+                      <a:tailEnd type="none" w="med" len="med"/>
+                    </a:lnL>
+                    <a:lnR w="12700" cap="flat" cmpd="sng" algn="ctr">
+                      <a:solidFill>
+                        <a:schemeClr val="tx1"/>
+                      </a:solidFill>
+                      <a:prstDash val="solid"/>
+                      <a:round/>
+                      <a:headEnd type="none" w="med" len="med"/>
+                      <a:tailEnd type="none" w="med" len="med"/>
+                    </a:lnR>
+                    <a:lnT w="12700" cap="flat" cmpd="sng" algn="ctr">
+                      <a:solidFill>
+                        <a:schemeClr val="tx1"/>
+                      </a:solidFill>
+                      <a:prstDash val="solid"/>
+                      <a:round/>
+                      <a:headEnd type="none" w="med" len="med"/>
+                      <a:tailEnd type="none" w="med" len="med"/>
+                    </a:lnT>
+                    <a:lnB w="12700" cap="flat" cmpd="sng" algn="ctr">
+                      <a:solidFill>
+                        <a:schemeClr val="tx1"/>
+                      </a:solidFill>
+                      <a:prstDash val="solid"/>
+                      <a:round/>
+                      <a:headEnd type="none" w="med" len="med"/>
+                      <a:tailEnd type="none" w="med" len="med"/>
+                    </a:lnB>
+                    <a:lnTlToBr w="12700" cmpd="sng">
+                      <a:noFill/>
+                      <a:prstDash val="solid"/>
+                    </a:lnTlToBr>
+                    <a:lnBlToTr w="12700" cmpd="sng">
+                      <a:noFill/>
+                      <a:prstDash val="solid"/>
+                    </a:lnBlToTr>
+                    <a:solidFill>
+                      <a:srgbClr val="F5F5F5"/>
+                    </a:solidFill>
+                  </a:tcPr>
+                </a:tc>
+                <a:tc>
+                  <a:txBody>
+                    <a:bodyPr/>
+                    <a:lstStyle/>
+                    <a:p>
+                      <a:pPr algn="ctr" fontAlgn="ctr"/>
+                      <a:r>
+                        <a:rPr lang="en-SG" sz="800">
+                          <a:effectLst/>
+                        </a:rPr>
+                        <a:t>0.768630</a:t>
+                      </a:r>
+                    </a:p>
+                  </a:txBody>
+                  <a:tcPr marL="45804" marR="45804" marT="22902" marB="22902" anchor="ctr">
+                    <a:lnL w="12700" cap="flat" cmpd="sng" algn="ctr">
+                      <a:solidFill>
+                        <a:schemeClr val="tx1"/>
+                      </a:solidFill>
+                      <a:prstDash val="solid"/>
+                      <a:round/>
+                      <a:headEnd type="none" w="med" len="med"/>
+                      <a:tailEnd type="none" w="med" len="med"/>
+                    </a:lnL>
+                    <a:lnR w="12700" cap="flat" cmpd="sng" algn="ctr">
+                      <a:solidFill>
+                        <a:schemeClr val="tx1"/>
+                      </a:solidFill>
+                      <a:prstDash val="solid"/>
+                      <a:round/>
+                      <a:headEnd type="none" w="med" len="med"/>
+                      <a:tailEnd type="none" w="med" len="med"/>
+                    </a:lnR>
+                    <a:lnT w="12700" cap="flat" cmpd="sng" algn="ctr">
+                      <a:solidFill>
+                        <a:schemeClr val="tx1"/>
+                      </a:solidFill>
+                      <a:prstDash val="solid"/>
+                      <a:round/>
+                      <a:headEnd type="none" w="med" len="med"/>
+                      <a:tailEnd type="none" w="med" len="med"/>
+                    </a:lnT>
+                    <a:lnB w="12700" cap="flat" cmpd="sng" algn="ctr">
+                      <a:solidFill>
+                        <a:schemeClr val="tx1"/>
+                      </a:solidFill>
+                      <a:prstDash val="solid"/>
+                      <a:round/>
+                      <a:headEnd type="none" w="med" len="med"/>
+                      <a:tailEnd type="none" w="med" len="med"/>
+                    </a:lnB>
+                    <a:lnTlToBr w="12700" cmpd="sng">
+                      <a:noFill/>
+                      <a:prstDash val="solid"/>
+                    </a:lnTlToBr>
+                    <a:lnBlToTr w="12700" cmpd="sng">
+                      <a:noFill/>
+                      <a:prstDash val="solid"/>
+                    </a:lnBlToTr>
+                    <a:solidFill>
+                      <a:srgbClr val="F5F5F5"/>
+                    </a:solidFill>
+                  </a:tcPr>
+                </a:tc>
+                <a:tc>
+                  <a:txBody>
+                    <a:bodyPr/>
+                    <a:lstStyle/>
+                    <a:p>
+                      <a:pPr algn="ctr" fontAlgn="ctr"/>
+                      <a:r>
+                        <a:rPr lang="en-SG" sz="800">
+                          <a:effectLst/>
+                        </a:rPr>
+                        <a:t>overall_qual</a:t>
+                      </a:r>
+                    </a:p>
+                  </a:txBody>
+                  <a:tcPr marL="45804" marR="45804" marT="22902" marB="22902" anchor="ctr">
+                    <a:lnL w="12700" cap="flat" cmpd="sng" algn="ctr">
+                      <a:solidFill>
+                        <a:schemeClr val="tx1"/>
+                      </a:solidFill>
+                      <a:prstDash val="solid"/>
+                      <a:round/>
+                      <a:headEnd type="none" w="med" len="med"/>
+                      <a:tailEnd type="none" w="med" len="med"/>
+                    </a:lnL>
+                    <a:lnR w="12700" cap="flat" cmpd="sng" algn="ctr">
+                      <a:solidFill>
+                        <a:schemeClr val="tx1"/>
+                      </a:solidFill>
+                      <a:prstDash val="solid"/>
+                      <a:round/>
+                      <a:headEnd type="none" w="med" len="med"/>
+                      <a:tailEnd type="none" w="med" len="med"/>
+                    </a:lnR>
+                    <a:lnT w="12700" cap="flat" cmpd="sng" algn="ctr">
+                      <a:solidFill>
+                        <a:schemeClr val="tx1"/>
+                      </a:solidFill>
+                      <a:prstDash val="solid"/>
+                      <a:round/>
+                      <a:headEnd type="none" w="med" len="med"/>
+                      <a:tailEnd type="none" w="med" len="med"/>
+                    </a:lnT>
+                    <a:lnB w="12700" cap="flat" cmpd="sng" algn="ctr">
+                      <a:solidFill>
+                        <a:schemeClr val="tx1"/>
+                      </a:solidFill>
+                      <a:prstDash val="solid"/>
+                      <a:round/>
+                      <a:headEnd type="none" w="med" len="med"/>
+                      <a:tailEnd type="none" w="med" len="med"/>
+                    </a:lnB>
+                    <a:lnTlToBr w="12700" cmpd="sng">
+                      <a:noFill/>
+                      <a:prstDash val="solid"/>
+                    </a:lnTlToBr>
+                    <a:lnBlToTr w="12700" cmpd="sng">
+                      <a:noFill/>
+                      <a:prstDash val="solid"/>
+                    </a:lnBlToTr>
+                    <a:solidFill>
+                      <a:srgbClr val="F5F5F5"/>
+                    </a:solidFill>
+                  </a:tcPr>
+                </a:tc>
+                <a:tc>
+                  <a:txBody>
+                    <a:bodyPr/>
+                    <a:lstStyle/>
+                    <a:p>
+                      <a:pPr algn="ctr" fontAlgn="ctr"/>
+                      <a:r>
+                        <a:rPr lang="en-SG" sz="800">
+                          <a:effectLst/>
+                        </a:rPr>
+                        <a:t>total_bsmt_sf</a:t>
+                      </a:r>
+                    </a:p>
+                  </a:txBody>
+                  <a:tcPr marL="45804" marR="45804" marT="22902" marB="22902" anchor="ctr">
+                    <a:lnL w="12700" cap="flat" cmpd="sng" algn="ctr">
+                      <a:solidFill>
+                        <a:schemeClr val="tx1"/>
+                      </a:solidFill>
+                      <a:prstDash val="solid"/>
+                      <a:round/>
+                      <a:headEnd type="none" w="med" len="med"/>
+                      <a:tailEnd type="none" w="med" len="med"/>
+                    </a:lnL>
+                    <a:lnR w="12700" cap="flat" cmpd="sng" algn="ctr">
+                      <a:solidFill>
+                        <a:schemeClr val="tx1"/>
+                      </a:solidFill>
+                      <a:prstDash val="solid"/>
+                      <a:round/>
+                      <a:headEnd type="none" w="med" len="med"/>
+                      <a:tailEnd type="none" w="med" len="med"/>
+                    </a:lnR>
+                    <a:lnT w="12700" cap="flat" cmpd="sng" algn="ctr">
+                      <a:solidFill>
+                        <a:schemeClr val="tx1"/>
+                      </a:solidFill>
+                      <a:prstDash val="solid"/>
+                      <a:round/>
+                      <a:headEnd type="none" w="med" len="med"/>
+                      <a:tailEnd type="none" w="med" len="med"/>
+                    </a:lnT>
+                    <a:lnB w="12700" cap="flat" cmpd="sng" algn="ctr">
+                      <a:solidFill>
+                        <a:schemeClr val="tx1"/>
+                      </a:solidFill>
+                      <a:prstDash val="solid"/>
+                      <a:round/>
+                      <a:headEnd type="none" w="med" len="med"/>
+                      <a:tailEnd type="none" w="med" len="med"/>
+                    </a:lnB>
+                    <a:lnTlToBr w="12700" cmpd="sng">
+                      <a:noFill/>
+                      <a:prstDash val="solid"/>
+                    </a:lnTlToBr>
+                    <a:lnBlToTr w="12700" cmpd="sng">
+                      <a:noFill/>
+                      <a:prstDash val="solid"/>
+                    </a:lnBlToTr>
+                    <a:solidFill>
+                      <a:srgbClr val="F5F5F5"/>
+                    </a:solidFill>
+                  </a:tcPr>
+                </a:tc>
+                <a:tc>
+                  <a:txBody>
+                    <a:bodyPr/>
+                    <a:lstStyle/>
+                    <a:p>
+                      <a:pPr algn="ctr" fontAlgn="ctr"/>
+                      <a:r>
+                        <a:rPr lang="en-SG" sz="800">
+                          <a:effectLst/>
+                        </a:rPr>
+                        <a:t>0.800207</a:t>
+                      </a:r>
+                    </a:p>
+                  </a:txBody>
+                  <a:tcPr marL="45804" marR="45804" marT="22902" marB="22902" anchor="ctr">
+                    <a:lnL w="12700" cap="flat" cmpd="sng" algn="ctr">
+                      <a:solidFill>
+                        <a:schemeClr val="tx1"/>
+                      </a:solidFill>
+                      <a:prstDash val="solid"/>
+                      <a:round/>
+                      <a:headEnd type="none" w="med" len="med"/>
+                      <a:tailEnd type="none" w="med" len="med"/>
+                    </a:lnL>
+                    <a:lnR w="12700" cap="flat" cmpd="sng" algn="ctr">
+                      <a:solidFill>
+                        <a:schemeClr val="tx1"/>
+                      </a:solidFill>
+                      <a:prstDash val="solid"/>
+                      <a:round/>
+                      <a:headEnd type="none" w="med" len="med"/>
+                      <a:tailEnd type="none" w="med" len="med"/>
+                    </a:lnR>
+                    <a:lnT w="12700" cap="flat" cmpd="sng" algn="ctr">
+                      <a:solidFill>
+                        <a:schemeClr val="tx1"/>
+                      </a:solidFill>
+                      <a:prstDash val="solid"/>
+                      <a:round/>
+                      <a:headEnd type="none" w="med" len="med"/>
+                      <a:tailEnd type="none" w="med" len="med"/>
+                    </a:lnT>
+                    <a:lnB w="12700" cap="flat" cmpd="sng" algn="ctr">
+                      <a:solidFill>
+                        <a:schemeClr val="tx1"/>
+                      </a:solidFill>
+                      <a:prstDash val="solid"/>
+                      <a:round/>
+                      <a:headEnd type="none" w="med" len="med"/>
+                      <a:tailEnd type="none" w="med" len="med"/>
+                    </a:lnB>
+                    <a:lnTlToBr w="12700" cmpd="sng">
+                      <a:noFill/>
+                      <a:prstDash val="solid"/>
+                    </a:lnTlToBr>
+                    <a:lnBlToTr w="12700" cmpd="sng">
+                      <a:noFill/>
+                      <a:prstDash val="solid"/>
+                    </a:lnBlToTr>
+                    <a:solidFill>
+                      <a:srgbClr val="F5F5F5"/>
+                    </a:solidFill>
+                  </a:tcPr>
+                </a:tc>
+                <a:tc>
+                  <a:txBody>
+                    <a:bodyPr/>
+                    <a:lstStyle/>
+                    <a:p>
+                      <a:pPr algn="ctr" fontAlgn="ctr"/>
+                      <a:r>
+                        <a:rPr lang="en-SG" sz="800">
+                          <a:effectLst/>
+                        </a:rPr>
+                        <a:t>0.629303</a:t>
+                      </a:r>
+                    </a:p>
+                  </a:txBody>
+                  <a:tcPr marL="45804" marR="45804" marT="22902" marB="22902" anchor="ctr">
+                    <a:lnL w="12700" cap="flat" cmpd="sng" algn="ctr">
+                      <a:solidFill>
+                        <a:schemeClr val="tx1"/>
+                      </a:solidFill>
+                      <a:prstDash val="solid"/>
+                      <a:round/>
+                      <a:headEnd type="none" w="med" len="med"/>
+                      <a:tailEnd type="none" w="med" len="med"/>
+                    </a:lnL>
+                    <a:lnR w="12700" cap="flat" cmpd="sng" algn="ctr">
+                      <a:solidFill>
+                        <a:schemeClr val="tx1"/>
+                      </a:solidFill>
+                      <a:prstDash val="solid"/>
+                      <a:round/>
+                      <a:headEnd type="none" w="med" len="med"/>
+                      <a:tailEnd type="none" w="med" len="med"/>
+                    </a:lnR>
+                    <a:lnT w="12700" cap="flat" cmpd="sng" algn="ctr">
+                      <a:solidFill>
+                        <a:schemeClr val="tx1"/>
+                      </a:solidFill>
+                      <a:prstDash val="solid"/>
+                      <a:round/>
+                      <a:headEnd type="none" w="med" len="med"/>
+                      <a:tailEnd type="none" w="med" len="med"/>
+                    </a:lnT>
+                    <a:lnB w="12700" cap="flat" cmpd="sng" algn="ctr">
+                      <a:solidFill>
+                        <a:schemeClr val="tx1"/>
+                      </a:solidFill>
+                      <a:prstDash val="solid"/>
+                      <a:round/>
+                      <a:headEnd type="none" w="med" len="med"/>
+                      <a:tailEnd type="none" w="med" len="med"/>
+                    </a:lnB>
+                    <a:lnTlToBr w="12700" cmpd="sng">
+                      <a:noFill/>
+                      <a:prstDash val="solid"/>
+                    </a:lnTlToBr>
+                    <a:lnBlToTr w="12700" cmpd="sng">
+                      <a:noFill/>
+                      <a:prstDash val="solid"/>
+                    </a:lnBlToTr>
+                    <a:solidFill>
+                      <a:srgbClr val="F5F5F5"/>
+                    </a:solidFill>
+                  </a:tcPr>
+                </a:tc>
+                <a:tc>
+                  <a:txBody>
+                    <a:bodyPr/>
+                    <a:lstStyle/>
+                    <a:p>
+                      <a:pPr algn="ctr" fontAlgn="ctr"/>
+                      <a:r>
+                        <a:rPr lang="en-SG" sz="800" dirty="0">
+                          <a:effectLst/>
+                        </a:rPr>
+                        <a:t>7.537502</a:t>
+                      </a:r>
+                    </a:p>
+                  </a:txBody>
+                  <a:tcPr marL="45804" marR="45804" marT="22902" marB="22902" anchor="ctr">
+                    <a:lnL w="12700" cap="flat" cmpd="sng" algn="ctr">
+                      <a:solidFill>
+                        <a:schemeClr val="tx1"/>
+                      </a:solidFill>
+                      <a:prstDash val="solid"/>
+                      <a:round/>
+                      <a:headEnd type="none" w="med" len="med"/>
+                      <a:tailEnd type="none" w="med" len="med"/>
+                    </a:lnL>
+                    <a:lnR w="12700" cap="flat" cmpd="sng" algn="ctr">
+                      <a:solidFill>
+                        <a:schemeClr val="tx1"/>
+                      </a:solidFill>
+                      <a:prstDash val="solid"/>
+                      <a:round/>
+                      <a:headEnd type="none" w="med" len="med"/>
+                      <a:tailEnd type="none" w="med" len="med"/>
+                    </a:lnR>
+                    <a:lnT w="12700" cap="flat" cmpd="sng" algn="ctr">
+                      <a:solidFill>
+                        <a:schemeClr val="tx1"/>
+                      </a:solidFill>
+                      <a:prstDash val="solid"/>
+                      <a:round/>
+                      <a:headEnd type="none" w="med" len="med"/>
+                      <a:tailEnd type="none" w="med" len="med"/>
+                    </a:lnT>
+                    <a:lnB w="12700" cap="flat" cmpd="sng" algn="ctr">
+                      <a:solidFill>
+                        <a:schemeClr val="tx1"/>
+                      </a:solidFill>
+                      <a:prstDash val="solid"/>
+                      <a:round/>
+                      <a:headEnd type="none" w="med" len="med"/>
+                      <a:tailEnd type="none" w="med" len="med"/>
+                    </a:lnB>
+                    <a:lnTlToBr w="12700" cmpd="sng">
+                      <a:noFill/>
+                      <a:prstDash val="solid"/>
+                    </a:lnTlToBr>
+                    <a:lnBlToTr w="12700" cmpd="sng">
+                      <a:noFill/>
+                      <a:prstDash val="solid"/>
+                    </a:lnBlToTr>
+                    <a:solidFill>
+                      <a:srgbClr val="F5F5F5"/>
+                    </a:solidFill>
+                  </a:tcPr>
+                </a:tc>
+                <a:extLst>
+                  <a:ext uri="{0D108BD9-81ED-4DB2-BD59-A6C34878D82A}">
+                    <a16:rowId xmlns:a16="http://schemas.microsoft.com/office/drawing/2014/main" val="3235375182"/>
+                  </a:ext>
+                </a:extLst>
+              </a:tr>
+            </a:tbl>
+          </a:graphicData>
+        </a:graphic>
+      </p:graphicFrame>
+      <p:sp>
+        <p:nvSpPr>
+          <p:cNvPr id="2" name="Oval 1">
+            <a:extLst>
+              <a:ext uri="{FF2B5EF4-FFF2-40B4-BE49-F238E27FC236}">
+                <a16:creationId xmlns:a16="http://schemas.microsoft.com/office/drawing/2014/main" id="{172114E9-848B-4CE0-A859-720C89BA0F40}"/>
+              </a:ext>
+            </a:extLst>
+          </p:cNvPr>
+          <p:cNvSpPr/>
+          <p:nvPr/>
+        </p:nvSpPr>
+        <p:spPr>
+          <a:xfrm>
+            <a:off x="1885155" y="2806699"/>
+            <a:ext cx="666750" cy="206397"/>
+          </a:xfrm>
+          <a:prstGeom prst="ellipse">
+            <a:avLst/>
+          </a:prstGeom>
+          <a:noFill/>
+          <a:ln>
+            <a:solidFill>
+              <a:srgbClr val="1F77B4"/>
+            </a:solidFill>
+          </a:ln>
+        </p:spPr>
+        <p:style>
+          <a:lnRef idx="2">
+            <a:schemeClr val="accent1">
+              <a:shade val="50000"/>
+            </a:schemeClr>
+          </a:lnRef>
+          <a:fillRef idx="1">
+            <a:schemeClr val="accent1"/>
+          </a:fillRef>
+          <a:effectRef idx="0">
+            <a:schemeClr val="accent1"/>
+          </a:effectRef>
+          <a:fontRef idx="minor">
+            <a:schemeClr val="lt1"/>
+          </a:fontRef>
+        </p:style>
+        <p:txBody>
+          <a:bodyPr rtlCol="0" anchor="ctr"/>
+          <a:lstStyle/>
+          <a:p>
+            <a:pPr algn="ctr"/>
+            <a:endParaRPr lang="en-SG"/>
+          </a:p>
+        </p:txBody>
+      </p:sp>
+      <p:sp>
+        <p:nvSpPr>
+          <p:cNvPr id="11" name="Oval 10">
+            <a:extLst>
+              <a:ext uri="{FF2B5EF4-FFF2-40B4-BE49-F238E27FC236}">
+                <a16:creationId xmlns:a16="http://schemas.microsoft.com/office/drawing/2014/main" id="{623B90B0-D23E-4BF1-8127-3E4FC90B1E57}"/>
+              </a:ext>
+            </a:extLst>
+          </p:cNvPr>
+          <p:cNvSpPr/>
+          <p:nvPr/>
+        </p:nvSpPr>
+        <p:spPr>
+          <a:xfrm>
+            <a:off x="4229100" y="2806699"/>
+            <a:ext cx="1511300" cy="206397"/>
+          </a:xfrm>
+          <a:prstGeom prst="ellipse">
+            <a:avLst/>
+          </a:prstGeom>
+          <a:noFill/>
+          <a:ln>
+            <a:solidFill>
+              <a:srgbClr val="1F77B4"/>
+            </a:solidFill>
+          </a:ln>
+        </p:spPr>
+        <p:style>
+          <a:lnRef idx="2">
+            <a:schemeClr val="accent1">
+              <a:shade val="50000"/>
+            </a:schemeClr>
+          </a:lnRef>
+          <a:fillRef idx="1">
+            <a:schemeClr val="accent1"/>
+          </a:fillRef>
+          <a:effectRef idx="0">
+            <a:schemeClr val="accent1"/>
+          </a:effectRef>
+          <a:fontRef idx="minor">
+            <a:schemeClr val="lt1"/>
+          </a:fontRef>
+        </p:style>
+        <p:txBody>
+          <a:bodyPr rtlCol="0" anchor="ctr"/>
+          <a:lstStyle/>
+          <a:p>
+            <a:pPr algn="ctr"/>
+            <a:endParaRPr lang="en-SG"/>
+          </a:p>
+        </p:txBody>
+      </p:sp>
+    </p:spTree>
+    <p:extLst>
+      <p:ext uri="{BB962C8B-B14F-4D97-AF65-F5344CB8AC3E}">
+        <p14:creationId xmlns:p14="http://schemas.microsoft.com/office/powerpoint/2010/main" val="274058282"/>
+      </p:ext>
+    </p:extLst>
+  </p:cSld>
+  <p:clrMapOvr>
+    <a:masterClrMapping/>
+  </p:clrMapOvr>
+</p:sld>
+</file>
+
+<file path=ppt/slides/slide14.xml><?xml version="1.0" encoding="utf-8"?>
 <p:sld xmlns:a="http://schemas.openxmlformats.org/drawingml/2006/main" xmlns:r="http://schemas.openxmlformats.org/officeDocument/2006/relationships" xmlns:p="http://schemas.openxmlformats.org/presentationml/2006/main">
   <p:cSld>
     <p:spTree>
@@ -18271,7 +23402,7 @@
 </p:sld>
 </file>
 
-<file path=ppt/slides/slide13.xml><?xml version="1.0" encoding="utf-8"?>
+<file path=ppt/slides/slide15.xml><?xml version="1.0" encoding="utf-8"?>
 <p:sld xmlns:a="http://schemas.openxmlformats.org/drawingml/2006/main" xmlns:r="http://schemas.openxmlformats.org/officeDocument/2006/relationships" xmlns:p="http://schemas.openxmlformats.org/presentationml/2006/main">
   <p:cSld>
     <p:spTree>
@@ -18903,7 +24034,7 @@
             </a:pPr>
             <a:r>
               <a:rPr lang="en-ZA" sz="2000" noProof="1"/>
-              <a:t>No more skewing upwards from higher sale price</a:t>
+              <a:t>No more skewing upwards when predicting higher sale price</a:t>
             </a:r>
           </a:p>
           <a:p>
@@ -18938,13 +24069,13 @@
   <p:clrMapOvr>
     <a:masterClrMapping/>
   </p:clrMapOvr>
-  <mc:AlternateContent xmlns:mc="http://schemas.openxmlformats.org/markup-compatibility/2006">
-    <mc:Choice xmlns:p159="http://schemas.microsoft.com/office/powerpoint/2015/09/main" Requires="p159">
+  <mc:AlternateContent xmlns:mc="http://schemas.openxmlformats.org/markup-compatibility/2006" xmlns:p159="http://schemas.microsoft.com/office/powerpoint/2015/09/main">
+    <mc:Choice Requires="p159">
       <p:transition xmlns:p14="http://schemas.microsoft.com/office/powerpoint/2010/main" spd="slow" p14:dur="2000">
         <p159:morph option="byObject"/>
       </p:transition>
     </mc:Choice>
-    <mc:Fallback>
+    <mc:Fallback xmlns="">
       <p:transition spd="slow">
         <p:fade/>
       </p:transition>
@@ -18953,7 +24084,7 @@
 </p:sld>
 </file>
 
-<file path=ppt/slides/slide14.xml><?xml version="1.0" encoding="utf-8"?>
+<file path=ppt/slides/slide16.xml><?xml version="1.0" encoding="utf-8"?>
 <p:sld xmlns:a="http://schemas.openxmlformats.org/drawingml/2006/main" xmlns:r="http://schemas.openxmlformats.org/officeDocument/2006/relationships" xmlns:p="http://schemas.openxmlformats.org/presentationml/2006/main">
   <p:cSld>
     <p:spTree>
@@ -20733,13 +25864,13 @@
   <p:clrMapOvr>
     <a:masterClrMapping/>
   </p:clrMapOvr>
-  <mc:AlternateContent xmlns:mc="http://schemas.openxmlformats.org/markup-compatibility/2006">
-    <mc:Choice xmlns:p159="http://schemas.microsoft.com/office/powerpoint/2015/09/main" Requires="p159">
+  <mc:AlternateContent xmlns:mc="http://schemas.openxmlformats.org/markup-compatibility/2006" xmlns:p159="http://schemas.microsoft.com/office/powerpoint/2015/09/main">
+    <mc:Choice Requires="p159">
       <p:transition xmlns:p14="http://schemas.microsoft.com/office/powerpoint/2010/main" spd="slow" p14:dur="2000">
         <p159:morph option="byObject"/>
       </p:transition>
     </mc:Choice>
-    <mc:Fallback>
+    <mc:Fallback xmlns="">
       <p:transition spd="slow">
         <p:fade/>
       </p:transition>
@@ -20748,7 +25879,7 @@
 </p:sld>
 </file>
 
-<file path=ppt/slides/slide15.xml><?xml version="1.0" encoding="utf-8"?>
+<file path=ppt/slides/slide17.xml><?xml version="1.0" encoding="utf-8"?>
 <p:sld xmlns:a="http://schemas.openxmlformats.org/drawingml/2006/main" xmlns:r="http://schemas.openxmlformats.org/officeDocument/2006/relationships" xmlns:p="http://schemas.openxmlformats.org/presentationml/2006/main">
   <p:cSld>
     <p:spTree>
@@ -20888,6 +26019,110 @@
           </a:extLst>
         </p:spPr>
       </p:pic>
+      <p:sp>
+        <p:nvSpPr>
+          <p:cNvPr id="3" name="Oval 2">
+            <a:extLst>
+              <a:ext uri="{FF2B5EF4-FFF2-40B4-BE49-F238E27FC236}">
+                <a16:creationId xmlns:a16="http://schemas.microsoft.com/office/drawing/2014/main" id="{45422E66-11C4-4DCD-95C1-9BDB5CFE8A6A}"/>
+              </a:ext>
+            </a:extLst>
+          </p:cNvPr>
+          <p:cNvSpPr/>
+          <p:nvPr/>
+        </p:nvSpPr>
+        <p:spPr>
+          <a:xfrm>
+            <a:off x="3563596" y="3690372"/>
+            <a:ext cx="177800" cy="177800"/>
+          </a:xfrm>
+          <a:prstGeom prst="ellipse">
+            <a:avLst/>
+          </a:prstGeom>
+          <a:noFill/>
+          <a:ln>
+            <a:solidFill>
+              <a:srgbClr val="FF0000"/>
+            </a:solidFill>
+          </a:ln>
+        </p:spPr>
+        <p:style>
+          <a:lnRef idx="2">
+            <a:schemeClr val="accent1">
+              <a:shade val="50000"/>
+            </a:schemeClr>
+          </a:lnRef>
+          <a:fillRef idx="1">
+            <a:schemeClr val="accent1"/>
+          </a:fillRef>
+          <a:effectRef idx="0">
+            <a:schemeClr val="accent1"/>
+          </a:effectRef>
+          <a:fontRef idx="minor">
+            <a:schemeClr val="lt1"/>
+          </a:fontRef>
+        </p:style>
+        <p:txBody>
+          <a:bodyPr rtlCol="0" anchor="ctr"/>
+          <a:lstStyle/>
+          <a:p>
+            <a:pPr algn="ctr"/>
+            <a:endParaRPr lang="en-SG"/>
+          </a:p>
+        </p:txBody>
+      </p:sp>
+      <p:sp>
+        <p:nvSpPr>
+          <p:cNvPr id="6" name="Oval 5">
+            <a:extLst>
+              <a:ext uri="{FF2B5EF4-FFF2-40B4-BE49-F238E27FC236}">
+                <a16:creationId xmlns:a16="http://schemas.microsoft.com/office/drawing/2014/main" id="{F6F1919E-5F52-4658-9EE6-666B0AD1A442}"/>
+              </a:ext>
+            </a:extLst>
+          </p:cNvPr>
+          <p:cNvSpPr/>
+          <p:nvPr/>
+        </p:nvSpPr>
+        <p:spPr>
+          <a:xfrm>
+            <a:off x="8783296" y="3195072"/>
+            <a:ext cx="177800" cy="177800"/>
+          </a:xfrm>
+          <a:prstGeom prst="ellipse">
+            <a:avLst/>
+          </a:prstGeom>
+          <a:noFill/>
+          <a:ln>
+            <a:solidFill>
+              <a:srgbClr val="FF0000"/>
+            </a:solidFill>
+          </a:ln>
+        </p:spPr>
+        <p:style>
+          <a:lnRef idx="2">
+            <a:schemeClr val="accent1">
+              <a:shade val="50000"/>
+            </a:schemeClr>
+          </a:lnRef>
+          <a:fillRef idx="1">
+            <a:schemeClr val="accent1"/>
+          </a:fillRef>
+          <a:effectRef idx="0">
+            <a:schemeClr val="accent1"/>
+          </a:effectRef>
+          <a:fontRef idx="minor">
+            <a:schemeClr val="lt1"/>
+          </a:fontRef>
+        </p:style>
+        <p:txBody>
+          <a:bodyPr rtlCol="0" anchor="ctr"/>
+          <a:lstStyle/>
+          <a:p>
+            <a:pPr algn="ctr"/>
+            <a:endParaRPr lang="en-SG"/>
+          </a:p>
+        </p:txBody>
+      </p:sp>
     </p:spTree>
     <p:extLst>
       <p:ext uri="{BB962C8B-B14F-4D97-AF65-F5344CB8AC3E}">
@@ -20901,7 +26136,7 @@
 </p:sld>
 </file>
 
-<file path=ppt/slides/slide16.xml><?xml version="1.0" encoding="utf-8"?>
+<file path=ppt/slides/slide18.xml><?xml version="1.0" encoding="utf-8"?>
 <p:sld xmlns:a="http://schemas.openxmlformats.org/drawingml/2006/main" xmlns:r="http://schemas.openxmlformats.org/officeDocument/2006/relationships" xmlns:p="http://schemas.openxmlformats.org/presentationml/2006/main">
   <p:cSld>
     <p:spTree>
@@ -21028,7 +26263,7 @@
           <a:p>
             <a:fld id="{B5CEABB6-07DC-46E8-9B57-56EC44A396E5}" type="slidenum">
               <a:rPr lang="en-US" smtClean="0"/>
-              <a:t>16</a:t>
+              <a:t>18</a:t>
             </a:fld>
             <a:endParaRPr lang="en-US" dirty="0"/>
           </a:p>
@@ -21078,8 +26313,8 @@
         </p:nvSpPr>
         <p:spPr>
           <a:xfrm>
-            <a:off x="2569029" y="5693054"/>
-            <a:ext cx="8244794" cy="369332"/>
+            <a:off x="3242128" y="5688824"/>
+            <a:ext cx="9521371" cy="276999"/>
           </a:xfrm>
           <a:prstGeom prst="rect">
             <a:avLst/>
@@ -21097,10 +26332,10 @@
               <a:buChar char="ü"/>
             </a:pPr>
             <a:r>
-              <a:rPr lang="en-US" dirty="0"/>
-              <a:t>Outlier found in holdup set is not found in Train set hence removed</a:t>
+              <a:rPr lang="en-US" sz="1200" dirty="0"/>
+              <a:t>Behaviour of this outlier found in holdup not consistent in Train set hence removed</a:t>
             </a:r>
-            <a:endParaRPr lang="en-SG" dirty="0"/>
+            <a:endParaRPr lang="en-SG" sz="1200" dirty="0"/>
           </a:p>
         </p:txBody>
       </p:sp>
@@ -21169,7 +26404,7 @@
 </p:sld>
 </file>
 
-<file path=ppt/slides/slide17.xml><?xml version="1.0" encoding="utf-8"?>
+<file path=ppt/slides/slide19.xml><?xml version="1.0" encoding="utf-8"?>
 <p:sld xmlns:a="http://schemas.openxmlformats.org/drawingml/2006/main" xmlns:r="http://schemas.openxmlformats.org/officeDocument/2006/relationships" xmlns:p="http://schemas.openxmlformats.org/presentationml/2006/main">
   <p:cSld>
     <p:spTree>
@@ -21296,7 +26531,7 @@
             </a:pPr>
             <a:r>
               <a:rPr lang="en-ZA" noProof="1"/>
-              <a:t>Understanding interaction terms in consumer’s POV and putting into Data science concepts </a:t>
+              <a:t>Understanding interaction terms in consumer’s POV and help provide better predictive power</a:t>
             </a:r>
           </a:p>
           <a:p>
@@ -21375,7 +26610,33 @@
             </a:pPr>
             <a:r>
               <a:rPr lang="en-ZA" noProof="1"/>
-              <a:t>Explore deeper EDA on each ordinal categories and considering doing interaction or putting a score to it instead of nominal categories that kills it with 1s and 0s </a:t>
+              <a:t>Explore deeper EDA on each ordinal categories</a:t>
+            </a:r>
+          </a:p>
+          <a:p>
+            <a:pPr marL="742950" lvl="1" indent="-285750">
+              <a:buFont typeface="Wingdings" panose="05000000000000000000" pitchFamily="2" charset="2"/>
+              <a:buChar char="ü"/>
+            </a:pPr>
+            <a:r>
+              <a:rPr lang="en-ZA" noProof="1"/>
+              <a:t>considering doing </a:t>
+            </a:r>
+            <a:r>
+              <a:rPr lang="en-ZA" b="1" noProof="1"/>
+              <a:t>interaction</a:t>
+            </a:r>
+            <a:r>
+              <a:rPr lang="en-ZA" noProof="1"/>
+              <a:t> or putting a </a:t>
+            </a:r>
+            <a:r>
+              <a:rPr lang="en-ZA" b="1" noProof="1"/>
+              <a:t>score</a:t>
+            </a:r>
+            <a:r>
+              <a:rPr lang="en-ZA" noProof="1"/>
+              <a:t> to it instead of nominal categories that kills it with 1s and 0s </a:t>
             </a:r>
           </a:p>
           <a:p>
@@ -21587,7 +26848,7 @@
           <a:p>
             <a:r>
               <a:rPr lang="en-ZA" i="1" dirty="0"/>
-              <a:t>Interaction terms, Optimise ordinal features, Minimize Outliers</a:t>
+              <a:t>Interaction terms</a:t>
             </a:r>
             <a:endParaRPr lang="en-US" i="1" dirty="0"/>
           </a:p>
@@ -21656,7 +26917,7 @@
           <a:p>
             <a:r>
               <a:rPr lang="en-ZA" i="1" dirty="0"/>
-              <a:t>Optimise coefficients</a:t>
+              <a:t>Optimise coefficients , Optimise ordinal features, Minimize Outliers</a:t>
             </a:r>
             <a:endParaRPr lang="en-US" i="1" dirty="0"/>
           </a:p>
@@ -22431,48 +27692,6 @@
       </p:cxnSp>
       <p:cxnSp>
         <p:nvCxnSpPr>
-          <p:cNvPr id="46" name="Straight Arrow Connector 45">
-            <a:extLst>
-              <a:ext uri="{FF2B5EF4-FFF2-40B4-BE49-F238E27FC236}">
-                <a16:creationId xmlns:a16="http://schemas.microsoft.com/office/drawing/2014/main" id="{75E60640-A30A-458A-A0F9-CCB719C97016}"/>
-              </a:ext>
-            </a:extLst>
-          </p:cNvPr>
-          <p:cNvCxnSpPr/>
-          <p:nvPr/>
-        </p:nvCxnSpPr>
-        <p:spPr>
-          <a:xfrm flipV="1">
-            <a:off x="2019300" y="5857012"/>
-            <a:ext cx="0" cy="264596"/>
-          </a:xfrm>
-          <a:prstGeom prst="straightConnector1">
-            <a:avLst/>
-          </a:prstGeom>
-          <a:ln>
-            <a:solidFill>
-              <a:schemeClr val="tx1"/>
-            </a:solidFill>
-            <a:tailEnd type="triangle"/>
-          </a:ln>
-        </p:spPr>
-        <p:style>
-          <a:lnRef idx="1">
-            <a:schemeClr val="accent1"/>
-          </a:lnRef>
-          <a:fillRef idx="0">
-            <a:schemeClr val="accent1"/>
-          </a:fillRef>
-          <a:effectRef idx="0">
-            <a:schemeClr val="accent1"/>
-          </a:effectRef>
-          <a:fontRef idx="minor">
-            <a:schemeClr val="tx1"/>
-          </a:fontRef>
-        </p:style>
-      </p:cxnSp>
-      <p:cxnSp>
-        <p:nvCxnSpPr>
           <p:cNvPr id="50" name="Straight Arrow Connector 49">
             <a:extLst>
               <a:ext uri="{FF2B5EF4-FFF2-40B4-BE49-F238E27FC236}">
@@ -22653,7 +27872,7 @@
                                           </p:stCondLst>
                                         </p:cTn>
                                         <p:tgtEl>
-                                          <p:spTgt spid="46"/>
+                                          <p:spTgt spid="50"/>
                                         </p:tgtEl>
                                         <p:attrNameLst>
                                           <p:attrName>style.visibility</p:attrName>
@@ -22680,7 +27899,7 @@
                                           </p:stCondLst>
                                         </p:cTn>
                                         <p:tgtEl>
-                                          <p:spTgt spid="50"/>
+                                          <p:spTgt spid="51"/>
                                         </p:tgtEl>
                                         <p:attrNameLst>
                                           <p:attrName>style.visibility</p:attrName>
@@ -22707,33 +27926,6 @@
                                           </p:stCondLst>
                                         </p:cTn>
                                         <p:tgtEl>
-                                          <p:spTgt spid="51"/>
-                                        </p:tgtEl>
-                                        <p:attrNameLst>
-                                          <p:attrName>style.visibility</p:attrName>
-                                        </p:attrNameLst>
-                                      </p:cBhvr>
-                                      <p:to>
-                                        <p:strVal val="visible"/>
-                                      </p:to>
-                                    </p:set>
-                                  </p:childTnLst>
-                                </p:cTn>
-                              </p:par>
-                              <p:par>
-                                <p:cTn id="15" presetID="1" presetClass="entr" presetSubtype="0" fill="hold" nodeType="withEffect">
-                                  <p:stCondLst>
-                                    <p:cond delay="0"/>
-                                  </p:stCondLst>
-                                  <p:childTnLst>
-                                    <p:set>
-                                      <p:cBhvr>
-                                        <p:cTn id="16" dur="1" fill="hold">
-                                          <p:stCondLst>
-                                            <p:cond delay="0"/>
-                                          </p:stCondLst>
-                                        </p:cTn>
-                                        <p:tgtEl>
                                           <p:spTgt spid="39"/>
                                         </p:tgtEl>
                                         <p:attrNameLst>
@@ -22754,19 +27946,46 @@
                     </p:cTn>
                   </p:par>
                   <p:par>
-                    <p:cTn id="17" fill="hold">
+                    <p:cTn id="15" fill="hold">
                       <p:stCondLst>
                         <p:cond delay="indefinite"/>
                       </p:stCondLst>
                       <p:childTnLst>
                         <p:par>
-                          <p:cTn id="18" fill="hold">
+                          <p:cTn id="16" fill="hold">
                             <p:stCondLst>
                               <p:cond delay="0"/>
                             </p:stCondLst>
                             <p:childTnLst>
                               <p:par>
-                                <p:cTn id="19" presetID="1" presetClass="exit" presetSubtype="0" fill="hold" nodeType="clickEffect">
+                                <p:cTn id="17" presetID="1" presetClass="exit" presetSubtype="0" fill="hold" nodeType="clickEffect">
+                                  <p:stCondLst>
+                                    <p:cond delay="0"/>
+                                  </p:stCondLst>
+                                  <p:childTnLst>
+                                    <p:set>
+                                      <p:cBhvr>
+                                        <p:cTn id="18" dur="1" fill="hold">
+                                          <p:stCondLst>
+                                            <p:cond delay="0"/>
+                                          </p:stCondLst>
+                                        </p:cTn>
+                                        <p:tgtEl>
+                                          <p:spTgt spid="45"/>
+                                        </p:tgtEl>
+                                        <p:attrNameLst>
+                                          <p:attrName>style.visibility</p:attrName>
+                                        </p:attrNameLst>
+                                      </p:cBhvr>
+                                      <p:to>
+                                        <p:strVal val="hidden"/>
+                                      </p:to>
+                                    </p:set>
+                                  </p:childTnLst>
+                                </p:cTn>
+                              </p:par>
+                              <p:par>
+                                <p:cTn id="19" presetID="1" presetClass="exit" presetSubtype="0" fill="hold" nodeType="withEffect">
                                   <p:stCondLst>
                                     <p:cond delay="0"/>
                                   </p:stCondLst>
@@ -22779,7 +27998,7 @@
                                           </p:stCondLst>
                                         </p:cTn>
                                         <p:tgtEl>
-                                          <p:spTgt spid="45"/>
+                                          <p:spTgt spid="39"/>
                                         </p:tgtEl>
                                         <p:attrNameLst>
                                           <p:attrName>style.visibility</p:attrName>
@@ -22806,7 +28025,7 @@
                                           </p:stCondLst>
                                         </p:cTn>
                                         <p:tgtEl>
-                                          <p:spTgt spid="46"/>
+                                          <p:spTgt spid="51"/>
                                         </p:tgtEl>
                                         <p:attrNameLst>
                                           <p:attrName>style.visibility</p:attrName>
@@ -22833,7 +28052,7 @@
                                           </p:stCondLst>
                                         </p:cTn>
                                         <p:tgtEl>
-                                          <p:spTgt spid="39"/>
+                                          <p:spTgt spid="50"/>
                                         </p:tgtEl>
                                         <p:attrNameLst>
                                           <p:attrName>style.visibility</p:attrName>
@@ -22860,7 +28079,7 @@
                                           </p:stCondLst>
                                         </p:cTn>
                                         <p:tgtEl>
-                                          <p:spTgt spid="51"/>
+                                          <p:spTgt spid="44"/>
                                         </p:tgtEl>
                                         <p:attrNameLst>
                                           <p:attrName>style.visibility</p:attrName>
@@ -22874,7 +28093,7 @@
                                 </p:cTn>
                               </p:par>
                               <p:par>
-                                <p:cTn id="27" presetID="1" presetClass="exit" presetSubtype="0" fill="hold" nodeType="withEffect">
+                                <p:cTn id="27" presetID="1" presetClass="entr" presetSubtype="0" fill="hold" nodeType="withEffect">
                                   <p:stCondLst>
                                     <p:cond delay="0"/>
                                   </p:stCondLst>
@@ -22887,21 +28106,21 @@
                                           </p:stCondLst>
                                         </p:cTn>
                                         <p:tgtEl>
-                                          <p:spTgt spid="50"/>
+                                          <p:spTgt spid="33"/>
                                         </p:tgtEl>
                                         <p:attrNameLst>
                                           <p:attrName>style.visibility</p:attrName>
                                         </p:attrNameLst>
                                       </p:cBhvr>
                                       <p:to>
-                                        <p:strVal val="hidden"/>
+                                        <p:strVal val="visible"/>
                                       </p:to>
                                     </p:set>
                                   </p:childTnLst>
                                 </p:cTn>
                               </p:par>
                               <p:par>
-                                <p:cTn id="29" presetID="1" presetClass="exit" presetSubtype="0" fill="hold" nodeType="withEffect">
+                                <p:cTn id="29" presetID="1" presetClass="entr" presetSubtype="0" fill="hold" nodeType="withEffect">
                                   <p:stCondLst>
                                     <p:cond delay="0"/>
                                   </p:stCondLst>
@@ -22914,14 +28133,14 @@
                                           </p:stCondLst>
                                         </p:cTn>
                                         <p:tgtEl>
-                                          <p:spTgt spid="44"/>
+                                          <p:spTgt spid="35"/>
                                         </p:tgtEl>
                                         <p:attrNameLst>
                                           <p:attrName>style.visibility</p:attrName>
                                         </p:attrNameLst>
                                       </p:cBhvr>
                                       <p:to>
-                                        <p:strVal val="hidden"/>
+                                        <p:strVal val="visible"/>
                                       </p:to>
                                     </p:set>
                                   </p:childTnLst>
@@ -22941,7 +28160,7 @@
                                           </p:stCondLst>
                                         </p:cTn>
                                         <p:tgtEl>
-                                          <p:spTgt spid="33"/>
+                                          <p:spTgt spid="37"/>
                                         </p:tgtEl>
                                         <p:attrNameLst>
                                           <p:attrName>style.visibility</p:attrName>
@@ -22968,87 +28187,6 @@
                                           </p:stCondLst>
                                         </p:cTn>
                                         <p:tgtEl>
-                                          <p:spTgt spid="35"/>
-                                        </p:tgtEl>
-                                        <p:attrNameLst>
-                                          <p:attrName>style.visibility</p:attrName>
-                                        </p:attrNameLst>
-                                      </p:cBhvr>
-                                      <p:to>
-                                        <p:strVal val="visible"/>
-                                      </p:to>
-                                    </p:set>
-                                  </p:childTnLst>
-                                </p:cTn>
-                              </p:par>
-                              <p:par>
-                                <p:cTn id="35" presetID="1" presetClass="entr" presetSubtype="0" fill="hold" nodeType="withEffect">
-                                  <p:stCondLst>
-                                    <p:cond delay="0"/>
-                                  </p:stCondLst>
-                                  <p:childTnLst>
-                                    <p:set>
-                                      <p:cBhvr>
-                                        <p:cTn id="36" dur="1" fill="hold">
-                                          <p:stCondLst>
-                                            <p:cond delay="0"/>
-                                          </p:stCondLst>
-                                        </p:cTn>
-                                        <p:tgtEl>
-                                          <p:spTgt spid="36"/>
-                                        </p:tgtEl>
-                                        <p:attrNameLst>
-                                          <p:attrName>style.visibility</p:attrName>
-                                        </p:attrNameLst>
-                                      </p:cBhvr>
-                                      <p:to>
-                                        <p:strVal val="visible"/>
-                                      </p:to>
-                                    </p:set>
-                                  </p:childTnLst>
-                                </p:cTn>
-                              </p:par>
-                              <p:par>
-                                <p:cTn id="37" presetID="1" presetClass="entr" presetSubtype="0" fill="hold" nodeType="withEffect">
-                                  <p:stCondLst>
-                                    <p:cond delay="0"/>
-                                  </p:stCondLst>
-                                  <p:childTnLst>
-                                    <p:set>
-                                      <p:cBhvr>
-                                        <p:cTn id="38" dur="1" fill="hold">
-                                          <p:stCondLst>
-                                            <p:cond delay="0"/>
-                                          </p:stCondLst>
-                                        </p:cTn>
-                                        <p:tgtEl>
-                                          <p:spTgt spid="37"/>
-                                        </p:tgtEl>
-                                        <p:attrNameLst>
-                                          <p:attrName>style.visibility</p:attrName>
-                                        </p:attrNameLst>
-                                      </p:cBhvr>
-                                      <p:to>
-                                        <p:strVal val="visible"/>
-                                      </p:to>
-                                    </p:set>
-                                  </p:childTnLst>
-                                </p:cTn>
-                              </p:par>
-                              <p:par>
-                                <p:cTn id="39" presetID="1" presetClass="entr" presetSubtype="0" fill="hold" nodeType="withEffect">
-                                  <p:stCondLst>
-                                    <p:cond delay="0"/>
-                                  </p:stCondLst>
-                                  <p:childTnLst>
-                                    <p:set>
-                                      <p:cBhvr>
-                                        <p:cTn id="40" dur="1" fill="hold">
-                                          <p:stCondLst>
-                                            <p:cond delay="0"/>
-                                          </p:stCondLst>
-                                        </p:cTn>
-                                        <p:tgtEl>
                                           <p:spTgt spid="38"/>
                                         </p:tgtEl>
                                         <p:attrNameLst>
@@ -23069,26 +28207,26 @@
                     </p:cTn>
                   </p:par>
                   <p:par>
-                    <p:cTn id="41" fill="hold">
+                    <p:cTn id="35" fill="hold">
                       <p:stCondLst>
                         <p:cond delay="indefinite"/>
                       </p:stCondLst>
                       <p:childTnLst>
                         <p:par>
-                          <p:cTn id="42" fill="hold">
+                          <p:cTn id="36" fill="hold">
                             <p:stCondLst>
                               <p:cond delay="0"/>
                             </p:stCondLst>
                             <p:childTnLst>
                               <p:par>
-                                <p:cTn id="43" presetID="1" presetClass="exit" presetSubtype="0" fill="hold" nodeType="clickEffect">
+                                <p:cTn id="37" presetID="1" presetClass="exit" presetSubtype="0" fill="hold" nodeType="clickEffect">
                                   <p:stCondLst>
                                     <p:cond delay="0"/>
                                   </p:stCondLst>
                                   <p:childTnLst>
                                     <p:set>
                                       <p:cBhvr>
-                                        <p:cTn id="44" dur="1" fill="hold">
+                                        <p:cTn id="38" dur="1" fill="hold">
                                           <p:stCondLst>
                                             <p:cond delay="0"/>
                                           </p:stCondLst>
@@ -23108,14 +28246,14 @@
                                 </p:cTn>
                               </p:par>
                               <p:par>
-                                <p:cTn id="45" presetID="1" presetClass="exit" presetSubtype="0" fill="hold" nodeType="withEffect">
+                                <p:cTn id="39" presetID="1" presetClass="exit" presetSubtype="0" fill="hold" nodeType="withEffect">
                                   <p:stCondLst>
                                     <p:cond delay="0"/>
                                   </p:stCondLst>
                                   <p:childTnLst>
                                     <p:set>
                                       <p:cBhvr>
-                                        <p:cTn id="46" dur="1" fill="hold">
+                                        <p:cTn id="40" dur="1" fill="hold">
                                           <p:stCondLst>
                                             <p:cond delay="0"/>
                                           </p:stCondLst>
@@ -23135,14 +28273,113 @@
                                 </p:cTn>
                               </p:par>
                               <p:par>
-                                <p:cTn id="47" presetID="1" presetClass="exit" presetSubtype="0" fill="hold" nodeType="withEffect">
+                                <p:cTn id="41" presetID="1" presetClass="exit" presetSubtype="0" fill="hold" nodeType="withEffect">
                                   <p:stCondLst>
                                     <p:cond delay="0"/>
                                   </p:stCondLst>
                                   <p:childTnLst>
                                     <p:set>
                                       <p:cBhvr>
-                                        <p:cTn id="48" dur="1" fill="hold">
+                                        <p:cTn id="42" dur="1" fill="hold">
+                                          <p:stCondLst>
+                                            <p:cond delay="0"/>
+                                          </p:stCondLst>
+                                        </p:cTn>
+                                        <p:tgtEl>
+                                          <p:spTgt spid="37"/>
+                                        </p:tgtEl>
+                                        <p:attrNameLst>
+                                          <p:attrName>style.visibility</p:attrName>
+                                        </p:attrNameLst>
+                                      </p:cBhvr>
+                                      <p:to>
+                                        <p:strVal val="hidden"/>
+                                      </p:to>
+                                    </p:set>
+                                  </p:childTnLst>
+                                </p:cTn>
+                              </p:par>
+                              <p:par>
+                                <p:cTn id="43" presetID="1" presetClass="exit" presetSubtype="0" fill="hold" nodeType="withEffect">
+                                  <p:stCondLst>
+                                    <p:cond delay="0"/>
+                                  </p:stCondLst>
+                                  <p:childTnLst>
+                                    <p:set>
+                                      <p:cBhvr>
+                                        <p:cTn id="44" dur="1" fill="hold">
+                                          <p:stCondLst>
+                                            <p:cond delay="0"/>
+                                          </p:stCondLst>
+                                        </p:cTn>
+                                        <p:tgtEl>
+                                          <p:spTgt spid="38"/>
+                                        </p:tgtEl>
+                                        <p:attrNameLst>
+                                          <p:attrName>style.visibility</p:attrName>
+                                        </p:attrNameLst>
+                                      </p:cBhvr>
+                                      <p:to>
+                                        <p:strVal val="hidden"/>
+                                      </p:to>
+                                    </p:set>
+                                  </p:childTnLst>
+                                </p:cTn>
+                              </p:par>
+                              <p:par>
+                                <p:cTn id="45" presetID="1" presetClass="entr" presetSubtype="0" fill="hold" nodeType="withEffect">
+                                  <p:stCondLst>
+                                    <p:cond delay="0"/>
+                                  </p:stCondLst>
+                                  <p:childTnLst>
+                                    <p:set>
+                                      <p:cBhvr>
+                                        <p:cTn id="46" dur="1" fill="hold">
+                                          <p:stCondLst>
+                                            <p:cond delay="0"/>
+                                          </p:stCondLst>
+                                        </p:cTn>
+                                        <p:tgtEl>
+                                          <p:spTgt spid="36"/>
+                                        </p:tgtEl>
+                                        <p:attrNameLst>
+                                          <p:attrName>style.visibility</p:attrName>
+                                        </p:attrNameLst>
+                                      </p:cBhvr>
+                                      <p:to>
+                                        <p:strVal val="visible"/>
+                                      </p:to>
+                                    </p:set>
+                                  </p:childTnLst>
+                                </p:cTn>
+                              </p:par>
+                            </p:childTnLst>
+                          </p:cTn>
+                        </p:par>
+                      </p:childTnLst>
+                    </p:cTn>
+                  </p:par>
+                  <p:par>
+                    <p:cTn id="47" fill="hold">
+                      <p:stCondLst>
+                        <p:cond delay="indefinite"/>
+                      </p:stCondLst>
+                      <p:childTnLst>
+                        <p:par>
+                          <p:cTn id="48" fill="hold">
+                            <p:stCondLst>
+                              <p:cond delay="0"/>
+                            </p:stCondLst>
+                            <p:childTnLst>
+                              <p:par>
+                                <p:cTn id="49" presetID="1" presetClass="exit" presetSubtype="0" fill="hold" nodeType="clickEffect">
+                                  <p:stCondLst>
+                                    <p:cond delay="0"/>
+                                  </p:stCondLst>
+                                  <p:childTnLst>
+                                    <p:set>
+                                      <p:cBhvr>
+                                        <p:cTn id="50" dur="1" fill="hold">
                                           <p:stCondLst>
                                             <p:cond delay="0"/>
                                           </p:stCondLst>
@@ -23162,34 +28399,7 @@
                                 </p:cTn>
                               </p:par>
                               <p:par>
-                                <p:cTn id="49" presetID="1" presetClass="exit" presetSubtype="0" fill="hold" nodeType="withEffect">
-                                  <p:stCondLst>
-                                    <p:cond delay="0"/>
-                                  </p:stCondLst>
-                                  <p:childTnLst>
-                                    <p:set>
-                                      <p:cBhvr>
-                                        <p:cTn id="50" dur="1" fill="hold">
-                                          <p:stCondLst>
-                                            <p:cond delay="0"/>
-                                          </p:stCondLst>
-                                        </p:cTn>
-                                        <p:tgtEl>
-                                          <p:spTgt spid="37"/>
-                                        </p:tgtEl>
-                                        <p:attrNameLst>
-                                          <p:attrName>style.visibility</p:attrName>
-                                        </p:attrNameLst>
-                                      </p:cBhvr>
-                                      <p:to>
-                                        <p:strVal val="hidden"/>
-                                      </p:to>
-                                    </p:set>
-                                  </p:childTnLst>
-                                </p:cTn>
-                              </p:par>
-                              <p:par>
-                                <p:cTn id="51" presetID="1" presetClass="exit" presetSubtype="0" fill="hold" nodeType="withEffect">
+                                <p:cTn id="51" presetID="1" presetClass="entr" presetSubtype="0" fill="hold" nodeType="withEffect">
                                   <p:stCondLst>
                                     <p:cond delay="0"/>
                                   </p:stCondLst>
@@ -23197,33 +28407,6 @@
                                     <p:set>
                                       <p:cBhvr>
                                         <p:cTn id="52" dur="1" fill="hold">
-                                          <p:stCondLst>
-                                            <p:cond delay="0"/>
-                                          </p:stCondLst>
-                                        </p:cTn>
-                                        <p:tgtEl>
-                                          <p:spTgt spid="38"/>
-                                        </p:tgtEl>
-                                        <p:attrNameLst>
-                                          <p:attrName>style.visibility</p:attrName>
-                                        </p:attrNameLst>
-                                      </p:cBhvr>
-                                      <p:to>
-                                        <p:strVal val="hidden"/>
-                                      </p:to>
-                                    </p:set>
-                                  </p:childTnLst>
-                                </p:cTn>
-                              </p:par>
-                              <p:par>
-                                <p:cTn id="53" presetID="1" presetClass="entr" presetSubtype="0" fill="hold" nodeType="withEffect">
-                                  <p:stCondLst>
-                                    <p:cond delay="0"/>
-                                  </p:stCondLst>
-                                  <p:childTnLst>
-                                    <p:set>
-                                      <p:cBhvr>
-                                        <p:cTn id="54" dur="1" fill="hold">
                                           <p:stCondLst>
                                             <p:cond delay="0"/>
                                           </p:stCondLst>
@@ -23243,14 +28426,14 @@
                                 </p:cTn>
                               </p:par>
                               <p:par>
-                                <p:cTn id="55" presetID="1" presetClass="entr" presetSubtype="0" fill="hold" nodeType="withEffect">
+                                <p:cTn id="53" presetID="1" presetClass="entr" presetSubtype="0" fill="hold" nodeType="withEffect">
                                   <p:stCondLst>
                                     <p:cond delay="0"/>
                                   </p:stCondLst>
                                   <p:childTnLst>
                                     <p:set>
                                       <p:cBhvr>
-                                        <p:cTn id="56" dur="1" fill="hold">
+                                        <p:cTn id="54" dur="1" fill="hold">
                                           <p:stCondLst>
                                             <p:cond delay="0"/>
                                           </p:stCondLst>
@@ -23276,26 +28459,26 @@
                     </p:cTn>
                   </p:par>
                   <p:par>
-                    <p:cTn id="57" fill="hold">
+                    <p:cTn id="55" fill="hold">
                       <p:stCondLst>
                         <p:cond delay="indefinite"/>
                       </p:stCondLst>
                       <p:childTnLst>
                         <p:par>
-                          <p:cTn id="58" fill="hold">
+                          <p:cTn id="56" fill="hold">
                             <p:stCondLst>
                               <p:cond delay="0"/>
                             </p:stCondLst>
                             <p:childTnLst>
                               <p:par>
-                                <p:cTn id="59" presetID="1" presetClass="exit" presetSubtype="0" fill="hold" nodeType="clickEffect">
+                                <p:cTn id="57" presetID="1" presetClass="exit" presetSubtype="0" fill="hold" nodeType="clickEffect">
                                   <p:stCondLst>
                                     <p:cond delay="0"/>
                                   </p:stCondLst>
                                   <p:childTnLst>
                                     <p:set>
                                       <p:cBhvr>
-                                        <p:cTn id="60" dur="1" fill="hold">
+                                        <p:cTn id="58" dur="1" fill="hold">
                                           <p:stCondLst>
                                             <p:cond delay="0"/>
                                           </p:stCondLst>
@@ -23315,14 +28498,14 @@
                                 </p:cTn>
                               </p:par>
                               <p:par>
-                                <p:cTn id="61" presetID="1" presetClass="exit" presetSubtype="0" fill="hold" nodeType="withEffect">
+                                <p:cTn id="59" presetID="1" presetClass="exit" presetSubtype="0" fill="hold" nodeType="withEffect">
                                   <p:stCondLst>
                                     <p:cond delay="0"/>
                                   </p:stCondLst>
                                   <p:childTnLst>
                                     <p:set>
                                       <p:cBhvr>
-                                        <p:cTn id="62" dur="1" fill="hold">
+                                        <p:cTn id="60" dur="1" fill="hold">
                                           <p:stCondLst>
                                             <p:cond delay="0"/>
                                           </p:stCondLst>
@@ -27150,8 +32333,8 @@
         </p:nvSpPr>
         <p:spPr>
           <a:xfrm>
-            <a:off x="5388534" y="5159281"/>
-            <a:ext cx="2000869" cy="261610"/>
+            <a:off x="4195482" y="5371334"/>
+            <a:ext cx="4159624" cy="600164"/>
           </a:xfrm>
           <a:prstGeom prst="rect">
             <a:avLst/>
@@ -27159,16 +32342,21 @@
           <a:noFill/>
         </p:spPr>
         <p:txBody>
-          <a:bodyPr wrap="none" rtlCol="0">
+          <a:bodyPr wrap="square" rtlCol="0">
             <a:spAutoFit/>
           </a:bodyPr>
           <a:lstStyle/>
           <a:p>
+            <a:pPr algn="ctr"/>
             <a:r>
               <a:rPr lang="en-US" sz="1100" dirty="0"/>
-              <a:t>High correlation to each other</a:t>
+              <a:t>Identifying groups of highly correlated features only – keeping one of them so that the model can have much predictive power </a:t>
             </a:r>
-            <a:endParaRPr lang="en-SG" sz="1100" dirty="0"/>
+            <a:r>
+              <a:rPr lang="en-US" sz="1100" b="1" dirty="0"/>
+              <a:t>with lesser features  </a:t>
+            </a:r>
+            <a:endParaRPr lang="en-SG" sz="1100" b="1" dirty="0"/>
           </a:p>
         </p:txBody>
       </p:sp>
@@ -27182,13 +32370,13 @@
   <p:clrMapOvr>
     <a:masterClrMapping/>
   </p:clrMapOvr>
-  <mc:AlternateContent xmlns:mc="http://schemas.openxmlformats.org/markup-compatibility/2006">
-    <mc:Choice xmlns:p159="http://schemas.microsoft.com/office/powerpoint/2015/09/main" Requires="p159">
+  <mc:AlternateContent xmlns:mc="http://schemas.openxmlformats.org/markup-compatibility/2006" xmlns:p159="http://schemas.microsoft.com/office/powerpoint/2015/09/main">
+    <mc:Choice Requires="p159">
       <p:transition xmlns:p14="http://schemas.microsoft.com/office/powerpoint/2010/main" spd="slow" p14:dur="2000">
         <p159:morph option="byObject"/>
       </p:transition>
     </mc:Choice>
-    <mc:Fallback>
+    <mc:Fallback xmlns="">
       <p:transition spd="slow">
         <p:fade/>
       </p:transition>
@@ -31126,13 +36314,13 @@
   <p:clrMapOvr>
     <a:masterClrMapping/>
   </p:clrMapOvr>
-  <mc:AlternateContent xmlns:mc="http://schemas.openxmlformats.org/markup-compatibility/2006">
-    <mc:Choice xmlns:p159="http://schemas.microsoft.com/office/powerpoint/2015/09/main" Requires="p159">
+  <mc:AlternateContent xmlns:mc="http://schemas.openxmlformats.org/markup-compatibility/2006" xmlns:p159="http://schemas.microsoft.com/office/powerpoint/2015/09/main">
+    <mc:Choice Requires="p159">
       <p:transition xmlns:p14="http://schemas.microsoft.com/office/powerpoint/2010/main" spd="slow" p14:dur="2000">
         <p159:morph option="byObject"/>
       </p:transition>
     </mc:Choice>
-    <mc:Fallback>
+    <mc:Fallback xmlns="">
       <p:transition spd="slow">
         <p:fade/>
       </p:transition>
@@ -35011,13 +40199,13 @@
   <p:clrMapOvr>
     <a:masterClrMapping/>
   </p:clrMapOvr>
-  <mc:AlternateContent xmlns:mc="http://schemas.openxmlformats.org/markup-compatibility/2006">
-    <mc:Choice xmlns:p159="http://schemas.microsoft.com/office/powerpoint/2015/09/main" Requires="p159">
+  <mc:AlternateContent xmlns:mc="http://schemas.openxmlformats.org/markup-compatibility/2006" xmlns:p159="http://schemas.microsoft.com/office/powerpoint/2015/09/main">
+    <mc:Choice Requires="p159">
       <p:transition xmlns:p14="http://schemas.microsoft.com/office/powerpoint/2010/main" spd="slow" p14:dur="2000">
         <p159:morph option="byObject"/>
       </p:transition>
     </mc:Choice>
-    <mc:Fallback>
+    <mc:Fallback xmlns="">
       <p:transition spd="slow">
         <p:fade/>
       </p:transition>
@@ -35158,7 +40346,7 @@
             </a:pPr>
             <a:r>
               <a:rPr lang="en-ZA" noProof="1"/>
-              <a:t>Underfitted, with higher variance at the top above </a:t>
+              <a:t>Underfitted, with higher bias at the top above </a:t>
             </a:r>
           </a:p>
           <a:p>
@@ -35168,7 +40356,7 @@
             </a:pPr>
             <a:r>
               <a:rPr lang="en-ZA" noProof="1"/>
-              <a:t>Noted after $350,000, higher residuals observed</a:t>
+              <a:t>Noted after $320,000, higher residuals observed</a:t>
             </a:r>
           </a:p>
           <a:p>
@@ -35747,13 +40935,13 @@
   <p:clrMapOvr>
     <a:masterClrMapping/>
   </p:clrMapOvr>
-  <mc:AlternateContent xmlns:mc="http://schemas.openxmlformats.org/markup-compatibility/2006">
-    <mc:Choice xmlns:p159="http://schemas.microsoft.com/office/powerpoint/2015/09/main" Requires="p159">
+  <mc:AlternateContent xmlns:mc="http://schemas.openxmlformats.org/markup-compatibility/2006" xmlns:p159="http://schemas.microsoft.com/office/powerpoint/2015/09/main">
+    <mc:Choice Requires="p159">
       <p:transition xmlns:p14="http://schemas.microsoft.com/office/powerpoint/2010/main" spd="slow" p14:dur="2000">
         <p159:morph option="byObject"/>
       </p:transition>
     </mc:Choice>
-    <mc:Fallback>
+    <mc:Fallback xmlns="">
       <p:transition spd="slow">
         <p:fade/>
       </p:transition>
@@ -35884,15 +41072,6 @@
           <a:solidFill>
             <a:srgbClr val="FFFFFF"/>
           </a:solidFill>
-          <a:extLst>
-            <a:ext uri="{909E8E84-426E-40DD-AFC4-6F175D3DCCD1}">
-              <a14:hiddenFill xmlns:a14="http://schemas.microsoft.com/office/drawing/2010/main">
-                <a:solidFill>
-                  <a:srgbClr val="FFFFFF"/>
-                </a:solidFill>
-              </a14:hiddenFill>
-            </a:ext>
-          </a:extLst>
         </p:spPr>
       </p:pic>
       <p:pic>
@@ -35931,15 +41110,6 @@
           <a:solidFill>
             <a:srgbClr val="FFFFFF"/>
           </a:solidFill>
-          <a:extLst>
-            <a:ext uri="{909E8E84-426E-40DD-AFC4-6F175D3DCCD1}">
-              <a14:hiddenFill xmlns:a14="http://schemas.microsoft.com/office/drawing/2010/main">
-                <a:solidFill>
-                  <a:srgbClr val="FFFFFF"/>
-                </a:solidFill>
-              </a14:hiddenFill>
-            </a:ext>
-          </a:extLst>
         </p:spPr>
       </p:pic>
       <p:sp>
@@ -37413,34 +42583,6 @@
 </file>
 
 <file path=customXml/item1.xml><?xml version="1.0" encoding="utf-8"?>
-<p:properties xmlns:p="http://schemas.microsoft.com/office/2006/metadata/properties" xmlns:xsi="http://www.w3.org/2001/XMLSchema-instance" xmlns:pc="http://schemas.microsoft.com/office/infopath/2007/PartnerControls">
-  <documentManagement>
-    <_ip_UnifiedCompliancePolicyUIAction xmlns="http://schemas.microsoft.com/sharepoint/v3" xsi:nil="true"/>
-    <Image xmlns="71af3243-3dd4-4a8d-8c0d-dd76da1f02a5">
-      <Url xsi:nil="true"/>
-      <Description xsi:nil="true"/>
-    </Image>
-    <Status xmlns="71af3243-3dd4-4a8d-8c0d-dd76da1f02a5">Not started</Status>
-    <_ip_UnifiedCompliancePolicyProperties xmlns="http://schemas.microsoft.com/sharepoint/v3" xsi:nil="true"/>
-    <ImageTagsTaxHTField xmlns="71af3243-3dd4-4a8d-8c0d-dd76da1f02a5">
-      <Terms xmlns="http://schemas.microsoft.com/office/infopath/2007/PartnerControls"/>
-    </ImageTagsTaxHTField>
-    <TaxCatchAll xmlns="230e9df3-be65-4c73-a93b-d1236ebd677e"/>
-    <MediaServiceKeyPoints xmlns="71af3243-3dd4-4a8d-8c0d-dd76da1f02a5" xsi:nil="true"/>
-  </documentManagement>
-</p:properties>
-</file>
-
-<file path=customXml/item2.xml><?xml version="1.0" encoding="utf-8"?>
-<?mso-contentType ?>
-<FormTemplates xmlns="http://schemas.microsoft.com/sharepoint/v3/contenttype/forms">
-  <Display>DocumentLibraryForm</Display>
-  <Edit>DocumentLibraryForm</Edit>
-  <New>DocumentLibraryForm</New>
-</FormTemplates>
-</file>
-
-<file path=customXml/item3.xml><?xml version="1.0" encoding="utf-8"?>
 <ct:contentTypeSchema xmlns:ct="http://schemas.microsoft.com/office/2006/metadata/contentType" xmlns:ma="http://schemas.microsoft.com/office/2006/metadata/properties/metaAttributes" ct:_="" ma:_="" ma:contentTypeName="Document" ma:contentTypeID="0x01010079F111ED35F8CC479449609E8A0923A6" ma:contentTypeVersion="20" ma:contentTypeDescription="Create a new document." ma:contentTypeScope="" ma:versionID="1267097ee5f5874adfcc408041ae252e">
   <xsd:schema xmlns:xsd="http://www.w3.org/2001/XMLSchema" xmlns:xs="http://www.w3.org/2001/XMLSchema" xmlns:p="http://schemas.microsoft.com/office/2006/metadata/properties" xmlns:ns1="http://schemas.microsoft.com/sharepoint/v3" xmlns:ns2="71af3243-3dd4-4a8d-8c0d-dd76da1f02a5" xmlns:ns3="16c05727-aa75-4e4a-9b5f-8a80a1165891" xmlns:ns4="230e9df3-be65-4c73-a93b-d1236ebd677e" targetNamespace="http://schemas.microsoft.com/office/2006/metadata/properties" ma:root="true" ma:fieldsID="395891a93df65b14727750f2c06c306c" ns1:_="" ns2:_="" ns3:_="" ns4:_="">
     <xsd:import namespace="http://schemas.microsoft.com/sharepoint/v3"/>
@@ -37716,34 +42858,35 @@
 </ct:contentTypeSchema>
 </file>
 
-<file path=customXml/itemProps1.xml><?xml version="1.0" encoding="utf-8"?>
-<ds:datastoreItem xmlns:ds="http://schemas.openxmlformats.org/officeDocument/2006/customXml" ds:itemID="{7F97B18F-50BC-4F30-8373-93489E845F83}">
-  <ds:schemaRefs>
-    <ds:schemaRef ds:uri="http://schemas.microsoft.com/sharepoint/v3"/>
-    <ds:schemaRef ds:uri="http://purl.org/dc/dcmitype/"/>
-    <ds:schemaRef ds:uri="http://schemas.microsoft.com/office/2006/documentManagement/types"/>
-    <ds:schemaRef ds:uri="http://purl.org/dc/elements/1.1/"/>
-    <ds:schemaRef ds:uri="http://www.w3.org/XML/1998/namespace"/>
-    <ds:schemaRef ds:uri="http://schemas.microsoft.com/office/infopath/2007/PartnerControls"/>
-    <ds:schemaRef ds:uri="http://schemas.microsoft.com/office/2006/metadata/properties"/>
-    <ds:schemaRef ds:uri="http://schemas.openxmlformats.org/package/2006/metadata/core-properties"/>
-    <ds:schemaRef ds:uri="71af3243-3dd4-4a8d-8c0d-dd76da1f02a5"/>
-    <ds:schemaRef ds:uri="230e9df3-be65-4c73-a93b-d1236ebd677e"/>
-    <ds:schemaRef ds:uri="16c05727-aa75-4e4a-9b5f-8a80a1165891"/>
-    <ds:schemaRef ds:uri="http://purl.org/dc/terms/"/>
-  </ds:schemaRefs>
-</ds:datastoreItem>
+<file path=customXml/item2.xml><?xml version="1.0" encoding="utf-8"?>
+<?mso-contentType ?>
+<FormTemplates xmlns="http://schemas.microsoft.com/sharepoint/v3/contenttype/forms">
+  <Display>DocumentLibraryForm</Display>
+  <Edit>DocumentLibraryForm</Edit>
+  <New>DocumentLibraryForm</New>
+</FormTemplates>
 </file>
 
-<file path=customXml/itemProps2.xml><?xml version="1.0" encoding="utf-8"?>
-<ds:datastoreItem xmlns:ds="http://schemas.openxmlformats.org/officeDocument/2006/customXml" ds:itemID="{42BC90D6-94CF-42F7-AAC4-9CF6824C54D5}">
-  <ds:schemaRefs>
-    <ds:schemaRef ds:uri="http://schemas.microsoft.com/sharepoint/v3/contenttype/forms"/>
-  </ds:schemaRefs>
-</ds:datastoreItem>
+<file path=customXml/item3.xml><?xml version="1.0" encoding="utf-8"?>
+<p:properties xmlns:p="http://schemas.microsoft.com/office/2006/metadata/properties" xmlns:xsi="http://www.w3.org/2001/XMLSchema-instance" xmlns:pc="http://schemas.microsoft.com/office/infopath/2007/PartnerControls">
+  <documentManagement>
+    <_ip_UnifiedCompliancePolicyUIAction xmlns="http://schemas.microsoft.com/sharepoint/v3" xsi:nil="true"/>
+    <Image xmlns="71af3243-3dd4-4a8d-8c0d-dd76da1f02a5">
+      <Url xsi:nil="true"/>
+      <Description xsi:nil="true"/>
+    </Image>
+    <Status xmlns="71af3243-3dd4-4a8d-8c0d-dd76da1f02a5">Not started</Status>
+    <_ip_UnifiedCompliancePolicyProperties xmlns="http://schemas.microsoft.com/sharepoint/v3" xsi:nil="true"/>
+    <ImageTagsTaxHTField xmlns="71af3243-3dd4-4a8d-8c0d-dd76da1f02a5">
+      <Terms xmlns="http://schemas.microsoft.com/office/infopath/2007/PartnerControls"/>
+    </ImageTagsTaxHTField>
+    <TaxCatchAll xmlns="230e9df3-be65-4c73-a93b-d1236ebd677e"/>
+    <MediaServiceKeyPoints xmlns="71af3243-3dd4-4a8d-8c0d-dd76da1f02a5" xsi:nil="true"/>
+  </documentManagement>
+</p:properties>
 </file>
 
-<file path=customXml/itemProps3.xml><?xml version="1.0" encoding="utf-8"?>
+<file path=customXml/itemProps1.xml><?xml version="1.0" encoding="utf-8"?>
 <ds:datastoreItem xmlns:ds="http://schemas.openxmlformats.org/officeDocument/2006/customXml" ds:itemID="{64CF2EF3-001F-4BE9-81B3-86ECBBF9425F}">
   <ds:schemaRefs>
     <ds:schemaRef ds:uri="http://schemas.microsoft.com/office/2006/metadata/contentType"/>
@@ -37764,6 +42907,33 @@
 </ds:datastoreItem>
 </file>
 
+<file path=customXml/itemProps2.xml><?xml version="1.0" encoding="utf-8"?>
+<ds:datastoreItem xmlns:ds="http://schemas.openxmlformats.org/officeDocument/2006/customXml" ds:itemID="{42BC90D6-94CF-42F7-AAC4-9CF6824C54D5}">
+  <ds:schemaRefs>
+    <ds:schemaRef ds:uri="http://schemas.microsoft.com/sharepoint/v3/contenttype/forms"/>
+  </ds:schemaRefs>
+</ds:datastoreItem>
+</file>
+
+<file path=customXml/itemProps3.xml><?xml version="1.0" encoding="utf-8"?>
+<ds:datastoreItem xmlns:ds="http://schemas.openxmlformats.org/officeDocument/2006/customXml" ds:itemID="{7F97B18F-50BC-4F30-8373-93489E845F83}">
+  <ds:schemaRefs>
+    <ds:schemaRef ds:uri="http://schemas.microsoft.com/sharepoint/v3"/>
+    <ds:schemaRef ds:uri="http://purl.org/dc/dcmitype/"/>
+    <ds:schemaRef ds:uri="http://schemas.microsoft.com/office/2006/documentManagement/types"/>
+    <ds:schemaRef ds:uri="http://purl.org/dc/elements/1.1/"/>
+    <ds:schemaRef ds:uri="http://www.w3.org/XML/1998/namespace"/>
+    <ds:schemaRef ds:uri="http://schemas.microsoft.com/office/infopath/2007/PartnerControls"/>
+    <ds:schemaRef ds:uri="http://schemas.microsoft.com/office/2006/metadata/properties"/>
+    <ds:schemaRef ds:uri="http://schemas.openxmlformats.org/package/2006/metadata/core-properties"/>
+    <ds:schemaRef ds:uri="71af3243-3dd4-4a8d-8c0d-dd76da1f02a5"/>
+    <ds:schemaRef ds:uri="230e9df3-be65-4c73-a93b-d1236ebd677e"/>
+    <ds:schemaRef ds:uri="16c05727-aa75-4e4a-9b5f-8a80a1165891"/>
+    <ds:schemaRef ds:uri="http://purl.org/dc/terms/"/>
+  </ds:schemaRefs>
+</ds:datastoreItem>
+</file>
+
 <file path=docMetadata/LabelInfo.xml><?xml version="1.0" encoding="utf-8"?>
 <clbl:labelList xmlns:clbl="http://schemas.microsoft.com/office/2020/mipLabelMetadata">
   <clbl:label id="{f42aa342-8706-4288-bd11-ebb85995028c}" enabled="1" method="Standard" siteId="{72f988bf-86f1-41af-91ab-2d7cd011db47}" removed="0"/>
